--- a/Notes/3_Probability.pptx
+++ b/Notes/3_Probability.pptx
@@ -28,20 +28,22 @@
     <p:sldId id="300" r:id="rId22"/>
     <p:sldId id="305" r:id="rId23"/>
     <p:sldId id="319" r:id="rId24"/>
-    <p:sldId id="306" r:id="rId25"/>
-    <p:sldId id="307" r:id="rId26"/>
-    <p:sldId id="308" r:id="rId27"/>
-    <p:sldId id="309" r:id="rId28"/>
-    <p:sldId id="310" r:id="rId29"/>
-    <p:sldId id="311" r:id="rId30"/>
-    <p:sldId id="312" r:id="rId31"/>
-    <p:sldId id="313" r:id="rId32"/>
-    <p:sldId id="314" r:id="rId33"/>
-    <p:sldId id="316" r:id="rId34"/>
-    <p:sldId id="317" r:id="rId35"/>
-    <p:sldId id="318" r:id="rId36"/>
-    <p:sldId id="298" r:id="rId37"/>
-    <p:sldId id="299" r:id="rId38"/>
+    <p:sldId id="320" r:id="rId25"/>
+    <p:sldId id="321" r:id="rId26"/>
+    <p:sldId id="306" r:id="rId27"/>
+    <p:sldId id="307" r:id="rId28"/>
+    <p:sldId id="308" r:id="rId29"/>
+    <p:sldId id="309" r:id="rId30"/>
+    <p:sldId id="310" r:id="rId31"/>
+    <p:sldId id="311" r:id="rId32"/>
+    <p:sldId id="312" r:id="rId33"/>
+    <p:sldId id="313" r:id="rId34"/>
+    <p:sldId id="314" r:id="rId35"/>
+    <p:sldId id="316" r:id="rId36"/>
+    <p:sldId id="317" r:id="rId37"/>
+    <p:sldId id="318" r:id="rId38"/>
+    <p:sldId id="298" r:id="rId39"/>
+    <p:sldId id="299" r:id="rId40"/>
   </p:sldIdLst>
   <p:sldSz cx="9144000" cy="6858000" type="screen4x3"/>
   <p:notesSz cx="6858000" cy="9144000"/>
@@ -324,7 +326,7 @@
           <a:p>
             <a:fld id="{90F78DA6-9C61-7044-B909-8394D3EFFCF9}" type="datetimeFigureOut">
               <a:rPr lang="en-US" smtClean="0"/>
-              <a:t>1/28/19</a:t>
+              <a:t>3/19/19</a:t>
             </a:fld>
             <a:endParaRPr lang="en-US"/>
           </a:p>
@@ -494,7 +496,7 @@
           <a:p>
             <a:fld id="{90F78DA6-9C61-7044-B909-8394D3EFFCF9}" type="datetimeFigureOut">
               <a:rPr lang="en-US" smtClean="0"/>
-              <a:t>1/28/19</a:t>
+              <a:t>3/19/19</a:t>
             </a:fld>
             <a:endParaRPr lang="en-US"/>
           </a:p>
@@ -674,7 +676,7 @@
           <a:p>
             <a:fld id="{90F78DA6-9C61-7044-B909-8394D3EFFCF9}" type="datetimeFigureOut">
               <a:rPr lang="en-US" smtClean="0"/>
-              <a:t>1/28/19</a:t>
+              <a:t>3/19/19</a:t>
             </a:fld>
             <a:endParaRPr lang="en-US"/>
           </a:p>
@@ -844,7 +846,7 @@
           <a:p>
             <a:fld id="{90F78DA6-9C61-7044-B909-8394D3EFFCF9}" type="datetimeFigureOut">
               <a:rPr lang="en-US" smtClean="0"/>
-              <a:t>1/28/19</a:t>
+              <a:t>3/19/19</a:t>
             </a:fld>
             <a:endParaRPr lang="en-US"/>
           </a:p>
@@ -1090,7 +1092,7 @@
           <a:p>
             <a:fld id="{90F78DA6-9C61-7044-B909-8394D3EFFCF9}" type="datetimeFigureOut">
               <a:rPr lang="en-US" smtClean="0"/>
-              <a:t>1/28/19</a:t>
+              <a:t>3/19/19</a:t>
             </a:fld>
             <a:endParaRPr lang="en-US"/>
           </a:p>
@@ -1378,7 +1380,7 @@
           <a:p>
             <a:fld id="{90F78DA6-9C61-7044-B909-8394D3EFFCF9}" type="datetimeFigureOut">
               <a:rPr lang="en-US" smtClean="0"/>
-              <a:t>1/28/19</a:t>
+              <a:t>3/19/19</a:t>
             </a:fld>
             <a:endParaRPr lang="en-US"/>
           </a:p>
@@ -1800,7 +1802,7 @@
           <a:p>
             <a:fld id="{90F78DA6-9C61-7044-B909-8394D3EFFCF9}" type="datetimeFigureOut">
               <a:rPr lang="en-US" smtClean="0"/>
-              <a:t>1/28/19</a:t>
+              <a:t>3/19/19</a:t>
             </a:fld>
             <a:endParaRPr lang="en-US"/>
           </a:p>
@@ -1918,7 +1920,7 @@
           <a:p>
             <a:fld id="{90F78DA6-9C61-7044-B909-8394D3EFFCF9}" type="datetimeFigureOut">
               <a:rPr lang="en-US" smtClean="0"/>
-              <a:t>1/28/19</a:t>
+              <a:t>3/19/19</a:t>
             </a:fld>
             <a:endParaRPr lang="en-US"/>
           </a:p>
@@ -2013,7 +2015,7 @@
           <a:p>
             <a:fld id="{90F78DA6-9C61-7044-B909-8394D3EFFCF9}" type="datetimeFigureOut">
               <a:rPr lang="en-US" smtClean="0"/>
-              <a:t>1/28/19</a:t>
+              <a:t>3/19/19</a:t>
             </a:fld>
             <a:endParaRPr lang="en-US"/>
           </a:p>
@@ -2290,7 +2292,7 @@
           <a:p>
             <a:fld id="{90F78DA6-9C61-7044-B909-8394D3EFFCF9}" type="datetimeFigureOut">
               <a:rPr lang="en-US" smtClean="0"/>
-              <a:t>1/28/19</a:t>
+              <a:t>3/19/19</a:t>
             </a:fld>
             <a:endParaRPr lang="en-US"/>
           </a:p>
@@ -2543,7 +2545,7 @@
           <a:p>
             <a:fld id="{90F78DA6-9C61-7044-B909-8394D3EFFCF9}" type="datetimeFigureOut">
               <a:rPr lang="en-US" smtClean="0"/>
-              <a:t>1/28/19</a:t>
+              <a:t>3/19/19</a:t>
             </a:fld>
             <a:endParaRPr lang="en-US"/>
           </a:p>
@@ -2756,7 +2758,7 @@
           <a:p>
             <a:fld id="{90F78DA6-9C61-7044-B909-8394D3EFFCF9}" type="datetimeFigureOut">
               <a:rPr lang="en-US" smtClean="0"/>
-              <a:t>1/28/19</a:t>
+              <a:t>3/19/19</a:t>
             </a:fld>
             <a:endParaRPr lang="en-US"/>
           </a:p>
@@ -3422,7 +3424,7 @@
         </p:nvSpPr>
         <p:spPr>
           <a:xfrm>
-            <a:off x="-39688" y="1443699"/>
+            <a:off x="-39688" y="1056027"/>
             <a:ext cx="9144000" cy="461665"/>
           </a:xfrm>
           <a:prstGeom prst="rect">
@@ -3504,8 +3506,8 @@
         </p:nvSpPr>
         <p:spPr>
           <a:xfrm>
-            <a:off x="-39688" y="4207152"/>
-            <a:ext cx="9144000" cy="830997"/>
+            <a:off x="-39688" y="3792744"/>
+            <a:ext cx="9144000" cy="1200328"/>
           </a:xfrm>
           <a:prstGeom prst="rect">
             <a:avLst/>
@@ -3582,14 +3584,42 @@
                 <a:latin typeface="Times New Roman"/>
                 <a:cs typeface="Times New Roman"/>
               </a:rPr>
-              <a:t>in common</a:t>
+              <a:t>in </a:t>
+            </a:r>
+            <a:r>
+              <a:rPr lang="en-US" sz="2400" dirty="0" smtClean="0">
+                <a:latin typeface="Times New Roman"/>
+                <a:cs typeface="Times New Roman"/>
+              </a:rPr>
+              <a:t>common</a:t>
+            </a:r>
+            <a:r>
+              <a:rPr lang="en-US" sz="2400" dirty="0" smtClean="0">
+                <a:latin typeface="Times New Roman"/>
+                <a:cs typeface="Times New Roman"/>
+              </a:rPr>
+              <a:t>. One event excludes the occurrence of the other event, i.e. </a:t>
+            </a:r>
+            <a:r>
+              <a:rPr lang="en-US" sz="2400" i="1" u="sng" dirty="0" smtClean="0">
+                <a:latin typeface="Times New Roman"/>
+                <a:cs typeface="Times New Roman"/>
+              </a:rPr>
+              <a:t>both events cannot happen at the same time</a:t>
+            </a:r>
+            <a:r>
+              <a:rPr lang="en-US" sz="2400" dirty="0" smtClean="0">
+                <a:latin typeface="Times New Roman"/>
+                <a:cs typeface="Times New Roman"/>
+              </a:rPr>
+              <a:t>  </a:t>
             </a:r>
             <a:r>
               <a:rPr lang="en-US" sz="2400" dirty="0">
                 <a:latin typeface="Times New Roman"/>
                 <a:cs typeface="Times New Roman"/>
               </a:rPr>
-              <a:t>, i.e. if  A </a:t>
+              <a:t>A </a:t>
             </a:r>
             <a:r>
               <a:rPr lang="en-US" sz="2400" dirty="0">
@@ -3632,7 +3662,7 @@
         </p:nvSpPr>
         <p:spPr>
           <a:xfrm>
-            <a:off x="2057486" y="1936992"/>
+            <a:off x="2057486" y="1549320"/>
             <a:ext cx="2400257" cy="2107470"/>
           </a:xfrm>
           <a:prstGeom prst="ellipse">
@@ -3671,7 +3701,7 @@
         </p:nvSpPr>
         <p:spPr>
           <a:xfrm>
-            <a:off x="3842618" y="1936992"/>
+            <a:off x="3842618" y="1549320"/>
             <a:ext cx="2400257" cy="2107470"/>
           </a:xfrm>
           <a:prstGeom prst="ellipse">
@@ -3710,7 +3740,7 @@
         </p:nvSpPr>
         <p:spPr>
           <a:xfrm>
-            <a:off x="2783145" y="2495262"/>
+            <a:off x="2783145" y="2107590"/>
             <a:ext cx="633507" cy="830997"/>
           </a:xfrm>
           <a:prstGeom prst="rect">
@@ -3746,7 +3776,7 @@
         </p:nvSpPr>
         <p:spPr>
           <a:xfrm>
-            <a:off x="4847377" y="2508092"/>
+            <a:off x="4847377" y="2120420"/>
             <a:ext cx="595235" cy="830997"/>
           </a:xfrm>
           <a:prstGeom prst="rect">
@@ -3782,7 +3812,7 @@
         </p:nvSpPr>
         <p:spPr>
           <a:xfrm>
-            <a:off x="3383278" y="2568136"/>
+            <a:off x="3383278" y="2180464"/>
             <a:ext cx="1519416" cy="707886"/>
           </a:xfrm>
           <a:prstGeom prst="rect">
@@ -3829,7 +3859,7 @@
         </p:nvSpPr>
         <p:spPr>
           <a:xfrm>
-            <a:off x="2358391" y="5038149"/>
+            <a:off x="2358391" y="5024781"/>
             <a:ext cx="2007199" cy="1784150"/>
           </a:xfrm>
           <a:prstGeom prst="ellipse">
@@ -3868,7 +3898,7 @@
         </p:nvSpPr>
         <p:spPr>
           <a:xfrm>
-            <a:off x="4590083" y="5038149"/>
+            <a:off x="4590083" y="5024781"/>
             <a:ext cx="2007199" cy="1784150"/>
           </a:xfrm>
           <a:prstGeom prst="ellipse">
@@ -3907,7 +3937,7 @@
         </p:nvSpPr>
         <p:spPr>
           <a:xfrm>
-            <a:off x="3045923" y="5400587"/>
+            <a:off x="3045923" y="5387219"/>
             <a:ext cx="529766" cy="830997"/>
           </a:xfrm>
           <a:prstGeom prst="rect">
@@ -3943,7 +3973,7 @@
         </p:nvSpPr>
         <p:spPr>
           <a:xfrm>
-            <a:off x="5271348" y="5413417"/>
+            <a:off x="5271348" y="5400049"/>
             <a:ext cx="497761" cy="830997"/>
           </a:xfrm>
           <a:prstGeom prst="rect">
@@ -3979,7 +4009,7 @@
         </p:nvSpPr>
         <p:spPr>
           <a:xfrm rot="2822870">
-            <a:off x="3663400" y="1952122"/>
+            <a:off x="3663400" y="1564450"/>
             <a:ext cx="554696" cy="264871"/>
           </a:xfrm>
           <a:prstGeom prst="rect">
@@ -4024,7 +4054,7 @@
         </p:nvSpPr>
         <p:spPr>
           <a:xfrm>
-            <a:off x="2005054" y="1839526"/>
+            <a:off x="2005054" y="1451854"/>
             <a:ext cx="1738998" cy="795426"/>
           </a:xfrm>
           <a:prstGeom prst="rect">
@@ -4069,7 +4099,7 @@
         </p:nvSpPr>
         <p:spPr>
           <a:xfrm rot="16200000">
-            <a:off x="1638795" y="2848643"/>
+            <a:off x="1638795" y="2460971"/>
             <a:ext cx="1623166" cy="839400"/>
           </a:xfrm>
           <a:prstGeom prst="rect">
@@ -4114,7 +4144,7 @@
         </p:nvSpPr>
         <p:spPr>
           <a:xfrm>
-            <a:off x="2239340" y="3339089"/>
+            <a:off x="2239340" y="2951417"/>
             <a:ext cx="1623166" cy="839400"/>
           </a:xfrm>
           <a:prstGeom prst="rect">
@@ -4159,7 +4189,7 @@
         </p:nvSpPr>
         <p:spPr>
           <a:xfrm rot="18911221">
-            <a:off x="3656879" y="3763924"/>
+            <a:off x="3656879" y="3376252"/>
             <a:ext cx="554696" cy="264871"/>
           </a:xfrm>
           <a:prstGeom prst="rect">
@@ -4204,7 +4234,7 @@
         </p:nvSpPr>
         <p:spPr>
           <a:xfrm rot="8141961">
-            <a:off x="4099389" y="1970263"/>
+            <a:off x="4099389" y="1582591"/>
             <a:ext cx="554696" cy="264871"/>
           </a:xfrm>
           <a:prstGeom prst="rect">
@@ -4249,7 +4279,7 @@
         </p:nvSpPr>
         <p:spPr>
           <a:xfrm>
-            <a:off x="4452601" y="1885015"/>
+            <a:off x="4452601" y="1497343"/>
             <a:ext cx="1738998" cy="795426"/>
           </a:xfrm>
           <a:prstGeom prst="rect">
@@ -4294,7 +4324,7 @@
         </p:nvSpPr>
         <p:spPr>
           <a:xfrm rot="16200000">
-            <a:off x="5564915" y="2631073"/>
+            <a:off x="5564915" y="2243401"/>
             <a:ext cx="1623166" cy="839400"/>
           </a:xfrm>
           <a:prstGeom prst="rect">
@@ -4339,7 +4369,7 @@
         </p:nvSpPr>
         <p:spPr>
           <a:xfrm>
-            <a:off x="4467751" y="3277944"/>
+            <a:off x="4467751" y="2890272"/>
             <a:ext cx="1623166" cy="839400"/>
           </a:xfrm>
           <a:prstGeom prst="rect">
@@ -4384,7 +4414,7 @@
         </p:nvSpPr>
         <p:spPr>
           <a:xfrm rot="2630312">
-            <a:off x="4092868" y="3772994"/>
+            <a:off x="4092868" y="3385322"/>
             <a:ext cx="554696" cy="264871"/>
           </a:xfrm>
           <a:prstGeom prst="rect">
@@ -4437,7 +4467,7 @@
         </p:blipFill>
         <p:spPr>
           <a:xfrm>
-            <a:off x="6104285" y="2720545"/>
+            <a:off x="6104285" y="2332873"/>
             <a:ext cx="1143000" cy="355600"/>
           </a:xfrm>
           <a:prstGeom prst="rect">
@@ -4453,7 +4483,7 @@
         </p:nvSpPr>
         <p:spPr>
           <a:xfrm>
-            <a:off x="7379371" y="2621584"/>
+            <a:off x="7379371" y="2233912"/>
             <a:ext cx="763074" cy="523220"/>
           </a:xfrm>
           <a:prstGeom prst="rect">
@@ -17726,83 +17756,9 @@
           <a:chExt cx="0" cy="0"/>
         </a:xfrm>
       </p:grpSpPr>
-      <p:sp>
-        <p:nvSpPr>
-          <p:cNvPr id="4" name="Rectangle 3"/>
-          <p:cNvSpPr/>
-          <p:nvPr/>
-        </p:nvSpPr>
-        <p:spPr>
-          <a:xfrm>
-            <a:off x="169817" y="1119570"/>
-            <a:ext cx="8723844" cy="1631216"/>
-          </a:xfrm>
-          <a:prstGeom prst="rect">
-            <a:avLst/>
-          </a:prstGeom>
-        </p:spPr>
-        <p:txBody>
-          <a:bodyPr wrap="square">
-            <a:spAutoFit/>
-          </a:bodyPr>
-          <a:lstStyle/>
-          <a:p>
-            <a:r>
-              <a:rPr lang="en-US" sz="2800" dirty="0" smtClean="0">
-                <a:latin typeface="Times New Roman"/>
-                <a:cs typeface="Times New Roman"/>
-              </a:rPr>
-              <a:t>Using the information from the large soil database:</a:t>
-            </a:r>
-            <a:endParaRPr lang="en-US" sz="2800" dirty="0">
-              <a:latin typeface="Times New Roman"/>
-              <a:cs typeface="Times New Roman"/>
-            </a:endParaRPr>
-          </a:p>
-          <a:p>
-            <a:pPr marL="457200" indent="-457200">
-              <a:buFont typeface="Arial"/>
-              <a:buChar char="•"/>
-            </a:pPr>
-            <a:r>
-              <a:rPr lang="en-US" sz="2400" dirty="0" smtClean="0">
-                <a:latin typeface="Times New Roman"/>
-                <a:cs typeface="Times New Roman"/>
-              </a:rPr>
-              <a:t>72% of the of the samples contain mica</a:t>
-            </a:r>
-          </a:p>
-          <a:p>
-            <a:pPr marL="457200" indent="-457200">
-              <a:buFont typeface="Arial"/>
-              <a:buChar char="•"/>
-            </a:pPr>
-            <a:r>
-              <a:rPr lang="en-US" sz="2400" dirty="0" smtClean="0">
-                <a:latin typeface="Times New Roman"/>
-                <a:cs typeface="Times New Roman"/>
-              </a:rPr>
-              <a:t>43% contain mica and schist. </a:t>
-            </a:r>
-          </a:p>
-          <a:p>
-            <a:pPr marL="457200" indent="-457200">
-              <a:buFont typeface="Arial"/>
-              <a:buChar char="•"/>
-            </a:pPr>
-            <a:r>
-              <a:rPr lang="en-US" sz="2400" dirty="0" smtClean="0">
-                <a:latin typeface="Times New Roman"/>
-                <a:cs typeface="Times New Roman"/>
-              </a:rPr>
-              <a:t>100% contain mica or schist</a:t>
-            </a:r>
-          </a:p>
-        </p:txBody>
-      </p:sp>
       <p:pic>
         <p:nvPicPr>
-          <p:cNvPr id="5" name="Picture 2"/>
+          <p:cNvPr id="4" name="Picture 2"/>
           <p:cNvPicPr>
             <a:picLocks noChangeAspect="1" noChangeArrowheads="1"/>
           </p:cNvPicPr>
@@ -17834,7 +17790,7 @@
       </p:pic>
       <p:sp>
         <p:nvSpPr>
-          <p:cNvPr id="6" name="Rectangle 1"/>
+          <p:cNvPr id="5" name="Rectangle 1"/>
           <p:cNvSpPr>
             <a:spLocks noChangeArrowheads="1"/>
           </p:cNvSpPr>
@@ -17842,8 +17798,8 @@
         </p:nvSpPr>
         <p:spPr bwMode="auto">
           <a:xfrm>
-            <a:off x="-1" y="228591"/>
-            <a:ext cx="8880833" cy="871324"/>
+            <a:off x="-223479" y="305559"/>
+            <a:ext cx="9104312" cy="1092658"/>
           </a:xfrm>
           <a:prstGeom prst="rect">
             <a:avLst/>
@@ -17883,14 +17839,110 @@
               </a:tabLst>
             </a:pPr>
             <a:r>
-              <a:rPr lang="en-US" sz="3600" dirty="0" smtClean="0">
+              <a:rPr lang="en-US" sz="4400" dirty="0" smtClean="0">
                 <a:solidFill>
                   <a:schemeClr val="tx1"/>
                 </a:solidFill>
                 <a:latin typeface="Times New Roman" pitchFamily="18" charset="0"/>
                 <a:cs typeface="Times New Roman" pitchFamily="18" charset="0"/>
               </a:rPr>
-              <a:t>Example</a:t>
+              <a:t>Statistical Independence</a:t>
+            </a:r>
+            <a:endParaRPr lang="en-US" sz="4400" dirty="0">
+              <a:latin typeface="Times New Roman" pitchFamily="18" charset="0"/>
+              <a:cs typeface="Times New Roman" pitchFamily="18" charset="0"/>
+            </a:endParaRPr>
+          </a:p>
+        </p:txBody>
+      </p:sp>
+      <p:sp>
+        <p:nvSpPr>
+          <p:cNvPr id="6" name="Rectangle 5"/>
+          <p:cNvSpPr>
+            <a:spLocks noChangeArrowheads="1"/>
+          </p:cNvSpPr>
+          <p:nvPr/>
+        </p:nvSpPr>
+        <p:spPr bwMode="auto">
+          <a:xfrm>
+            <a:off x="0" y="1758372"/>
+            <a:ext cx="8960635" cy="514260"/>
+          </a:xfrm>
+          <a:prstGeom prst="rect">
+            <a:avLst/>
+          </a:prstGeom>
+          <a:noFill/>
+          <a:ln w="9525">
+            <a:noFill/>
+            <a:round/>
+            <a:headEnd/>
+            <a:tailEnd/>
+          </a:ln>
+        </p:spPr>
+        <p:txBody>
+          <a:bodyPr lIns="0" tIns="0" rIns="0" bIns="0"/>
+          <a:lstStyle/>
+          <a:p>
+            <a:pPr marL="620713" indent="-514350">
+              <a:spcBef>
+                <a:spcPts val="800"/>
+              </a:spcBef>
+              <a:buClr>
+                <a:srgbClr val="000000"/>
+              </a:buClr>
+              <a:buSzPct val="100000"/>
+              <a:buFont typeface="Arial"/>
+              <a:buChar char="•"/>
+              <a:tabLst>
+                <a:tab pos="430213" algn="l"/>
+                <a:tab pos="1344613" algn="l"/>
+                <a:tab pos="2259013" algn="l"/>
+                <a:tab pos="3173413" algn="l"/>
+                <a:tab pos="4087813" algn="l"/>
+                <a:tab pos="5002213" algn="l"/>
+                <a:tab pos="5916613" algn="l"/>
+                <a:tab pos="6831013" algn="l"/>
+                <a:tab pos="7745413" algn="l"/>
+                <a:tab pos="8659813" algn="l"/>
+                <a:tab pos="9574213" algn="l"/>
+                <a:tab pos="10488613" algn="l"/>
+              </a:tabLst>
+            </a:pPr>
+            <a:r>
+              <a:rPr lang="en-GB" sz="2800" dirty="0" smtClean="0">
+                <a:solidFill>
+                  <a:srgbClr val="000000"/>
+                </a:solidFill>
+                <a:latin typeface="Times New Roman" pitchFamily="18" charset="0"/>
+              </a:rPr>
+              <a:t>If A </a:t>
+            </a:r>
+            <a:r>
+              <a:rPr lang="en-GB" sz="2800" dirty="0" smtClean="0">
+                <a:solidFill>
+                  <a:srgbClr val="000000"/>
+                </a:solidFill>
+                <a:latin typeface="Times New Roman" pitchFamily="18" charset="0"/>
+              </a:rPr>
+              <a:t>and B are </a:t>
+            </a:r>
+            <a:r>
+              <a:rPr lang="en-GB" sz="2800" b="1" dirty="0" smtClean="0">
+                <a:solidFill>
+                  <a:srgbClr val="000000"/>
+                </a:solidFill>
+                <a:latin typeface="Times New Roman" pitchFamily="18" charset="0"/>
+              </a:rPr>
+              <a:t>mutually exclusive</a:t>
+            </a:r>
+            <a:r>
+              <a:rPr lang="en-GB" sz="2800" dirty="0" smtClean="0">
+                <a:solidFill>
+                  <a:srgbClr val="000000"/>
+                </a:solidFill>
+                <a:latin typeface="Times New Roman" pitchFamily="18" charset="0"/>
+              </a:rPr>
+              <a:t>:</a:t>
             </a:r>
           </a:p>
         </p:txBody>
@@ -17898,41 +17950,89 @@
       <p:sp>
         <p:nvSpPr>
           <p:cNvPr id="7" name="Rectangle 6"/>
-          <p:cNvSpPr/>
+          <p:cNvSpPr>
+            <a:spLocks noChangeArrowheads="1"/>
+          </p:cNvSpPr>
           <p:nvPr/>
         </p:nvSpPr>
-        <p:spPr>
+        <p:spPr bwMode="auto">
           <a:xfrm>
-            <a:off x="169817" y="3185322"/>
-            <a:ext cx="4335341" cy="461665"/>
+            <a:off x="0" y="2961524"/>
+            <a:ext cx="8960635" cy="661312"/>
           </a:xfrm>
           <a:prstGeom prst="rect">
             <a:avLst/>
           </a:prstGeom>
+          <a:noFill/>
+          <a:ln w="9525">
+            <a:noFill/>
+            <a:round/>
+            <a:headEnd/>
+            <a:tailEnd/>
+          </a:ln>
         </p:spPr>
         <p:txBody>
-          <a:bodyPr wrap="square">
-            <a:spAutoFit/>
-          </a:bodyPr>
+          <a:bodyPr lIns="0" tIns="0" rIns="0" bIns="0"/>
           <a:lstStyle/>
           <a:p>
-            <a:r>
-              <a:rPr lang="en-US" sz="2400" dirty="0" smtClean="0">
-                <a:latin typeface="Times New Roman"/>
-                <a:cs typeface="Times New Roman"/>
-              </a:rPr>
-              <a:t>Compute:</a:t>
-            </a:r>
-            <a:endParaRPr lang="en-US" sz="2400" dirty="0">
-              <a:latin typeface="Times New Roman"/>
-              <a:cs typeface="Times New Roman"/>
-            </a:endParaRPr>
+            <a:pPr marL="1077913" lvl="1" indent="-514350">
+              <a:spcBef>
+                <a:spcPts val="800"/>
+              </a:spcBef>
+              <a:buClr>
+                <a:srgbClr val="000000"/>
+              </a:buClr>
+              <a:buSzPct val="100000"/>
+              <a:buFont typeface="Arial"/>
+              <a:buChar char="•"/>
+              <a:tabLst>
+                <a:tab pos="430213" algn="l"/>
+                <a:tab pos="1344613" algn="l"/>
+                <a:tab pos="2259013" algn="l"/>
+                <a:tab pos="3173413" algn="l"/>
+                <a:tab pos="4087813" algn="l"/>
+                <a:tab pos="5002213" algn="l"/>
+                <a:tab pos="5916613" algn="l"/>
+                <a:tab pos="6831013" algn="l"/>
+                <a:tab pos="7745413" algn="l"/>
+                <a:tab pos="8659813" algn="l"/>
+                <a:tab pos="9574213" algn="l"/>
+                <a:tab pos="10488613" algn="l"/>
+              </a:tabLst>
+            </a:pPr>
+            <a:r>
+              <a:rPr lang="en-GB" sz="2400" dirty="0" smtClean="0">
+                <a:solidFill>
+                  <a:srgbClr val="000000"/>
+                </a:solidFill>
+                <a:latin typeface="Times New Roman" pitchFamily="18" charset="0"/>
+              </a:rPr>
+              <a:t>A and B</a:t>
+            </a:r>
+            <a:r>
+              <a:rPr lang="en-GB" sz="2400" dirty="0" smtClean="0">
+                <a:solidFill>
+                  <a:srgbClr val="000000"/>
+                </a:solidFill>
+                <a:latin typeface="Times New Roman" pitchFamily="18" charset="0"/>
+              </a:rPr>
+              <a:t> are </a:t>
+            </a:r>
+            <a:r>
+              <a:rPr lang="en-GB" sz="2400" b="1" i="1" u="sng" dirty="0" smtClean="0">
+                <a:solidFill>
+                  <a:srgbClr val="000000"/>
+                </a:solidFill>
+                <a:latin typeface="Times New Roman" pitchFamily="18" charset="0"/>
+              </a:rPr>
+              <a:t>not independent</a:t>
+            </a:r>
           </a:p>
         </p:txBody>
       </p:sp>
       <p:pic>
         <p:nvPicPr>
-          <p:cNvPr id="14" name="Picture 13"/>
+          <p:cNvPr id="2" name="Picture 1"/>
           <p:cNvPicPr>
             <a:picLocks noChangeAspect="1"/>
           </p:cNvPicPr>
@@ -17946,17 +18046,192 @@
         </p:blipFill>
         <p:spPr>
           <a:xfrm>
-            <a:off x="3060199" y="4102907"/>
-            <a:ext cx="2171031" cy="305430"/>
+            <a:off x="2494547" y="2398043"/>
+            <a:ext cx="2832100" cy="469900"/>
           </a:xfrm>
           <a:prstGeom prst="rect">
             <a:avLst/>
           </a:prstGeom>
         </p:spPr>
       </p:pic>
+      <p:sp>
+        <p:nvSpPr>
+          <p:cNvPr id="9" name="Rectangle 8"/>
+          <p:cNvSpPr>
+            <a:spLocks noChangeArrowheads="1"/>
+          </p:cNvSpPr>
+          <p:nvPr/>
+        </p:nvSpPr>
+        <p:spPr bwMode="auto">
+          <a:xfrm>
+            <a:off x="13368" y="3929403"/>
+            <a:ext cx="8960635" cy="514260"/>
+          </a:xfrm>
+          <a:prstGeom prst="rect">
+            <a:avLst/>
+          </a:prstGeom>
+          <a:noFill/>
+          <a:ln w="9525">
+            <a:noFill/>
+            <a:round/>
+            <a:headEnd/>
+            <a:tailEnd/>
+          </a:ln>
+        </p:spPr>
+        <p:txBody>
+          <a:bodyPr lIns="0" tIns="0" rIns="0" bIns="0"/>
+          <a:lstStyle/>
+          <a:p>
+            <a:pPr marL="620713" indent="-514350">
+              <a:spcBef>
+                <a:spcPts val="800"/>
+              </a:spcBef>
+              <a:buClr>
+                <a:srgbClr val="000000"/>
+              </a:buClr>
+              <a:buSzPct val="100000"/>
+              <a:buFont typeface="Arial"/>
+              <a:buChar char="•"/>
+              <a:tabLst>
+                <a:tab pos="430213" algn="l"/>
+                <a:tab pos="1344613" algn="l"/>
+                <a:tab pos="2259013" algn="l"/>
+                <a:tab pos="3173413" algn="l"/>
+                <a:tab pos="4087813" algn="l"/>
+                <a:tab pos="5002213" algn="l"/>
+                <a:tab pos="5916613" algn="l"/>
+                <a:tab pos="6831013" algn="l"/>
+                <a:tab pos="7745413" algn="l"/>
+                <a:tab pos="8659813" algn="l"/>
+                <a:tab pos="9574213" algn="l"/>
+                <a:tab pos="10488613" algn="l"/>
+              </a:tabLst>
+            </a:pPr>
+            <a:r>
+              <a:rPr lang="en-GB" sz="2800" dirty="0" smtClean="0">
+                <a:solidFill>
+                  <a:srgbClr val="000000"/>
+                </a:solidFill>
+                <a:latin typeface="Times New Roman" pitchFamily="18" charset="0"/>
+              </a:rPr>
+              <a:t>If A </a:t>
+            </a:r>
+            <a:r>
+              <a:rPr lang="en-GB" sz="2800" dirty="0" smtClean="0">
+                <a:solidFill>
+                  <a:srgbClr val="000000"/>
+                </a:solidFill>
+                <a:latin typeface="Times New Roman" pitchFamily="18" charset="0"/>
+              </a:rPr>
+              <a:t>and B are </a:t>
+            </a:r>
+            <a:r>
+              <a:rPr lang="en-GB" sz="2800" b="1" dirty="0" smtClean="0">
+                <a:solidFill>
+                  <a:srgbClr val="000000"/>
+                </a:solidFill>
+                <a:latin typeface="Times New Roman" pitchFamily="18" charset="0"/>
+              </a:rPr>
+              <a:t>independent</a:t>
+            </a:r>
+            <a:r>
+              <a:rPr lang="en-GB" sz="2800" dirty="0" smtClean="0">
+                <a:solidFill>
+                  <a:srgbClr val="000000"/>
+                </a:solidFill>
+                <a:latin typeface="Times New Roman" pitchFamily="18" charset="0"/>
+              </a:rPr>
+              <a:t>:</a:t>
+            </a:r>
+          </a:p>
+        </p:txBody>
+      </p:sp>
+      <p:sp>
+        <p:nvSpPr>
+          <p:cNvPr id="10" name="Rectangle 9"/>
+          <p:cNvSpPr>
+            <a:spLocks noChangeArrowheads="1"/>
+          </p:cNvSpPr>
+          <p:nvPr/>
+        </p:nvSpPr>
+        <p:spPr bwMode="auto">
+          <a:xfrm>
+            <a:off x="13368" y="5145923"/>
+            <a:ext cx="8960635" cy="661312"/>
+          </a:xfrm>
+          <a:prstGeom prst="rect">
+            <a:avLst/>
+          </a:prstGeom>
+          <a:noFill/>
+          <a:ln w="9525">
+            <a:noFill/>
+            <a:round/>
+            <a:headEnd/>
+            <a:tailEnd/>
+          </a:ln>
+        </p:spPr>
+        <p:txBody>
+          <a:bodyPr lIns="0" tIns="0" rIns="0" bIns="0"/>
+          <a:lstStyle/>
+          <a:p>
+            <a:pPr marL="1077913" lvl="1" indent="-514350">
+              <a:spcBef>
+                <a:spcPts val="800"/>
+              </a:spcBef>
+              <a:buClr>
+                <a:srgbClr val="000000"/>
+              </a:buClr>
+              <a:buSzPct val="100000"/>
+              <a:buFont typeface="Arial"/>
+              <a:buChar char="•"/>
+              <a:tabLst>
+                <a:tab pos="430213" algn="l"/>
+                <a:tab pos="1344613" algn="l"/>
+                <a:tab pos="2259013" algn="l"/>
+                <a:tab pos="3173413" algn="l"/>
+                <a:tab pos="4087813" algn="l"/>
+                <a:tab pos="5002213" algn="l"/>
+                <a:tab pos="5916613" algn="l"/>
+                <a:tab pos="6831013" algn="l"/>
+                <a:tab pos="7745413" algn="l"/>
+                <a:tab pos="8659813" algn="l"/>
+                <a:tab pos="9574213" algn="l"/>
+                <a:tab pos="10488613" algn="l"/>
+              </a:tabLst>
+            </a:pPr>
+            <a:r>
+              <a:rPr lang="en-GB" sz="2400" dirty="0" smtClean="0">
+                <a:solidFill>
+                  <a:srgbClr val="000000"/>
+                </a:solidFill>
+                <a:latin typeface="Times New Roman" pitchFamily="18" charset="0"/>
+              </a:rPr>
+              <a:t>A and B</a:t>
+            </a:r>
+            <a:r>
+              <a:rPr lang="en-GB" sz="2400" dirty="0" smtClean="0">
+                <a:solidFill>
+                  <a:srgbClr val="000000"/>
+                </a:solidFill>
+                <a:latin typeface="Times New Roman" pitchFamily="18" charset="0"/>
+              </a:rPr>
+              <a:t> are </a:t>
+            </a:r>
+            <a:r>
+              <a:rPr lang="en-GB" sz="2400" b="1" i="1" u="sng" dirty="0" smtClean="0">
+                <a:solidFill>
+                  <a:srgbClr val="000000"/>
+                </a:solidFill>
+                <a:latin typeface="Times New Roman" pitchFamily="18" charset="0"/>
+              </a:rPr>
+              <a:t>not mutually exclusive</a:t>
+            </a:r>
+          </a:p>
+        </p:txBody>
+      </p:sp>
       <p:pic>
         <p:nvPicPr>
-          <p:cNvPr id="15" name="Picture 14"/>
+          <p:cNvPr id="3" name="Picture 2"/>
           <p:cNvPicPr>
             <a:picLocks noChangeAspect="1"/>
           </p:cNvPicPr>
@@ -17970,80 +18245,8 @@
         </p:blipFill>
         <p:spPr>
           <a:xfrm>
-            <a:off x="3060199" y="3680010"/>
-            <a:ext cx="1913689" cy="303891"/>
-          </a:xfrm>
-          <a:prstGeom prst="rect">
-            <a:avLst/>
-          </a:prstGeom>
-        </p:spPr>
-      </p:pic>
-      <p:pic>
-        <p:nvPicPr>
-          <p:cNvPr id="16" name="Picture 15"/>
-          <p:cNvPicPr>
-            <a:picLocks noChangeAspect="1"/>
-          </p:cNvPicPr>
-          <p:nvPr/>
-        </p:nvPicPr>
-        <p:blipFill>
-          <a:blip r:embed="rId5"/>
-          <a:stretch>
-            <a:fillRect/>
-          </a:stretch>
-        </p:blipFill>
-        <p:spPr>
-          <a:xfrm>
-            <a:off x="3060199" y="4551329"/>
-            <a:ext cx="1300079" cy="322838"/>
-          </a:xfrm>
-          <a:prstGeom prst="rect">
-            <a:avLst/>
-          </a:prstGeom>
-        </p:spPr>
-      </p:pic>
-      <p:pic>
-        <p:nvPicPr>
-          <p:cNvPr id="17" name="Picture 16"/>
-          <p:cNvPicPr>
-            <a:picLocks noChangeAspect="1"/>
-          </p:cNvPicPr>
-          <p:nvPr/>
-        </p:nvPicPr>
-        <p:blipFill>
-          <a:blip r:embed="rId6"/>
-          <a:stretch>
-            <a:fillRect/>
-          </a:stretch>
-        </p:blipFill>
-        <p:spPr>
-          <a:xfrm>
-            <a:off x="3060199" y="3272667"/>
-            <a:ext cx="1224547" cy="333149"/>
-          </a:xfrm>
-          <a:prstGeom prst="rect">
-            <a:avLst/>
-          </a:prstGeom>
-        </p:spPr>
-      </p:pic>
-      <p:pic>
-        <p:nvPicPr>
-          <p:cNvPr id="18" name="Picture 17"/>
-          <p:cNvPicPr>
-            <a:picLocks noChangeAspect="1"/>
-          </p:cNvPicPr>
-          <p:nvPr/>
-        </p:nvPicPr>
-        <p:blipFill>
-          <a:blip r:embed="rId7"/>
-          <a:stretch>
-            <a:fillRect/>
-          </a:stretch>
-        </p:blipFill>
-        <p:spPr>
-          <a:xfrm>
-            <a:off x="3060199" y="4967743"/>
-            <a:ext cx="1913689" cy="303891"/>
+            <a:off x="2241884" y="4563975"/>
+            <a:ext cx="4914900" cy="469900"/>
           </a:xfrm>
           <a:prstGeom prst="rect">
             <a:avLst/>
@@ -18053,7 +18256,7 @@
     </p:spTree>
     <p:extLst>
       <p:ext uri="{BB962C8B-B14F-4D97-AF65-F5344CB8AC3E}">
-        <p14:creationId xmlns:p14="http://schemas.microsoft.com/office/powerpoint/2010/main" val="2817277839"/>
+        <p14:creationId xmlns:p14="http://schemas.microsoft.com/office/powerpoint/2010/main" val="295064569"/>
       </p:ext>
     </p:extLst>
   </p:cSld>
@@ -18129,8 +18332,8 @@
         </p:nvSpPr>
         <p:spPr bwMode="auto">
           <a:xfrm>
-            <a:off x="-1" y="228591"/>
-            <a:ext cx="8880833" cy="871324"/>
+            <a:off x="-223479" y="305559"/>
+            <a:ext cx="9104312" cy="1092658"/>
           </a:xfrm>
           <a:prstGeom prst="rect">
             <a:avLst/>
@@ -18170,707 +18373,280 @@
               </a:tabLst>
             </a:pPr>
             <a:r>
-              <a:rPr lang="en-US" sz="3600" dirty="0" smtClean="0">
+              <a:rPr lang="en-US" sz="4400" dirty="0" smtClean="0">
                 <a:solidFill>
                   <a:schemeClr val="tx1"/>
                 </a:solidFill>
                 <a:latin typeface="Times New Roman" pitchFamily="18" charset="0"/>
                 <a:cs typeface="Times New Roman" pitchFamily="18" charset="0"/>
               </a:rPr>
-              <a:t>Example</a:t>
-            </a:r>
+              <a:t>Statistical Independence</a:t>
+            </a:r>
+            <a:endParaRPr lang="en-US" sz="4400" dirty="0">
+              <a:latin typeface="Times New Roman" pitchFamily="18" charset="0"/>
+              <a:cs typeface="Times New Roman" pitchFamily="18" charset="0"/>
+            </a:endParaRPr>
           </a:p>
         </p:txBody>
       </p:sp>
       <p:sp>
         <p:nvSpPr>
-          <p:cNvPr id="6" name="TextBox 5"/>
-          <p:cNvSpPr txBox="1"/>
+          <p:cNvPr id="9" name="Rectangle 8"/>
+          <p:cNvSpPr>
+            <a:spLocks noChangeArrowheads="1"/>
+          </p:cNvSpPr>
           <p:nvPr/>
         </p:nvSpPr>
-        <p:spPr>
+        <p:spPr bwMode="auto">
           <a:xfrm>
-            <a:off x="945462" y="1369052"/>
-            <a:ext cx="4709718" cy="4832092"/>
+            <a:off x="13368" y="1389403"/>
+            <a:ext cx="8960635" cy="514260"/>
           </a:xfrm>
           <a:prstGeom prst="rect">
             <a:avLst/>
           </a:prstGeom>
-          <a:solidFill>
-            <a:srgbClr val="000045"/>
-          </a:solidFill>
+          <a:noFill/>
+          <a:ln w="9525">
+            <a:noFill/>
+            <a:round/>
+            <a:headEnd/>
+            <a:tailEnd/>
+          </a:ln>
         </p:spPr>
         <p:txBody>
-          <a:bodyPr wrap="none" rtlCol="0">
-            <a:spAutoFit/>
-          </a:bodyPr>
+          <a:bodyPr lIns="0" tIns="0" rIns="0" bIns="0"/>
           <a:lstStyle/>
           <a:p>
-            <a:r>
-              <a:rPr lang="en-US" sz="1400" dirty="0" smtClean="0">
-                <a:solidFill>
-                  <a:srgbClr val="FFFF00"/>
-                </a:solidFill>
-                <a:latin typeface="Courier"/>
-                <a:cs typeface="Courier"/>
-              </a:rPr>
-              <a:t># Data from the question:</a:t>
-            </a:r>
-          </a:p>
-          <a:p>
-            <a:r>
-              <a:rPr lang="en-US" sz="1400" dirty="0" smtClean="0">
-                <a:solidFill>
-                  <a:schemeClr val="bg1"/>
-                </a:solidFill>
-                <a:latin typeface="Courier"/>
-                <a:cs typeface="Courier"/>
-              </a:rPr>
-              <a:t>M </a:t>
-            </a:r>
-            <a:r>
-              <a:rPr lang="en-US" sz="1400" dirty="0">
-                <a:solidFill>
-                  <a:schemeClr val="bg1"/>
-                </a:solidFill>
-                <a:latin typeface="Courier"/>
-                <a:cs typeface="Courier"/>
-              </a:rPr>
-              <a:t>&lt;- 0.72      </a:t>
-            </a:r>
-            <a:r>
-              <a:rPr lang="en-US" sz="1400" dirty="0">
-                <a:solidFill>
-                  <a:srgbClr val="FFFF00"/>
-                </a:solidFill>
-                <a:latin typeface="Courier"/>
-                <a:cs typeface="Courier"/>
-              </a:rPr>
-              <a:t># </a:t>
-            </a:r>
-            <a:r>
-              <a:rPr lang="en-US" sz="1400" dirty="0" smtClean="0">
-                <a:solidFill>
-                  <a:srgbClr val="FFFF00"/>
-                </a:solidFill>
-                <a:latin typeface="Courier"/>
-                <a:cs typeface="Courier"/>
-              </a:rPr>
-              <a:t>Schist</a:t>
-            </a:r>
-            <a:endParaRPr lang="en-US" sz="1400" dirty="0">
+            <a:pPr marL="620713" indent="-514350">
+              <a:spcBef>
+                <a:spcPts val="800"/>
+              </a:spcBef>
+              <a:buClr>
+                <a:srgbClr val="000000"/>
+              </a:buClr>
+              <a:buSzPct val="100000"/>
+              <a:buFont typeface="Arial"/>
+              <a:buChar char="•"/>
+              <a:tabLst>
+                <a:tab pos="430213" algn="l"/>
+                <a:tab pos="1344613" algn="l"/>
+                <a:tab pos="2259013" algn="l"/>
+                <a:tab pos="3173413" algn="l"/>
+                <a:tab pos="4087813" algn="l"/>
+                <a:tab pos="5002213" algn="l"/>
+                <a:tab pos="5916613" algn="l"/>
+                <a:tab pos="6831013" algn="l"/>
+                <a:tab pos="7745413" algn="l"/>
+                <a:tab pos="8659813" algn="l"/>
+                <a:tab pos="9574213" algn="l"/>
+                <a:tab pos="10488613" algn="l"/>
+              </a:tabLst>
+            </a:pPr>
+            <a:r>
+              <a:rPr lang="en-GB" sz="2800" dirty="0" smtClean="0">
+                <a:solidFill>
+                  <a:srgbClr val="000000"/>
+                </a:solidFill>
+                <a:latin typeface="Times New Roman" pitchFamily="18" charset="0"/>
+              </a:rPr>
+              <a:t>Finally, note that if</a:t>
+            </a:r>
+            <a:endParaRPr lang="en-GB" sz="2800" dirty="0" smtClean="0">
               <a:solidFill>
-                <a:srgbClr val="FFFF00"/>
+                <a:srgbClr val="000000"/>
               </a:solidFill>
-              <a:latin typeface="Courier"/>
-              <a:cs typeface="Courier"/>
+              <a:latin typeface="Times New Roman" pitchFamily="18" charset="0"/>
             </a:endParaRPr>
           </a:p>
-          <a:p>
-            <a:r>
-              <a:rPr lang="en-US" sz="1400" dirty="0" err="1">
-                <a:solidFill>
-                  <a:schemeClr val="bg1"/>
-                </a:solidFill>
-                <a:latin typeface="Courier"/>
-                <a:cs typeface="Courier"/>
-              </a:rPr>
-              <a:t>MandS</a:t>
-            </a:r>
-            <a:r>
-              <a:rPr lang="en-US" sz="1400" dirty="0">
-                <a:solidFill>
-                  <a:schemeClr val="bg1"/>
-                </a:solidFill>
-                <a:latin typeface="Courier"/>
-                <a:cs typeface="Courier"/>
-              </a:rPr>
-              <a:t> &lt;- 0.43  </a:t>
-            </a:r>
-            <a:r>
-              <a:rPr lang="en-US" sz="1400" dirty="0">
-                <a:solidFill>
-                  <a:srgbClr val="FFFF00"/>
-                </a:solidFill>
-                <a:latin typeface="Courier"/>
-                <a:cs typeface="Courier"/>
-              </a:rPr>
-              <a:t># Mica and </a:t>
-            </a:r>
-            <a:r>
-              <a:rPr lang="en-US" sz="1400" dirty="0" smtClean="0">
-                <a:solidFill>
-                  <a:srgbClr val="FFFF00"/>
-                </a:solidFill>
-                <a:latin typeface="Courier"/>
-                <a:cs typeface="Courier"/>
-              </a:rPr>
-              <a:t>Schist</a:t>
-            </a:r>
-            <a:endParaRPr lang="en-US" sz="1400" dirty="0">
-              <a:solidFill>
-                <a:srgbClr val="FFFF00"/>
-              </a:solidFill>
-              <a:latin typeface="Courier"/>
-              <a:cs typeface="Courier"/>
-            </a:endParaRPr>
-          </a:p>
-          <a:p>
-            <a:endParaRPr lang="en-US" sz="1400" dirty="0">
-              <a:solidFill>
-                <a:schemeClr val="bg1"/>
-              </a:solidFill>
-              <a:latin typeface="Courier"/>
-              <a:cs typeface="Courier"/>
-            </a:endParaRPr>
-          </a:p>
-          <a:p>
-            <a:endParaRPr lang="en-US" sz="1400" dirty="0">
-              <a:solidFill>
-                <a:schemeClr val="bg1"/>
-              </a:solidFill>
-              <a:latin typeface="Courier"/>
-              <a:cs typeface="Courier"/>
-            </a:endParaRPr>
-          </a:p>
-          <a:p>
-            <a:r>
-              <a:rPr lang="en-US" sz="1400" dirty="0">
-                <a:solidFill>
-                  <a:srgbClr val="FFFF00"/>
-                </a:solidFill>
-                <a:latin typeface="Courier"/>
-                <a:cs typeface="Courier"/>
-              </a:rPr>
-              <a:t># </a:t>
-            </a:r>
-            <a:r>
-              <a:rPr lang="en-US" sz="1400" dirty="0" err="1">
-                <a:solidFill>
-                  <a:srgbClr val="FFFF00"/>
-                </a:solidFill>
-                <a:latin typeface="Courier"/>
-                <a:cs typeface="Courier"/>
-              </a:rPr>
-              <a:t>Pr</a:t>
-            </a:r>
-            <a:r>
-              <a:rPr lang="en-US" sz="1400" dirty="0">
-                <a:solidFill>
-                  <a:srgbClr val="FFFF00"/>
-                </a:solidFill>
-                <a:latin typeface="Courier"/>
-                <a:cs typeface="Courier"/>
-              </a:rPr>
-              <a:t>(M)</a:t>
-            </a:r>
-          </a:p>
-          <a:p>
-            <a:r>
-              <a:rPr lang="en-US" sz="1400" dirty="0">
-                <a:solidFill>
-                  <a:schemeClr val="bg1"/>
-                </a:solidFill>
-                <a:latin typeface="Courier"/>
-                <a:cs typeface="Courier"/>
-              </a:rPr>
-              <a:t>M</a:t>
-            </a:r>
-          </a:p>
-          <a:p>
-            <a:endParaRPr lang="en-US" sz="1400" dirty="0">
-              <a:solidFill>
-                <a:schemeClr val="bg1"/>
-              </a:solidFill>
-              <a:latin typeface="Courier"/>
-              <a:cs typeface="Courier"/>
-            </a:endParaRPr>
-          </a:p>
-          <a:p>
-            <a:r>
-              <a:rPr lang="en-US" sz="1400" dirty="0">
-                <a:solidFill>
-                  <a:srgbClr val="FFFF00"/>
-                </a:solidFill>
-                <a:latin typeface="Courier"/>
-                <a:cs typeface="Courier"/>
-              </a:rPr>
-              <a:t># </a:t>
-            </a:r>
-            <a:r>
-              <a:rPr lang="en-US" sz="1400" dirty="0" err="1">
-                <a:solidFill>
-                  <a:srgbClr val="FFFF00"/>
-                </a:solidFill>
-                <a:latin typeface="Courier"/>
-                <a:cs typeface="Courier"/>
-              </a:rPr>
-              <a:t>Pr</a:t>
-            </a:r>
-            <a:r>
-              <a:rPr lang="en-US" sz="1400" dirty="0">
-                <a:solidFill>
-                  <a:srgbClr val="FFFF00"/>
-                </a:solidFill>
-                <a:latin typeface="Courier"/>
-                <a:cs typeface="Courier"/>
-              </a:rPr>
-              <a:t>(S|M) = </a:t>
-            </a:r>
-            <a:r>
-              <a:rPr lang="en-US" sz="1400" dirty="0" err="1">
-                <a:solidFill>
-                  <a:srgbClr val="FFFF00"/>
-                </a:solidFill>
-                <a:latin typeface="Courier"/>
-                <a:cs typeface="Courier"/>
-              </a:rPr>
-              <a:t>Pr</a:t>
-            </a:r>
-            <a:r>
-              <a:rPr lang="en-US" sz="1400" dirty="0">
-                <a:solidFill>
-                  <a:srgbClr val="FFFF00"/>
-                </a:solidFill>
-                <a:latin typeface="Courier"/>
-                <a:cs typeface="Courier"/>
-              </a:rPr>
-              <a:t>(</a:t>
-            </a:r>
-            <a:r>
-              <a:rPr lang="en-US" sz="1400" dirty="0" err="1">
-                <a:solidFill>
-                  <a:srgbClr val="FFFF00"/>
-                </a:solidFill>
-                <a:latin typeface="Courier"/>
-                <a:cs typeface="Courier"/>
-              </a:rPr>
-              <a:t>SandM</a:t>
-            </a:r>
-            <a:r>
-              <a:rPr lang="en-US" sz="1400" dirty="0">
-                <a:solidFill>
-                  <a:srgbClr val="FFFF00"/>
-                </a:solidFill>
-                <a:latin typeface="Courier"/>
-                <a:cs typeface="Courier"/>
-              </a:rPr>
-              <a:t>)/</a:t>
-            </a:r>
-            <a:r>
-              <a:rPr lang="en-US" sz="1400" dirty="0" err="1">
-                <a:solidFill>
-                  <a:srgbClr val="FFFF00"/>
-                </a:solidFill>
-                <a:latin typeface="Courier"/>
-                <a:cs typeface="Courier"/>
-              </a:rPr>
-              <a:t>Pr</a:t>
-            </a:r>
-            <a:r>
-              <a:rPr lang="en-US" sz="1400" dirty="0">
-                <a:solidFill>
-                  <a:srgbClr val="FFFF00"/>
-                </a:solidFill>
-                <a:latin typeface="Courier"/>
-                <a:cs typeface="Courier"/>
-              </a:rPr>
-              <a:t>(M)</a:t>
-            </a:r>
-          </a:p>
-          <a:p>
-            <a:r>
-              <a:rPr lang="en-US" sz="1400" dirty="0" err="1">
-                <a:solidFill>
-                  <a:schemeClr val="bg1"/>
-                </a:solidFill>
-                <a:latin typeface="Courier"/>
-                <a:cs typeface="Courier"/>
-              </a:rPr>
-              <a:t>SgivenM</a:t>
-            </a:r>
-            <a:r>
-              <a:rPr lang="en-US" sz="1400" dirty="0">
-                <a:solidFill>
-                  <a:schemeClr val="bg1"/>
-                </a:solidFill>
-                <a:latin typeface="Courier"/>
-                <a:cs typeface="Courier"/>
-              </a:rPr>
-              <a:t> &lt;- </a:t>
-            </a:r>
-            <a:r>
-              <a:rPr lang="en-US" sz="1400" dirty="0" err="1">
-                <a:solidFill>
-                  <a:schemeClr val="bg1"/>
-                </a:solidFill>
-                <a:latin typeface="Courier"/>
-                <a:cs typeface="Courier"/>
-              </a:rPr>
-              <a:t>MandS</a:t>
-            </a:r>
-            <a:r>
-              <a:rPr lang="en-US" sz="1400" dirty="0">
-                <a:solidFill>
-                  <a:schemeClr val="bg1"/>
-                </a:solidFill>
-                <a:latin typeface="Courier"/>
-                <a:cs typeface="Courier"/>
-              </a:rPr>
-              <a:t>/M</a:t>
-            </a:r>
-          </a:p>
-          <a:p>
-            <a:r>
-              <a:rPr lang="en-US" sz="1400" dirty="0" err="1">
-                <a:solidFill>
-                  <a:schemeClr val="bg1"/>
-                </a:solidFill>
-                <a:latin typeface="Courier"/>
-                <a:cs typeface="Courier"/>
-              </a:rPr>
-              <a:t>SgivenM</a:t>
-            </a:r>
-            <a:endParaRPr lang="en-US" sz="1400" dirty="0">
-              <a:solidFill>
-                <a:schemeClr val="bg1"/>
-              </a:solidFill>
-              <a:latin typeface="Courier"/>
-              <a:cs typeface="Courier"/>
-            </a:endParaRPr>
-          </a:p>
-          <a:p>
-            <a:endParaRPr lang="en-US" sz="1400" dirty="0">
-              <a:solidFill>
-                <a:schemeClr val="bg1"/>
-              </a:solidFill>
-              <a:latin typeface="Courier"/>
-              <a:cs typeface="Courier"/>
-            </a:endParaRPr>
-          </a:p>
-          <a:p>
-            <a:r>
-              <a:rPr lang="en-US" sz="1400" dirty="0">
-                <a:solidFill>
-                  <a:srgbClr val="FFFF00"/>
-                </a:solidFill>
-                <a:latin typeface="Courier"/>
-                <a:cs typeface="Courier"/>
-              </a:rPr>
-              <a:t># </a:t>
-            </a:r>
-            <a:r>
-              <a:rPr lang="en-US" sz="1400" dirty="0" err="1">
-                <a:solidFill>
-                  <a:srgbClr val="FFFF00"/>
-                </a:solidFill>
-                <a:latin typeface="Courier"/>
-                <a:cs typeface="Courier"/>
-              </a:rPr>
-              <a:t>Pr</a:t>
-            </a:r>
-            <a:r>
-              <a:rPr lang="en-US" sz="1400" dirty="0">
-                <a:solidFill>
-                  <a:srgbClr val="FFFF00"/>
-                </a:solidFill>
-                <a:latin typeface="Courier"/>
-                <a:cs typeface="Courier"/>
-              </a:rPr>
-              <a:t>(S and M) = </a:t>
-            </a:r>
-            <a:r>
-              <a:rPr lang="en-US" sz="1400" dirty="0" err="1">
-                <a:solidFill>
-                  <a:srgbClr val="FFFF00"/>
-                </a:solidFill>
-                <a:latin typeface="Courier"/>
-                <a:cs typeface="Courier"/>
-              </a:rPr>
-              <a:t>Pr</a:t>
-            </a:r>
-            <a:r>
-              <a:rPr lang="en-US" sz="1400" dirty="0">
-                <a:solidFill>
-                  <a:srgbClr val="FFFF00"/>
-                </a:solidFill>
-                <a:latin typeface="Courier"/>
-                <a:cs typeface="Courier"/>
-              </a:rPr>
-              <a:t>(M and S)</a:t>
-            </a:r>
-          </a:p>
-          <a:p>
-            <a:r>
-              <a:rPr lang="en-US" sz="1400" dirty="0" err="1">
-                <a:solidFill>
-                  <a:schemeClr val="bg1"/>
-                </a:solidFill>
-                <a:latin typeface="Courier"/>
-                <a:cs typeface="Courier"/>
-              </a:rPr>
-              <a:t>MandS</a:t>
-            </a:r>
-            <a:endParaRPr lang="en-US" sz="1400" dirty="0">
-              <a:solidFill>
-                <a:schemeClr val="bg1"/>
-              </a:solidFill>
-              <a:latin typeface="Courier"/>
-              <a:cs typeface="Courier"/>
-            </a:endParaRPr>
-          </a:p>
-          <a:p>
-            <a:endParaRPr lang="en-US" sz="1400" dirty="0">
-              <a:solidFill>
-                <a:schemeClr val="bg1"/>
-              </a:solidFill>
-              <a:latin typeface="Courier"/>
-              <a:cs typeface="Courier"/>
-            </a:endParaRPr>
-          </a:p>
-          <a:p>
-            <a:r>
-              <a:rPr lang="en-US" sz="1400" dirty="0">
-                <a:solidFill>
-                  <a:srgbClr val="FFFF00"/>
-                </a:solidFill>
-                <a:latin typeface="Courier"/>
-                <a:cs typeface="Courier"/>
-              </a:rPr>
-              <a:t># </a:t>
-            </a:r>
-            <a:r>
-              <a:rPr lang="en-US" sz="1400" dirty="0" err="1">
-                <a:solidFill>
-                  <a:srgbClr val="FFFF00"/>
-                </a:solidFill>
-                <a:latin typeface="Courier"/>
-                <a:cs typeface="Courier"/>
-              </a:rPr>
-              <a:t>Pr</a:t>
-            </a:r>
-            <a:r>
-              <a:rPr lang="en-US" sz="1400" dirty="0">
-                <a:solidFill>
-                  <a:srgbClr val="FFFF00"/>
-                </a:solidFill>
-                <a:latin typeface="Courier"/>
-                <a:cs typeface="Courier"/>
-              </a:rPr>
-              <a:t>(S) = </a:t>
-            </a:r>
-            <a:r>
-              <a:rPr lang="en-US" sz="1400" dirty="0" err="1">
-                <a:solidFill>
-                  <a:srgbClr val="FFFF00"/>
-                </a:solidFill>
-                <a:latin typeface="Courier"/>
-                <a:cs typeface="Courier"/>
-              </a:rPr>
-              <a:t>Pr</a:t>
-            </a:r>
-            <a:r>
-              <a:rPr lang="en-US" sz="1400" dirty="0">
-                <a:solidFill>
-                  <a:srgbClr val="FFFF00"/>
-                </a:solidFill>
-                <a:latin typeface="Courier"/>
-                <a:cs typeface="Courier"/>
-              </a:rPr>
-              <a:t>(S or M) + </a:t>
-            </a:r>
-            <a:r>
-              <a:rPr lang="en-US" sz="1400" dirty="0" err="1">
-                <a:solidFill>
-                  <a:srgbClr val="FFFF00"/>
-                </a:solidFill>
-                <a:latin typeface="Courier"/>
-                <a:cs typeface="Courier"/>
-              </a:rPr>
-              <a:t>Pr</a:t>
-            </a:r>
-            <a:r>
-              <a:rPr lang="en-US" sz="1400" dirty="0">
-                <a:solidFill>
-                  <a:srgbClr val="FFFF00"/>
-                </a:solidFill>
-                <a:latin typeface="Courier"/>
-                <a:cs typeface="Courier"/>
-              </a:rPr>
-              <a:t>(S and M) - </a:t>
-            </a:r>
-            <a:r>
-              <a:rPr lang="en-US" sz="1400" dirty="0" err="1">
-                <a:solidFill>
-                  <a:srgbClr val="FFFF00"/>
-                </a:solidFill>
-                <a:latin typeface="Courier"/>
-                <a:cs typeface="Courier"/>
-              </a:rPr>
-              <a:t>Pr</a:t>
-            </a:r>
-            <a:r>
-              <a:rPr lang="en-US" sz="1400" dirty="0">
-                <a:solidFill>
-                  <a:srgbClr val="FFFF00"/>
-                </a:solidFill>
-                <a:latin typeface="Courier"/>
-                <a:cs typeface="Courier"/>
-              </a:rPr>
-              <a:t>(M)</a:t>
-            </a:r>
-          </a:p>
-          <a:p>
-            <a:r>
-              <a:rPr lang="en-US" sz="1400" dirty="0">
-                <a:solidFill>
-                  <a:schemeClr val="bg1"/>
-                </a:solidFill>
-                <a:latin typeface="Courier"/>
-                <a:cs typeface="Courier"/>
-              </a:rPr>
-              <a:t>S &lt;- 1 + 0.43 - 0.72</a:t>
-            </a:r>
-          </a:p>
-          <a:p>
-            <a:r>
-              <a:rPr lang="en-US" sz="1400" dirty="0">
-                <a:solidFill>
-                  <a:schemeClr val="bg1"/>
-                </a:solidFill>
-                <a:latin typeface="Courier"/>
-                <a:cs typeface="Courier"/>
-              </a:rPr>
-              <a:t>S</a:t>
-            </a:r>
-          </a:p>
-          <a:p>
-            <a:endParaRPr lang="en-US" sz="1400" dirty="0">
-              <a:solidFill>
-                <a:schemeClr val="bg1"/>
-              </a:solidFill>
-              <a:latin typeface="Courier"/>
-              <a:cs typeface="Courier"/>
-            </a:endParaRPr>
-          </a:p>
-          <a:p>
-            <a:r>
-              <a:rPr lang="en-US" sz="1400" dirty="0">
-                <a:solidFill>
-                  <a:srgbClr val="FFFF00"/>
-                </a:solidFill>
-                <a:latin typeface="Courier"/>
-                <a:cs typeface="Courier"/>
-              </a:rPr>
-              <a:t># </a:t>
-            </a:r>
-            <a:r>
-              <a:rPr lang="en-US" sz="1400" dirty="0" err="1">
-                <a:solidFill>
-                  <a:srgbClr val="FFFF00"/>
-                </a:solidFill>
-                <a:latin typeface="Courier"/>
-                <a:cs typeface="Courier"/>
-              </a:rPr>
-              <a:t>Pr</a:t>
-            </a:r>
-            <a:r>
-              <a:rPr lang="en-US" sz="1400" dirty="0">
-                <a:solidFill>
-                  <a:srgbClr val="FFFF00"/>
-                </a:solidFill>
-                <a:latin typeface="Courier"/>
-                <a:cs typeface="Courier"/>
-              </a:rPr>
-              <a:t>(M|S) = </a:t>
-            </a:r>
-            <a:r>
-              <a:rPr lang="en-US" sz="1400" dirty="0" err="1">
-                <a:solidFill>
-                  <a:srgbClr val="FFFF00"/>
-                </a:solidFill>
-                <a:latin typeface="Courier"/>
-                <a:cs typeface="Courier"/>
-              </a:rPr>
-              <a:t>Pr</a:t>
-            </a:r>
-            <a:r>
-              <a:rPr lang="en-US" sz="1400" dirty="0">
-                <a:solidFill>
-                  <a:srgbClr val="FFFF00"/>
-                </a:solidFill>
-                <a:latin typeface="Courier"/>
-                <a:cs typeface="Courier"/>
-              </a:rPr>
-              <a:t>(M and S)/</a:t>
-            </a:r>
-            <a:r>
-              <a:rPr lang="en-US" sz="1400" dirty="0" err="1">
-                <a:solidFill>
-                  <a:srgbClr val="FFFF00"/>
-                </a:solidFill>
-                <a:latin typeface="Courier"/>
-                <a:cs typeface="Courier"/>
-              </a:rPr>
-              <a:t>Pr</a:t>
-            </a:r>
-            <a:r>
-              <a:rPr lang="en-US" sz="1400" dirty="0">
-                <a:solidFill>
-                  <a:srgbClr val="FFFF00"/>
-                </a:solidFill>
-                <a:latin typeface="Courier"/>
-                <a:cs typeface="Courier"/>
-              </a:rPr>
-              <a:t>(S)</a:t>
-            </a:r>
-          </a:p>
-          <a:p>
-            <a:r>
-              <a:rPr lang="en-US" sz="1400" dirty="0" err="1">
-                <a:solidFill>
-                  <a:schemeClr val="bg1"/>
-                </a:solidFill>
-                <a:latin typeface="Courier"/>
-                <a:cs typeface="Courier"/>
-              </a:rPr>
-              <a:t>MgivenS</a:t>
-            </a:r>
-            <a:r>
-              <a:rPr lang="en-US" sz="1400" dirty="0">
-                <a:solidFill>
-                  <a:schemeClr val="bg1"/>
-                </a:solidFill>
-                <a:latin typeface="Courier"/>
-                <a:cs typeface="Courier"/>
-              </a:rPr>
-              <a:t> &lt;- 0.43/S</a:t>
-            </a:r>
-          </a:p>
-          <a:p>
-            <a:r>
-              <a:rPr lang="en-US" sz="1400" dirty="0" err="1">
-                <a:solidFill>
-                  <a:schemeClr val="bg1"/>
-                </a:solidFill>
-                <a:latin typeface="Courier"/>
-                <a:cs typeface="Courier"/>
-              </a:rPr>
-              <a:t>MgivenS</a:t>
-            </a:r>
-            <a:endParaRPr lang="en-US" sz="1400" dirty="0">
-              <a:solidFill>
-                <a:schemeClr val="bg1"/>
-              </a:solidFill>
-              <a:latin typeface="Courier"/>
-              <a:cs typeface="Courier"/>
-            </a:endParaRPr>
+        </p:txBody>
+      </p:sp>
+      <p:sp>
+        <p:nvSpPr>
+          <p:cNvPr id="10" name="Rectangle 9"/>
+          <p:cNvSpPr>
+            <a:spLocks noChangeArrowheads="1"/>
+          </p:cNvSpPr>
+          <p:nvPr/>
+        </p:nvSpPr>
+        <p:spPr bwMode="auto">
+          <a:xfrm>
+            <a:off x="13368" y="2685298"/>
+            <a:ext cx="8960635" cy="661312"/>
+          </a:xfrm>
+          <a:prstGeom prst="rect">
+            <a:avLst/>
+          </a:prstGeom>
+          <a:noFill/>
+          <a:ln w="9525">
+            <a:noFill/>
+            <a:round/>
+            <a:headEnd/>
+            <a:tailEnd/>
+          </a:ln>
+        </p:spPr>
+        <p:txBody>
+          <a:bodyPr lIns="0" tIns="0" rIns="0" bIns="0"/>
+          <a:lstStyle/>
+          <a:p>
+            <a:pPr marL="1077913" lvl="1" indent="-514350">
+              <a:spcBef>
+                <a:spcPts val="800"/>
+              </a:spcBef>
+              <a:buClr>
+                <a:srgbClr val="000000"/>
+              </a:buClr>
+              <a:buSzPct val="100000"/>
+              <a:buFont typeface="Arial"/>
+              <a:buChar char="•"/>
+              <a:tabLst>
+                <a:tab pos="430213" algn="l"/>
+                <a:tab pos="1344613" algn="l"/>
+                <a:tab pos="2259013" algn="l"/>
+                <a:tab pos="3173413" algn="l"/>
+                <a:tab pos="4087813" algn="l"/>
+                <a:tab pos="5002213" algn="l"/>
+                <a:tab pos="5916613" algn="l"/>
+                <a:tab pos="6831013" algn="l"/>
+                <a:tab pos="7745413" algn="l"/>
+                <a:tab pos="8659813" algn="l"/>
+                <a:tab pos="9574213" algn="l"/>
+                <a:tab pos="10488613" algn="l"/>
+              </a:tabLst>
+            </a:pPr>
+            <a:r>
+              <a:rPr lang="en-GB" sz="2400" dirty="0" smtClean="0">
+                <a:solidFill>
+                  <a:srgbClr val="000000"/>
+                </a:solidFill>
+                <a:latin typeface="Times New Roman" pitchFamily="18" charset="0"/>
+              </a:rPr>
+              <a:t>A and B</a:t>
+            </a:r>
+            <a:r>
+              <a:rPr lang="en-GB" sz="2400" dirty="0" smtClean="0">
+                <a:solidFill>
+                  <a:srgbClr val="000000"/>
+                </a:solidFill>
+                <a:latin typeface="Times New Roman" pitchFamily="18" charset="0"/>
+              </a:rPr>
+              <a:t> are </a:t>
+            </a:r>
+            <a:r>
+              <a:rPr lang="en-GB" sz="2400" b="1" i="1" u="sng" dirty="0" smtClean="0">
+                <a:solidFill>
+                  <a:srgbClr val="000000"/>
+                </a:solidFill>
+                <a:latin typeface="Times New Roman" pitchFamily="18" charset="0"/>
+              </a:rPr>
+              <a:t>not independent</a:t>
+            </a:r>
+          </a:p>
+        </p:txBody>
+      </p:sp>
+      <p:sp>
+        <p:nvSpPr>
+          <p:cNvPr id="11" name="Rectangle 10"/>
+          <p:cNvSpPr>
+            <a:spLocks noChangeArrowheads="1"/>
+          </p:cNvSpPr>
+          <p:nvPr/>
+        </p:nvSpPr>
+        <p:spPr bwMode="auto">
+          <a:xfrm>
+            <a:off x="0" y="3430927"/>
+            <a:ext cx="8960635" cy="1125197"/>
+          </a:xfrm>
+          <a:prstGeom prst="rect">
+            <a:avLst/>
+          </a:prstGeom>
+          <a:noFill/>
+          <a:ln w="9525">
+            <a:noFill/>
+            <a:round/>
+            <a:headEnd/>
+            <a:tailEnd/>
+          </a:ln>
+        </p:spPr>
+        <p:txBody>
+          <a:bodyPr lIns="0" tIns="0" rIns="0" bIns="0"/>
+          <a:lstStyle/>
+          <a:p>
+            <a:pPr marL="620713" indent="-514350">
+              <a:spcBef>
+                <a:spcPts val="800"/>
+              </a:spcBef>
+              <a:buClr>
+                <a:srgbClr val="000000"/>
+              </a:buClr>
+              <a:buSzPct val="100000"/>
+              <a:buFont typeface="Arial"/>
+              <a:buChar char="•"/>
+              <a:tabLst>
+                <a:tab pos="430213" algn="l"/>
+                <a:tab pos="1344613" algn="l"/>
+                <a:tab pos="2259013" algn="l"/>
+                <a:tab pos="3173413" algn="l"/>
+                <a:tab pos="4087813" algn="l"/>
+                <a:tab pos="5002213" algn="l"/>
+                <a:tab pos="5916613" algn="l"/>
+                <a:tab pos="6831013" algn="l"/>
+                <a:tab pos="7745413" algn="l"/>
+                <a:tab pos="8659813" algn="l"/>
+                <a:tab pos="9574213" algn="l"/>
+                <a:tab pos="10488613" algn="l"/>
+              </a:tabLst>
+            </a:pPr>
+            <a:r>
+              <a:rPr lang="en-GB" sz="2800" dirty="0" smtClean="0">
+                <a:solidFill>
+                  <a:srgbClr val="000000"/>
+                </a:solidFill>
+                <a:latin typeface="Times New Roman" pitchFamily="18" charset="0"/>
+              </a:rPr>
+              <a:t>Unfortunately this is all hard to show with Venn diagrams</a:t>
+            </a:r>
+          </a:p>
+          <a:p>
+            <a:pPr marL="1077913" lvl="1" indent="-514350">
+              <a:spcBef>
+                <a:spcPts val="800"/>
+              </a:spcBef>
+              <a:buClr>
+                <a:srgbClr val="000000"/>
+              </a:buClr>
+              <a:buSzPct val="100000"/>
+              <a:buFont typeface="Arial"/>
+              <a:buChar char="•"/>
+              <a:tabLst>
+                <a:tab pos="430213" algn="l"/>
+                <a:tab pos="1344613" algn="l"/>
+                <a:tab pos="2259013" algn="l"/>
+                <a:tab pos="3173413" algn="l"/>
+                <a:tab pos="4087813" algn="l"/>
+                <a:tab pos="5002213" algn="l"/>
+                <a:tab pos="5916613" algn="l"/>
+                <a:tab pos="6831013" algn="l"/>
+                <a:tab pos="7745413" algn="l"/>
+                <a:tab pos="8659813" algn="l"/>
+                <a:tab pos="9574213" algn="l"/>
+                <a:tab pos="10488613" algn="l"/>
+              </a:tabLst>
+            </a:pPr>
+            <a:r>
+              <a:rPr lang="en-GB" sz="2400" dirty="0" smtClean="0">
+                <a:solidFill>
+                  <a:srgbClr val="000000"/>
+                </a:solidFill>
+                <a:latin typeface="Times New Roman" pitchFamily="18" charset="0"/>
+              </a:rPr>
+              <a:t>Two things we can say easily with diagrams however:</a:t>
+            </a:r>
           </a:p>
         </p:txBody>
       </p:sp>
       <p:pic>
         <p:nvPicPr>
-          <p:cNvPr id="7" name="Picture 6"/>
+          <p:cNvPr id="8" name="Picture 7"/>
           <p:cNvPicPr>
             <a:picLocks noChangeAspect="1"/>
           </p:cNvPicPr>
@@ -18884,18 +18660,431 @@
         </p:blipFill>
         <p:spPr>
           <a:xfrm>
-            <a:off x="6464300" y="2149475"/>
-            <a:ext cx="1917700" cy="3098800"/>
+            <a:off x="127001" y="2066925"/>
+            <a:ext cx="8931711" cy="384719"/>
           </a:xfrm>
           <a:prstGeom prst="rect">
             <a:avLst/>
           </a:prstGeom>
         </p:spPr>
       </p:pic>
+      <p:sp>
+        <p:nvSpPr>
+          <p:cNvPr id="12" name="Oval 11"/>
+          <p:cNvSpPr/>
+          <p:nvPr/>
+        </p:nvSpPr>
+        <p:spPr>
+          <a:xfrm>
+            <a:off x="160692" y="4524374"/>
+            <a:ext cx="2007199" cy="1784150"/>
+          </a:xfrm>
+          <a:prstGeom prst="ellipse">
+            <a:avLst/>
+          </a:prstGeom>
+          <a:noFill/>
+        </p:spPr>
+        <p:style>
+          <a:lnRef idx="1">
+            <a:schemeClr val="accent1"/>
+          </a:lnRef>
+          <a:fillRef idx="3">
+            <a:schemeClr val="accent1"/>
+          </a:fillRef>
+          <a:effectRef idx="2">
+            <a:schemeClr val="accent1"/>
+          </a:effectRef>
+          <a:fontRef idx="minor">
+            <a:schemeClr val="lt1"/>
+          </a:fontRef>
+        </p:style>
+        <p:txBody>
+          <a:bodyPr rtlCol="0" anchor="ctr"/>
+          <a:lstStyle/>
+          <a:p>
+            <a:pPr algn="ctr"/>
+            <a:endParaRPr lang="en-US"/>
+          </a:p>
+        </p:txBody>
+      </p:sp>
+      <p:sp>
+        <p:nvSpPr>
+          <p:cNvPr id="13" name="Oval 12"/>
+          <p:cNvSpPr/>
+          <p:nvPr/>
+        </p:nvSpPr>
+        <p:spPr>
+          <a:xfrm>
+            <a:off x="2392384" y="4524374"/>
+            <a:ext cx="2007199" cy="1784150"/>
+          </a:xfrm>
+          <a:prstGeom prst="ellipse">
+            <a:avLst/>
+          </a:prstGeom>
+          <a:noFill/>
+        </p:spPr>
+        <p:style>
+          <a:lnRef idx="1">
+            <a:schemeClr val="accent1"/>
+          </a:lnRef>
+          <a:fillRef idx="3">
+            <a:schemeClr val="accent1"/>
+          </a:fillRef>
+          <a:effectRef idx="2">
+            <a:schemeClr val="accent1"/>
+          </a:effectRef>
+          <a:fontRef idx="minor">
+            <a:schemeClr val="lt1"/>
+          </a:fontRef>
+        </p:style>
+        <p:txBody>
+          <a:bodyPr rtlCol="0" anchor="ctr"/>
+          <a:lstStyle/>
+          <a:p>
+            <a:pPr algn="ctr"/>
+            <a:endParaRPr lang="en-US"/>
+          </a:p>
+        </p:txBody>
+      </p:sp>
+      <p:sp>
+        <p:nvSpPr>
+          <p:cNvPr id="14" name="TextBox 13"/>
+          <p:cNvSpPr txBox="1"/>
+          <p:nvPr/>
+        </p:nvSpPr>
+        <p:spPr>
+          <a:xfrm>
+            <a:off x="848224" y="4886812"/>
+            <a:ext cx="529766" cy="830997"/>
+          </a:xfrm>
+          <a:prstGeom prst="rect">
+            <a:avLst/>
+          </a:prstGeom>
+          <a:noFill/>
+        </p:spPr>
+        <p:txBody>
+          <a:bodyPr wrap="square" rtlCol="0">
+            <a:spAutoFit/>
+          </a:bodyPr>
+          <a:lstStyle/>
+          <a:p>
+            <a:r>
+              <a:rPr lang="en-US" sz="4800" dirty="0" smtClean="0">
+                <a:latin typeface="Times New Roman"/>
+                <a:cs typeface="Times New Roman"/>
+              </a:rPr>
+              <a:t>A</a:t>
+            </a:r>
+            <a:endParaRPr lang="en-US" sz="4800" dirty="0">
+              <a:latin typeface="Times New Roman"/>
+              <a:cs typeface="Times New Roman"/>
+            </a:endParaRPr>
+          </a:p>
+        </p:txBody>
+      </p:sp>
+      <p:sp>
+        <p:nvSpPr>
+          <p:cNvPr id="15" name="TextBox 14"/>
+          <p:cNvSpPr txBox="1"/>
+          <p:nvPr/>
+        </p:nvSpPr>
+        <p:spPr>
+          <a:xfrm>
+            <a:off x="3073649" y="4899642"/>
+            <a:ext cx="497761" cy="830997"/>
+          </a:xfrm>
+          <a:prstGeom prst="rect">
+            <a:avLst/>
+          </a:prstGeom>
+          <a:noFill/>
+        </p:spPr>
+        <p:txBody>
+          <a:bodyPr wrap="square" rtlCol="0">
+            <a:spAutoFit/>
+          </a:bodyPr>
+          <a:lstStyle/>
+          <a:p>
+            <a:r>
+              <a:rPr lang="en-US" sz="4800" dirty="0" smtClean="0">
+                <a:latin typeface="Times New Roman"/>
+                <a:cs typeface="Times New Roman"/>
+              </a:rPr>
+              <a:t>B</a:t>
+            </a:r>
+            <a:endParaRPr lang="en-US" sz="4800" dirty="0">
+              <a:latin typeface="Times New Roman"/>
+              <a:cs typeface="Times New Roman"/>
+            </a:endParaRPr>
+          </a:p>
+        </p:txBody>
+      </p:sp>
+      <p:sp>
+        <p:nvSpPr>
+          <p:cNvPr id="16" name="Oval 15"/>
+          <p:cNvSpPr/>
+          <p:nvPr/>
+        </p:nvSpPr>
+        <p:spPr>
+          <a:xfrm>
+            <a:off x="5209712" y="4524374"/>
+            <a:ext cx="2007199" cy="1784150"/>
+          </a:xfrm>
+          <a:prstGeom prst="ellipse">
+            <a:avLst/>
+          </a:prstGeom>
+          <a:noFill/>
+        </p:spPr>
+        <p:style>
+          <a:lnRef idx="1">
+            <a:schemeClr val="accent1"/>
+          </a:lnRef>
+          <a:fillRef idx="3">
+            <a:schemeClr val="accent1"/>
+          </a:fillRef>
+          <a:effectRef idx="2">
+            <a:schemeClr val="accent1"/>
+          </a:effectRef>
+          <a:fontRef idx="minor">
+            <a:schemeClr val="lt1"/>
+          </a:fontRef>
+        </p:style>
+        <p:txBody>
+          <a:bodyPr rtlCol="0" anchor="ctr"/>
+          <a:lstStyle/>
+          <a:p>
+            <a:pPr algn="ctr"/>
+            <a:endParaRPr lang="en-US"/>
+          </a:p>
+        </p:txBody>
+      </p:sp>
+      <p:sp>
+        <p:nvSpPr>
+          <p:cNvPr id="17" name="Oval 16"/>
+          <p:cNvSpPr/>
+          <p:nvPr/>
+        </p:nvSpPr>
+        <p:spPr>
+          <a:xfrm>
+            <a:off x="6536529" y="4524374"/>
+            <a:ext cx="2007199" cy="1784150"/>
+          </a:xfrm>
+          <a:prstGeom prst="ellipse">
+            <a:avLst/>
+          </a:prstGeom>
+          <a:noFill/>
+        </p:spPr>
+        <p:style>
+          <a:lnRef idx="1">
+            <a:schemeClr val="accent1"/>
+          </a:lnRef>
+          <a:fillRef idx="3">
+            <a:schemeClr val="accent1"/>
+          </a:fillRef>
+          <a:effectRef idx="2">
+            <a:schemeClr val="accent1"/>
+          </a:effectRef>
+          <a:fontRef idx="minor">
+            <a:schemeClr val="lt1"/>
+          </a:fontRef>
+        </p:style>
+        <p:txBody>
+          <a:bodyPr rtlCol="0" anchor="ctr"/>
+          <a:lstStyle/>
+          <a:p>
+            <a:pPr algn="ctr"/>
+            <a:endParaRPr lang="en-US"/>
+          </a:p>
+        </p:txBody>
+      </p:sp>
+      <p:sp>
+        <p:nvSpPr>
+          <p:cNvPr id="18" name="TextBox 17"/>
+          <p:cNvSpPr txBox="1"/>
+          <p:nvPr/>
+        </p:nvSpPr>
+        <p:spPr>
+          <a:xfrm>
+            <a:off x="5579744" y="4886812"/>
+            <a:ext cx="529766" cy="830997"/>
+          </a:xfrm>
+          <a:prstGeom prst="rect">
+            <a:avLst/>
+          </a:prstGeom>
+          <a:noFill/>
+        </p:spPr>
+        <p:txBody>
+          <a:bodyPr wrap="square" rtlCol="0">
+            <a:spAutoFit/>
+          </a:bodyPr>
+          <a:lstStyle/>
+          <a:p>
+            <a:r>
+              <a:rPr lang="en-US" sz="4800" dirty="0" smtClean="0">
+                <a:latin typeface="Times New Roman"/>
+                <a:cs typeface="Times New Roman"/>
+              </a:rPr>
+              <a:t>A</a:t>
+            </a:r>
+            <a:endParaRPr lang="en-US" sz="4800" dirty="0">
+              <a:latin typeface="Times New Roman"/>
+              <a:cs typeface="Times New Roman"/>
+            </a:endParaRPr>
+          </a:p>
+        </p:txBody>
+      </p:sp>
+      <p:sp>
+        <p:nvSpPr>
+          <p:cNvPr id="19" name="TextBox 18"/>
+          <p:cNvSpPr txBox="1"/>
+          <p:nvPr/>
+        </p:nvSpPr>
+        <p:spPr>
+          <a:xfrm>
+            <a:off x="7519419" y="4899642"/>
+            <a:ext cx="497761" cy="830997"/>
+          </a:xfrm>
+          <a:prstGeom prst="rect">
+            <a:avLst/>
+          </a:prstGeom>
+          <a:noFill/>
+        </p:spPr>
+        <p:txBody>
+          <a:bodyPr wrap="square" rtlCol="0">
+            <a:spAutoFit/>
+          </a:bodyPr>
+          <a:lstStyle/>
+          <a:p>
+            <a:r>
+              <a:rPr lang="en-US" sz="4800" dirty="0" smtClean="0">
+                <a:latin typeface="Times New Roman"/>
+                <a:cs typeface="Times New Roman"/>
+              </a:rPr>
+              <a:t>B</a:t>
+            </a:r>
+            <a:endParaRPr lang="en-US" sz="4800" dirty="0">
+              <a:latin typeface="Times New Roman"/>
+              <a:cs typeface="Times New Roman"/>
+            </a:endParaRPr>
+          </a:p>
+        </p:txBody>
+      </p:sp>
+      <p:sp>
+        <p:nvSpPr>
+          <p:cNvPr id="20" name="Rectangle 19"/>
+          <p:cNvSpPr/>
+          <p:nvPr/>
+        </p:nvSpPr>
+        <p:spPr>
+          <a:xfrm>
+            <a:off x="768384" y="6334440"/>
+            <a:ext cx="2877711" cy="369332"/>
+          </a:xfrm>
+          <a:prstGeom prst="rect">
+            <a:avLst/>
+          </a:prstGeom>
+        </p:spPr>
+        <p:txBody>
+          <a:bodyPr wrap="none">
+            <a:spAutoFit/>
+          </a:bodyPr>
+          <a:lstStyle/>
+          <a:p>
+            <a:r>
+              <a:rPr lang="en-GB" dirty="0">
+                <a:solidFill>
+                  <a:srgbClr val="000000"/>
+                </a:solidFill>
+                <a:latin typeface="Times New Roman" pitchFamily="18" charset="0"/>
+              </a:rPr>
+              <a:t>A and B are </a:t>
+            </a:r>
+            <a:r>
+              <a:rPr lang="en-GB" b="1" i="1" u="sng" dirty="0">
+                <a:solidFill>
+                  <a:srgbClr val="000000"/>
+                </a:solidFill>
+                <a:latin typeface="Times New Roman" pitchFamily="18" charset="0"/>
+              </a:rPr>
+              <a:t>not independent</a:t>
+            </a:r>
+            <a:endParaRPr lang="en-US" dirty="0"/>
+          </a:p>
+        </p:txBody>
+      </p:sp>
+      <p:sp>
+        <p:nvSpPr>
+          <p:cNvPr id="21" name="Rectangle 20"/>
+          <p:cNvSpPr/>
+          <p:nvPr/>
+        </p:nvSpPr>
+        <p:spPr>
+          <a:xfrm>
+            <a:off x="4953034" y="6391590"/>
+            <a:ext cx="3942105" cy="369332"/>
+          </a:xfrm>
+          <a:prstGeom prst="rect">
+            <a:avLst/>
+          </a:prstGeom>
+        </p:spPr>
+        <p:txBody>
+          <a:bodyPr wrap="none">
+            <a:spAutoFit/>
+          </a:bodyPr>
+          <a:lstStyle/>
+          <a:p>
+            <a:r>
+              <a:rPr lang="en-GB" dirty="0">
+                <a:solidFill>
+                  <a:srgbClr val="000000"/>
+                </a:solidFill>
+                <a:latin typeface="Times New Roman" pitchFamily="18" charset="0"/>
+              </a:rPr>
+              <a:t>A and </a:t>
+            </a:r>
+            <a:r>
+              <a:rPr lang="en-GB" dirty="0" smtClean="0">
+                <a:solidFill>
+                  <a:srgbClr val="000000"/>
+                </a:solidFill>
+                <a:latin typeface="Times New Roman" pitchFamily="18" charset="0"/>
+              </a:rPr>
+              <a:t>B </a:t>
+            </a:r>
+            <a:r>
+              <a:rPr lang="en-GB" b="1" i="1" u="sng" dirty="0" smtClean="0">
+                <a:solidFill>
+                  <a:srgbClr val="000000"/>
+                </a:solidFill>
+                <a:latin typeface="Times New Roman" pitchFamily="18" charset="0"/>
+              </a:rPr>
+              <a:t>may or may not be</a:t>
+            </a:r>
+            <a:r>
+              <a:rPr lang="en-GB" dirty="0" smtClean="0">
+                <a:solidFill>
+                  <a:srgbClr val="000000"/>
+                </a:solidFill>
+                <a:latin typeface="Times New Roman" pitchFamily="18" charset="0"/>
+              </a:rPr>
+              <a:t> </a:t>
+            </a:r>
+            <a:r>
+              <a:rPr lang="en-GB" dirty="0">
+                <a:solidFill>
+                  <a:srgbClr val="000000"/>
+                </a:solidFill>
+                <a:latin typeface="Times New Roman" pitchFamily="18" charset="0"/>
+              </a:rPr>
+              <a:t>independent</a:t>
+            </a:r>
+            <a:endParaRPr lang="en-US" dirty="0"/>
+          </a:p>
+        </p:txBody>
+      </p:sp>
     </p:spTree>
     <p:extLst>
       <p:ext uri="{BB962C8B-B14F-4D97-AF65-F5344CB8AC3E}">
-        <p14:creationId xmlns:p14="http://schemas.microsoft.com/office/powerpoint/2010/main" val="201035367"/>
+        <p14:creationId xmlns:p14="http://schemas.microsoft.com/office/powerpoint/2010/main" val="1935517397"/>
       </p:ext>
     </p:extLst>
   </p:cSld>
@@ -18923,7 +19112,7 @@
                             </p:stCondLst>
                             <p:childTnLst>
                               <p:par>
-                                <p:cTn id="5" presetID="2" presetClass="entr" presetSubtype="4" fill="hold" nodeType="clickEffect">
+                                <p:cTn id="5" presetID="2" presetClass="entr" presetSubtype="4" fill="hold" grpId="0" nodeType="clickEffect">
                                   <p:stCondLst>
                                     <p:cond delay="0"/>
                                   </p:stCondLst>
@@ -18936,7 +19125,7 @@
                                           </p:stCondLst>
                                         </p:cTn>
                                         <p:tgtEl>
-                                          <p:spTgt spid="7"/>
+                                          <p:spTgt spid="11"/>
                                         </p:tgtEl>
                                         <p:attrNameLst>
                                           <p:attrName>style.visibility</p:attrName>
@@ -18950,7 +19139,7 @@
                                       <p:cBhvr additive="base">
                                         <p:cTn id="7" dur="500" fill="hold"/>
                                         <p:tgtEl>
-                                          <p:spTgt spid="7"/>
+                                          <p:spTgt spid="11"/>
                                         </p:tgtEl>
                                         <p:attrNameLst>
                                           <p:attrName>ppt_x</p:attrName>
@@ -18973,7 +19162,773 @@
                                       <p:cBhvr additive="base">
                                         <p:cTn id="8" dur="500" fill="hold"/>
                                         <p:tgtEl>
-                                          <p:spTgt spid="7"/>
+                                          <p:spTgt spid="11"/>
+                                        </p:tgtEl>
+                                        <p:attrNameLst>
+                                          <p:attrName>ppt_y</p:attrName>
+                                        </p:attrNameLst>
+                                      </p:cBhvr>
+                                      <p:tavLst>
+                                        <p:tav tm="0">
+                                          <p:val>
+                                            <p:strVal val="1+#ppt_h/2"/>
+                                          </p:val>
+                                        </p:tav>
+                                        <p:tav tm="100000">
+                                          <p:val>
+                                            <p:strVal val="#ppt_y"/>
+                                          </p:val>
+                                        </p:tav>
+                                      </p:tavLst>
+                                    </p:anim>
+                                  </p:childTnLst>
+                                </p:cTn>
+                              </p:par>
+                            </p:childTnLst>
+                          </p:cTn>
+                        </p:par>
+                      </p:childTnLst>
+                    </p:cTn>
+                  </p:par>
+                  <p:par>
+                    <p:cTn id="9" fill="hold">
+                      <p:stCondLst>
+                        <p:cond delay="indefinite"/>
+                      </p:stCondLst>
+                      <p:childTnLst>
+                        <p:par>
+                          <p:cTn id="10" fill="hold">
+                            <p:stCondLst>
+                              <p:cond delay="0"/>
+                            </p:stCondLst>
+                            <p:childTnLst>
+                              <p:par>
+                                <p:cTn id="11" presetID="2" presetClass="entr" presetSubtype="4" fill="hold" grpId="0" nodeType="clickEffect">
+                                  <p:stCondLst>
+                                    <p:cond delay="0"/>
+                                  </p:stCondLst>
+                                  <p:childTnLst>
+                                    <p:set>
+                                      <p:cBhvr>
+                                        <p:cTn id="12" dur="1" fill="hold">
+                                          <p:stCondLst>
+                                            <p:cond delay="0"/>
+                                          </p:stCondLst>
+                                        </p:cTn>
+                                        <p:tgtEl>
+                                          <p:spTgt spid="12"/>
+                                        </p:tgtEl>
+                                        <p:attrNameLst>
+                                          <p:attrName>style.visibility</p:attrName>
+                                        </p:attrNameLst>
+                                      </p:cBhvr>
+                                      <p:to>
+                                        <p:strVal val="visible"/>
+                                      </p:to>
+                                    </p:set>
+                                    <p:anim calcmode="lin" valueType="num">
+                                      <p:cBhvr additive="base">
+                                        <p:cTn id="13" dur="500" fill="hold"/>
+                                        <p:tgtEl>
+                                          <p:spTgt spid="12"/>
+                                        </p:tgtEl>
+                                        <p:attrNameLst>
+                                          <p:attrName>ppt_x</p:attrName>
+                                        </p:attrNameLst>
+                                      </p:cBhvr>
+                                      <p:tavLst>
+                                        <p:tav tm="0">
+                                          <p:val>
+                                            <p:strVal val="#ppt_x"/>
+                                          </p:val>
+                                        </p:tav>
+                                        <p:tav tm="100000">
+                                          <p:val>
+                                            <p:strVal val="#ppt_x"/>
+                                          </p:val>
+                                        </p:tav>
+                                      </p:tavLst>
+                                    </p:anim>
+                                    <p:anim calcmode="lin" valueType="num">
+                                      <p:cBhvr additive="base">
+                                        <p:cTn id="14" dur="500" fill="hold"/>
+                                        <p:tgtEl>
+                                          <p:spTgt spid="12"/>
+                                        </p:tgtEl>
+                                        <p:attrNameLst>
+                                          <p:attrName>ppt_y</p:attrName>
+                                        </p:attrNameLst>
+                                      </p:cBhvr>
+                                      <p:tavLst>
+                                        <p:tav tm="0">
+                                          <p:val>
+                                            <p:strVal val="1+#ppt_h/2"/>
+                                          </p:val>
+                                        </p:tav>
+                                        <p:tav tm="100000">
+                                          <p:val>
+                                            <p:strVal val="#ppt_y"/>
+                                          </p:val>
+                                        </p:tav>
+                                      </p:tavLst>
+                                    </p:anim>
+                                  </p:childTnLst>
+                                </p:cTn>
+                              </p:par>
+                              <p:par>
+                                <p:cTn id="15" presetID="2" presetClass="entr" presetSubtype="4" fill="hold" grpId="0" nodeType="withEffect">
+                                  <p:stCondLst>
+                                    <p:cond delay="0"/>
+                                  </p:stCondLst>
+                                  <p:childTnLst>
+                                    <p:set>
+                                      <p:cBhvr>
+                                        <p:cTn id="16" dur="1" fill="hold">
+                                          <p:stCondLst>
+                                            <p:cond delay="0"/>
+                                          </p:stCondLst>
+                                        </p:cTn>
+                                        <p:tgtEl>
+                                          <p:spTgt spid="13"/>
+                                        </p:tgtEl>
+                                        <p:attrNameLst>
+                                          <p:attrName>style.visibility</p:attrName>
+                                        </p:attrNameLst>
+                                      </p:cBhvr>
+                                      <p:to>
+                                        <p:strVal val="visible"/>
+                                      </p:to>
+                                    </p:set>
+                                    <p:anim calcmode="lin" valueType="num">
+                                      <p:cBhvr additive="base">
+                                        <p:cTn id="17" dur="500" fill="hold"/>
+                                        <p:tgtEl>
+                                          <p:spTgt spid="13"/>
+                                        </p:tgtEl>
+                                        <p:attrNameLst>
+                                          <p:attrName>ppt_x</p:attrName>
+                                        </p:attrNameLst>
+                                      </p:cBhvr>
+                                      <p:tavLst>
+                                        <p:tav tm="0">
+                                          <p:val>
+                                            <p:strVal val="#ppt_x"/>
+                                          </p:val>
+                                        </p:tav>
+                                        <p:tav tm="100000">
+                                          <p:val>
+                                            <p:strVal val="#ppt_x"/>
+                                          </p:val>
+                                        </p:tav>
+                                      </p:tavLst>
+                                    </p:anim>
+                                    <p:anim calcmode="lin" valueType="num">
+                                      <p:cBhvr additive="base">
+                                        <p:cTn id="18" dur="500" fill="hold"/>
+                                        <p:tgtEl>
+                                          <p:spTgt spid="13"/>
+                                        </p:tgtEl>
+                                        <p:attrNameLst>
+                                          <p:attrName>ppt_y</p:attrName>
+                                        </p:attrNameLst>
+                                      </p:cBhvr>
+                                      <p:tavLst>
+                                        <p:tav tm="0">
+                                          <p:val>
+                                            <p:strVal val="1+#ppt_h/2"/>
+                                          </p:val>
+                                        </p:tav>
+                                        <p:tav tm="100000">
+                                          <p:val>
+                                            <p:strVal val="#ppt_y"/>
+                                          </p:val>
+                                        </p:tav>
+                                      </p:tavLst>
+                                    </p:anim>
+                                  </p:childTnLst>
+                                </p:cTn>
+                              </p:par>
+                              <p:par>
+                                <p:cTn id="19" presetID="2" presetClass="entr" presetSubtype="4" fill="hold" grpId="0" nodeType="withEffect">
+                                  <p:stCondLst>
+                                    <p:cond delay="0"/>
+                                  </p:stCondLst>
+                                  <p:childTnLst>
+                                    <p:set>
+                                      <p:cBhvr>
+                                        <p:cTn id="20" dur="1" fill="hold">
+                                          <p:stCondLst>
+                                            <p:cond delay="0"/>
+                                          </p:stCondLst>
+                                        </p:cTn>
+                                        <p:tgtEl>
+                                          <p:spTgt spid="14"/>
+                                        </p:tgtEl>
+                                        <p:attrNameLst>
+                                          <p:attrName>style.visibility</p:attrName>
+                                        </p:attrNameLst>
+                                      </p:cBhvr>
+                                      <p:to>
+                                        <p:strVal val="visible"/>
+                                      </p:to>
+                                    </p:set>
+                                    <p:anim calcmode="lin" valueType="num">
+                                      <p:cBhvr additive="base">
+                                        <p:cTn id="21" dur="500" fill="hold"/>
+                                        <p:tgtEl>
+                                          <p:spTgt spid="14"/>
+                                        </p:tgtEl>
+                                        <p:attrNameLst>
+                                          <p:attrName>ppt_x</p:attrName>
+                                        </p:attrNameLst>
+                                      </p:cBhvr>
+                                      <p:tavLst>
+                                        <p:tav tm="0">
+                                          <p:val>
+                                            <p:strVal val="#ppt_x"/>
+                                          </p:val>
+                                        </p:tav>
+                                        <p:tav tm="100000">
+                                          <p:val>
+                                            <p:strVal val="#ppt_x"/>
+                                          </p:val>
+                                        </p:tav>
+                                      </p:tavLst>
+                                    </p:anim>
+                                    <p:anim calcmode="lin" valueType="num">
+                                      <p:cBhvr additive="base">
+                                        <p:cTn id="22" dur="500" fill="hold"/>
+                                        <p:tgtEl>
+                                          <p:spTgt spid="14"/>
+                                        </p:tgtEl>
+                                        <p:attrNameLst>
+                                          <p:attrName>ppt_y</p:attrName>
+                                        </p:attrNameLst>
+                                      </p:cBhvr>
+                                      <p:tavLst>
+                                        <p:tav tm="0">
+                                          <p:val>
+                                            <p:strVal val="1+#ppt_h/2"/>
+                                          </p:val>
+                                        </p:tav>
+                                        <p:tav tm="100000">
+                                          <p:val>
+                                            <p:strVal val="#ppt_y"/>
+                                          </p:val>
+                                        </p:tav>
+                                      </p:tavLst>
+                                    </p:anim>
+                                  </p:childTnLst>
+                                </p:cTn>
+                              </p:par>
+                              <p:par>
+                                <p:cTn id="23" presetID="2" presetClass="entr" presetSubtype="4" fill="hold" grpId="0" nodeType="withEffect">
+                                  <p:stCondLst>
+                                    <p:cond delay="0"/>
+                                  </p:stCondLst>
+                                  <p:childTnLst>
+                                    <p:set>
+                                      <p:cBhvr>
+                                        <p:cTn id="24" dur="1" fill="hold">
+                                          <p:stCondLst>
+                                            <p:cond delay="0"/>
+                                          </p:stCondLst>
+                                        </p:cTn>
+                                        <p:tgtEl>
+                                          <p:spTgt spid="15"/>
+                                        </p:tgtEl>
+                                        <p:attrNameLst>
+                                          <p:attrName>style.visibility</p:attrName>
+                                        </p:attrNameLst>
+                                      </p:cBhvr>
+                                      <p:to>
+                                        <p:strVal val="visible"/>
+                                      </p:to>
+                                    </p:set>
+                                    <p:anim calcmode="lin" valueType="num">
+                                      <p:cBhvr additive="base">
+                                        <p:cTn id="25" dur="500" fill="hold"/>
+                                        <p:tgtEl>
+                                          <p:spTgt spid="15"/>
+                                        </p:tgtEl>
+                                        <p:attrNameLst>
+                                          <p:attrName>ppt_x</p:attrName>
+                                        </p:attrNameLst>
+                                      </p:cBhvr>
+                                      <p:tavLst>
+                                        <p:tav tm="0">
+                                          <p:val>
+                                            <p:strVal val="#ppt_x"/>
+                                          </p:val>
+                                        </p:tav>
+                                        <p:tav tm="100000">
+                                          <p:val>
+                                            <p:strVal val="#ppt_x"/>
+                                          </p:val>
+                                        </p:tav>
+                                      </p:tavLst>
+                                    </p:anim>
+                                    <p:anim calcmode="lin" valueType="num">
+                                      <p:cBhvr additive="base">
+                                        <p:cTn id="26" dur="500" fill="hold"/>
+                                        <p:tgtEl>
+                                          <p:spTgt spid="15"/>
+                                        </p:tgtEl>
+                                        <p:attrNameLst>
+                                          <p:attrName>ppt_y</p:attrName>
+                                        </p:attrNameLst>
+                                      </p:cBhvr>
+                                      <p:tavLst>
+                                        <p:tav tm="0">
+                                          <p:val>
+                                            <p:strVal val="1+#ppt_h/2"/>
+                                          </p:val>
+                                        </p:tav>
+                                        <p:tav tm="100000">
+                                          <p:val>
+                                            <p:strVal val="#ppt_y"/>
+                                          </p:val>
+                                        </p:tav>
+                                      </p:tavLst>
+                                    </p:anim>
+                                  </p:childTnLst>
+                                </p:cTn>
+                              </p:par>
+                              <p:par>
+                                <p:cTn id="27" presetID="2" presetClass="entr" presetSubtype="4" fill="hold" grpId="0" nodeType="withEffect">
+                                  <p:stCondLst>
+                                    <p:cond delay="0"/>
+                                  </p:stCondLst>
+                                  <p:childTnLst>
+                                    <p:set>
+                                      <p:cBhvr>
+                                        <p:cTn id="28" dur="1" fill="hold">
+                                          <p:stCondLst>
+                                            <p:cond delay="0"/>
+                                          </p:stCondLst>
+                                        </p:cTn>
+                                        <p:tgtEl>
+                                          <p:spTgt spid="20"/>
+                                        </p:tgtEl>
+                                        <p:attrNameLst>
+                                          <p:attrName>style.visibility</p:attrName>
+                                        </p:attrNameLst>
+                                      </p:cBhvr>
+                                      <p:to>
+                                        <p:strVal val="visible"/>
+                                      </p:to>
+                                    </p:set>
+                                    <p:anim calcmode="lin" valueType="num">
+                                      <p:cBhvr additive="base">
+                                        <p:cTn id="29" dur="500" fill="hold"/>
+                                        <p:tgtEl>
+                                          <p:spTgt spid="20"/>
+                                        </p:tgtEl>
+                                        <p:attrNameLst>
+                                          <p:attrName>ppt_x</p:attrName>
+                                        </p:attrNameLst>
+                                      </p:cBhvr>
+                                      <p:tavLst>
+                                        <p:tav tm="0">
+                                          <p:val>
+                                            <p:strVal val="#ppt_x"/>
+                                          </p:val>
+                                        </p:tav>
+                                        <p:tav tm="100000">
+                                          <p:val>
+                                            <p:strVal val="#ppt_x"/>
+                                          </p:val>
+                                        </p:tav>
+                                      </p:tavLst>
+                                    </p:anim>
+                                    <p:anim calcmode="lin" valueType="num">
+                                      <p:cBhvr additive="base">
+                                        <p:cTn id="30" dur="500" fill="hold"/>
+                                        <p:tgtEl>
+                                          <p:spTgt spid="20"/>
+                                        </p:tgtEl>
+                                        <p:attrNameLst>
+                                          <p:attrName>ppt_y</p:attrName>
+                                        </p:attrNameLst>
+                                      </p:cBhvr>
+                                      <p:tavLst>
+                                        <p:tav tm="0">
+                                          <p:val>
+                                            <p:strVal val="1+#ppt_h/2"/>
+                                          </p:val>
+                                        </p:tav>
+                                        <p:tav tm="100000">
+                                          <p:val>
+                                            <p:strVal val="#ppt_y"/>
+                                          </p:val>
+                                        </p:tav>
+                                      </p:tavLst>
+                                    </p:anim>
+                                  </p:childTnLst>
+                                </p:cTn>
+                              </p:par>
+                            </p:childTnLst>
+                          </p:cTn>
+                        </p:par>
+                      </p:childTnLst>
+                    </p:cTn>
+                  </p:par>
+                  <p:par>
+                    <p:cTn id="31" fill="hold">
+                      <p:stCondLst>
+                        <p:cond delay="indefinite"/>
+                      </p:stCondLst>
+                      <p:childTnLst>
+                        <p:par>
+                          <p:cTn id="32" fill="hold">
+                            <p:stCondLst>
+                              <p:cond delay="0"/>
+                            </p:stCondLst>
+                            <p:childTnLst>
+                              <p:par>
+                                <p:cTn id="33" presetID="2" presetClass="entr" presetSubtype="4" fill="hold" grpId="0" nodeType="clickEffect">
+                                  <p:stCondLst>
+                                    <p:cond delay="0"/>
+                                  </p:stCondLst>
+                                  <p:childTnLst>
+                                    <p:set>
+                                      <p:cBhvr>
+                                        <p:cTn id="34" dur="1" fill="hold">
+                                          <p:stCondLst>
+                                            <p:cond delay="0"/>
+                                          </p:stCondLst>
+                                        </p:cTn>
+                                        <p:tgtEl>
+                                          <p:spTgt spid="16"/>
+                                        </p:tgtEl>
+                                        <p:attrNameLst>
+                                          <p:attrName>style.visibility</p:attrName>
+                                        </p:attrNameLst>
+                                      </p:cBhvr>
+                                      <p:to>
+                                        <p:strVal val="visible"/>
+                                      </p:to>
+                                    </p:set>
+                                    <p:anim calcmode="lin" valueType="num">
+                                      <p:cBhvr additive="base">
+                                        <p:cTn id="35" dur="500" fill="hold"/>
+                                        <p:tgtEl>
+                                          <p:spTgt spid="16"/>
+                                        </p:tgtEl>
+                                        <p:attrNameLst>
+                                          <p:attrName>ppt_x</p:attrName>
+                                        </p:attrNameLst>
+                                      </p:cBhvr>
+                                      <p:tavLst>
+                                        <p:tav tm="0">
+                                          <p:val>
+                                            <p:strVal val="#ppt_x"/>
+                                          </p:val>
+                                        </p:tav>
+                                        <p:tav tm="100000">
+                                          <p:val>
+                                            <p:strVal val="#ppt_x"/>
+                                          </p:val>
+                                        </p:tav>
+                                      </p:tavLst>
+                                    </p:anim>
+                                    <p:anim calcmode="lin" valueType="num">
+                                      <p:cBhvr additive="base">
+                                        <p:cTn id="36" dur="500" fill="hold"/>
+                                        <p:tgtEl>
+                                          <p:spTgt spid="16"/>
+                                        </p:tgtEl>
+                                        <p:attrNameLst>
+                                          <p:attrName>ppt_y</p:attrName>
+                                        </p:attrNameLst>
+                                      </p:cBhvr>
+                                      <p:tavLst>
+                                        <p:tav tm="0">
+                                          <p:val>
+                                            <p:strVal val="1+#ppt_h/2"/>
+                                          </p:val>
+                                        </p:tav>
+                                        <p:tav tm="100000">
+                                          <p:val>
+                                            <p:strVal val="#ppt_y"/>
+                                          </p:val>
+                                        </p:tav>
+                                      </p:tavLst>
+                                    </p:anim>
+                                  </p:childTnLst>
+                                </p:cTn>
+                              </p:par>
+                              <p:par>
+                                <p:cTn id="37" presetID="2" presetClass="entr" presetSubtype="4" fill="hold" grpId="0" nodeType="withEffect">
+                                  <p:stCondLst>
+                                    <p:cond delay="0"/>
+                                  </p:stCondLst>
+                                  <p:childTnLst>
+                                    <p:set>
+                                      <p:cBhvr>
+                                        <p:cTn id="38" dur="1" fill="hold">
+                                          <p:stCondLst>
+                                            <p:cond delay="0"/>
+                                          </p:stCondLst>
+                                        </p:cTn>
+                                        <p:tgtEl>
+                                          <p:spTgt spid="17"/>
+                                        </p:tgtEl>
+                                        <p:attrNameLst>
+                                          <p:attrName>style.visibility</p:attrName>
+                                        </p:attrNameLst>
+                                      </p:cBhvr>
+                                      <p:to>
+                                        <p:strVal val="visible"/>
+                                      </p:to>
+                                    </p:set>
+                                    <p:anim calcmode="lin" valueType="num">
+                                      <p:cBhvr additive="base">
+                                        <p:cTn id="39" dur="500" fill="hold"/>
+                                        <p:tgtEl>
+                                          <p:spTgt spid="17"/>
+                                        </p:tgtEl>
+                                        <p:attrNameLst>
+                                          <p:attrName>ppt_x</p:attrName>
+                                        </p:attrNameLst>
+                                      </p:cBhvr>
+                                      <p:tavLst>
+                                        <p:tav tm="0">
+                                          <p:val>
+                                            <p:strVal val="#ppt_x"/>
+                                          </p:val>
+                                        </p:tav>
+                                        <p:tav tm="100000">
+                                          <p:val>
+                                            <p:strVal val="#ppt_x"/>
+                                          </p:val>
+                                        </p:tav>
+                                      </p:tavLst>
+                                    </p:anim>
+                                    <p:anim calcmode="lin" valueType="num">
+                                      <p:cBhvr additive="base">
+                                        <p:cTn id="40" dur="500" fill="hold"/>
+                                        <p:tgtEl>
+                                          <p:spTgt spid="17"/>
+                                        </p:tgtEl>
+                                        <p:attrNameLst>
+                                          <p:attrName>ppt_y</p:attrName>
+                                        </p:attrNameLst>
+                                      </p:cBhvr>
+                                      <p:tavLst>
+                                        <p:tav tm="0">
+                                          <p:val>
+                                            <p:strVal val="1+#ppt_h/2"/>
+                                          </p:val>
+                                        </p:tav>
+                                        <p:tav tm="100000">
+                                          <p:val>
+                                            <p:strVal val="#ppt_y"/>
+                                          </p:val>
+                                        </p:tav>
+                                      </p:tavLst>
+                                    </p:anim>
+                                  </p:childTnLst>
+                                </p:cTn>
+                              </p:par>
+                              <p:par>
+                                <p:cTn id="41" presetID="2" presetClass="entr" presetSubtype="4" fill="hold" grpId="0" nodeType="withEffect">
+                                  <p:stCondLst>
+                                    <p:cond delay="0"/>
+                                  </p:stCondLst>
+                                  <p:childTnLst>
+                                    <p:set>
+                                      <p:cBhvr>
+                                        <p:cTn id="42" dur="1" fill="hold">
+                                          <p:stCondLst>
+                                            <p:cond delay="0"/>
+                                          </p:stCondLst>
+                                        </p:cTn>
+                                        <p:tgtEl>
+                                          <p:spTgt spid="18"/>
+                                        </p:tgtEl>
+                                        <p:attrNameLst>
+                                          <p:attrName>style.visibility</p:attrName>
+                                        </p:attrNameLst>
+                                      </p:cBhvr>
+                                      <p:to>
+                                        <p:strVal val="visible"/>
+                                      </p:to>
+                                    </p:set>
+                                    <p:anim calcmode="lin" valueType="num">
+                                      <p:cBhvr additive="base">
+                                        <p:cTn id="43" dur="500" fill="hold"/>
+                                        <p:tgtEl>
+                                          <p:spTgt spid="18"/>
+                                        </p:tgtEl>
+                                        <p:attrNameLst>
+                                          <p:attrName>ppt_x</p:attrName>
+                                        </p:attrNameLst>
+                                      </p:cBhvr>
+                                      <p:tavLst>
+                                        <p:tav tm="0">
+                                          <p:val>
+                                            <p:strVal val="#ppt_x"/>
+                                          </p:val>
+                                        </p:tav>
+                                        <p:tav tm="100000">
+                                          <p:val>
+                                            <p:strVal val="#ppt_x"/>
+                                          </p:val>
+                                        </p:tav>
+                                      </p:tavLst>
+                                    </p:anim>
+                                    <p:anim calcmode="lin" valueType="num">
+                                      <p:cBhvr additive="base">
+                                        <p:cTn id="44" dur="500" fill="hold"/>
+                                        <p:tgtEl>
+                                          <p:spTgt spid="18"/>
+                                        </p:tgtEl>
+                                        <p:attrNameLst>
+                                          <p:attrName>ppt_y</p:attrName>
+                                        </p:attrNameLst>
+                                      </p:cBhvr>
+                                      <p:tavLst>
+                                        <p:tav tm="0">
+                                          <p:val>
+                                            <p:strVal val="1+#ppt_h/2"/>
+                                          </p:val>
+                                        </p:tav>
+                                        <p:tav tm="100000">
+                                          <p:val>
+                                            <p:strVal val="#ppt_y"/>
+                                          </p:val>
+                                        </p:tav>
+                                      </p:tavLst>
+                                    </p:anim>
+                                  </p:childTnLst>
+                                </p:cTn>
+                              </p:par>
+                              <p:par>
+                                <p:cTn id="45" presetID="2" presetClass="entr" presetSubtype="4" fill="hold" grpId="0" nodeType="withEffect">
+                                  <p:stCondLst>
+                                    <p:cond delay="0"/>
+                                  </p:stCondLst>
+                                  <p:childTnLst>
+                                    <p:set>
+                                      <p:cBhvr>
+                                        <p:cTn id="46" dur="1" fill="hold">
+                                          <p:stCondLst>
+                                            <p:cond delay="0"/>
+                                          </p:stCondLst>
+                                        </p:cTn>
+                                        <p:tgtEl>
+                                          <p:spTgt spid="19"/>
+                                        </p:tgtEl>
+                                        <p:attrNameLst>
+                                          <p:attrName>style.visibility</p:attrName>
+                                        </p:attrNameLst>
+                                      </p:cBhvr>
+                                      <p:to>
+                                        <p:strVal val="visible"/>
+                                      </p:to>
+                                    </p:set>
+                                    <p:anim calcmode="lin" valueType="num">
+                                      <p:cBhvr additive="base">
+                                        <p:cTn id="47" dur="500" fill="hold"/>
+                                        <p:tgtEl>
+                                          <p:spTgt spid="19"/>
+                                        </p:tgtEl>
+                                        <p:attrNameLst>
+                                          <p:attrName>ppt_x</p:attrName>
+                                        </p:attrNameLst>
+                                      </p:cBhvr>
+                                      <p:tavLst>
+                                        <p:tav tm="0">
+                                          <p:val>
+                                            <p:strVal val="#ppt_x"/>
+                                          </p:val>
+                                        </p:tav>
+                                        <p:tav tm="100000">
+                                          <p:val>
+                                            <p:strVal val="#ppt_x"/>
+                                          </p:val>
+                                        </p:tav>
+                                      </p:tavLst>
+                                    </p:anim>
+                                    <p:anim calcmode="lin" valueType="num">
+                                      <p:cBhvr additive="base">
+                                        <p:cTn id="48" dur="500" fill="hold"/>
+                                        <p:tgtEl>
+                                          <p:spTgt spid="19"/>
+                                        </p:tgtEl>
+                                        <p:attrNameLst>
+                                          <p:attrName>ppt_y</p:attrName>
+                                        </p:attrNameLst>
+                                      </p:cBhvr>
+                                      <p:tavLst>
+                                        <p:tav tm="0">
+                                          <p:val>
+                                            <p:strVal val="1+#ppt_h/2"/>
+                                          </p:val>
+                                        </p:tav>
+                                        <p:tav tm="100000">
+                                          <p:val>
+                                            <p:strVal val="#ppt_y"/>
+                                          </p:val>
+                                        </p:tav>
+                                      </p:tavLst>
+                                    </p:anim>
+                                  </p:childTnLst>
+                                </p:cTn>
+                              </p:par>
+                              <p:par>
+                                <p:cTn id="49" presetID="2" presetClass="entr" presetSubtype="4" fill="hold" grpId="0" nodeType="withEffect">
+                                  <p:stCondLst>
+                                    <p:cond delay="0"/>
+                                  </p:stCondLst>
+                                  <p:childTnLst>
+                                    <p:set>
+                                      <p:cBhvr>
+                                        <p:cTn id="50" dur="1" fill="hold">
+                                          <p:stCondLst>
+                                            <p:cond delay="0"/>
+                                          </p:stCondLst>
+                                        </p:cTn>
+                                        <p:tgtEl>
+                                          <p:spTgt spid="21"/>
+                                        </p:tgtEl>
+                                        <p:attrNameLst>
+                                          <p:attrName>style.visibility</p:attrName>
+                                        </p:attrNameLst>
+                                      </p:cBhvr>
+                                      <p:to>
+                                        <p:strVal val="visible"/>
+                                      </p:to>
+                                    </p:set>
+                                    <p:anim calcmode="lin" valueType="num">
+                                      <p:cBhvr additive="base">
+                                        <p:cTn id="51" dur="500" fill="hold"/>
+                                        <p:tgtEl>
+                                          <p:spTgt spid="21"/>
+                                        </p:tgtEl>
+                                        <p:attrNameLst>
+                                          <p:attrName>ppt_x</p:attrName>
+                                        </p:attrNameLst>
+                                      </p:cBhvr>
+                                      <p:tavLst>
+                                        <p:tav tm="0">
+                                          <p:val>
+                                            <p:strVal val="#ppt_x"/>
+                                          </p:val>
+                                        </p:tav>
+                                        <p:tav tm="100000">
+                                          <p:val>
+                                            <p:strVal val="#ppt_x"/>
+                                          </p:val>
+                                        </p:tav>
+                                      </p:tavLst>
+                                    </p:anim>
+                                    <p:anim calcmode="lin" valueType="num">
+                                      <p:cBhvr additive="base">
+                                        <p:cTn id="52" dur="500" fill="hold"/>
+                                        <p:tgtEl>
+                                          <p:spTgt spid="21"/>
                                         </p:tgtEl>
                                         <p:attrNameLst>
                                           <p:attrName>ppt_y</p:attrName>
@@ -19022,11 +19977,1437 @@
         </p:cTn>
       </p:par>
     </p:tnLst>
+    <p:bldLst>
+      <p:bldP spid="11" grpId="0"/>
+      <p:bldP spid="12" grpId="0" animBg="1"/>
+      <p:bldP spid="13" grpId="0" animBg="1"/>
+      <p:bldP spid="14" grpId="0"/>
+      <p:bldP spid="15" grpId="0"/>
+      <p:bldP spid="16" grpId="0" animBg="1"/>
+      <p:bldP spid="17" grpId="0" animBg="1"/>
+      <p:bldP spid="18" grpId="0"/>
+      <p:bldP spid="19" grpId="0"/>
+      <p:bldP spid="20" grpId="0"/>
+      <p:bldP spid="21" grpId="0"/>
+    </p:bldLst>
   </p:timing>
 </p:sld>
 </file>
 
 <file path=ppt/slides/slide26.xml><?xml version="1.0" encoding="utf-8"?>
+<p:sld xmlns:a="http://schemas.openxmlformats.org/drawingml/2006/main" xmlns:r="http://schemas.openxmlformats.org/officeDocument/2006/relationships" xmlns:p="http://schemas.openxmlformats.org/presentationml/2006/main">
+  <p:cSld>
+    <p:spTree>
+      <p:nvGrpSpPr>
+        <p:cNvPr id="1" name=""/>
+        <p:cNvGrpSpPr/>
+        <p:nvPr/>
+      </p:nvGrpSpPr>
+      <p:grpSpPr>
+        <a:xfrm>
+          <a:off x="0" y="0"/>
+          <a:ext cx="0" cy="0"/>
+          <a:chOff x="0" y="0"/>
+          <a:chExt cx="0" cy="0"/>
+        </a:xfrm>
+      </p:grpSpPr>
+      <p:sp>
+        <p:nvSpPr>
+          <p:cNvPr id="4" name="Rectangle 3"/>
+          <p:cNvSpPr/>
+          <p:nvPr/>
+        </p:nvSpPr>
+        <p:spPr>
+          <a:xfrm>
+            <a:off x="169817" y="1119570"/>
+            <a:ext cx="8723844" cy="1631216"/>
+          </a:xfrm>
+          <a:prstGeom prst="rect">
+            <a:avLst/>
+          </a:prstGeom>
+        </p:spPr>
+        <p:txBody>
+          <a:bodyPr wrap="square">
+            <a:spAutoFit/>
+          </a:bodyPr>
+          <a:lstStyle/>
+          <a:p>
+            <a:r>
+              <a:rPr lang="en-US" sz="2800" dirty="0" smtClean="0">
+                <a:latin typeface="Times New Roman"/>
+                <a:cs typeface="Times New Roman"/>
+              </a:rPr>
+              <a:t>Using the information from the large soil database:</a:t>
+            </a:r>
+            <a:endParaRPr lang="en-US" sz="2800" dirty="0">
+              <a:latin typeface="Times New Roman"/>
+              <a:cs typeface="Times New Roman"/>
+            </a:endParaRPr>
+          </a:p>
+          <a:p>
+            <a:pPr marL="457200" indent="-457200">
+              <a:buFont typeface="Arial"/>
+              <a:buChar char="•"/>
+            </a:pPr>
+            <a:r>
+              <a:rPr lang="en-US" sz="2400" dirty="0" smtClean="0">
+                <a:latin typeface="Times New Roman"/>
+                <a:cs typeface="Times New Roman"/>
+              </a:rPr>
+              <a:t>72% of the of the samples contain mica</a:t>
+            </a:r>
+          </a:p>
+          <a:p>
+            <a:pPr marL="457200" indent="-457200">
+              <a:buFont typeface="Arial"/>
+              <a:buChar char="•"/>
+            </a:pPr>
+            <a:r>
+              <a:rPr lang="en-US" sz="2400" dirty="0" smtClean="0">
+                <a:latin typeface="Times New Roman"/>
+                <a:cs typeface="Times New Roman"/>
+              </a:rPr>
+              <a:t>43% contain mica and schist. </a:t>
+            </a:r>
+          </a:p>
+          <a:p>
+            <a:pPr marL="457200" indent="-457200">
+              <a:buFont typeface="Arial"/>
+              <a:buChar char="•"/>
+            </a:pPr>
+            <a:r>
+              <a:rPr lang="en-US" sz="2400" dirty="0" smtClean="0">
+                <a:latin typeface="Times New Roman"/>
+                <a:cs typeface="Times New Roman"/>
+              </a:rPr>
+              <a:t>100% contain mica or </a:t>
+            </a:r>
+            <a:r>
+              <a:rPr lang="en-US" sz="2400" dirty="0" smtClean="0">
+                <a:latin typeface="Times New Roman"/>
+                <a:cs typeface="Times New Roman"/>
+              </a:rPr>
+              <a:t>schist</a:t>
+            </a:r>
+          </a:p>
+        </p:txBody>
+      </p:sp>
+      <p:pic>
+        <p:nvPicPr>
+          <p:cNvPr id="5" name="Picture 2"/>
+          <p:cNvPicPr>
+            <a:picLocks noChangeAspect="1" noChangeArrowheads="1"/>
+          </p:cNvPicPr>
+          <p:nvPr/>
+        </p:nvPicPr>
+        <p:blipFill>
+          <a:blip r:embed="rId2" cstate="print"/>
+          <a:srcRect/>
+          <a:stretch>
+            <a:fillRect/>
+          </a:stretch>
+        </p:blipFill>
+        <p:spPr bwMode="auto">
+          <a:xfrm>
+            <a:off x="484188" y="76200"/>
+            <a:ext cx="8202612" cy="239712"/>
+          </a:xfrm>
+          <a:prstGeom prst="rect">
+            <a:avLst/>
+          </a:prstGeom>
+          <a:noFill/>
+          <a:ln w="9525">
+            <a:noFill/>
+            <a:round/>
+            <a:headEnd/>
+            <a:tailEnd/>
+          </a:ln>
+        </p:spPr>
+      </p:pic>
+      <p:sp>
+        <p:nvSpPr>
+          <p:cNvPr id="6" name="Rectangle 1"/>
+          <p:cNvSpPr>
+            <a:spLocks noChangeArrowheads="1"/>
+          </p:cNvSpPr>
+          <p:nvPr/>
+        </p:nvSpPr>
+        <p:spPr bwMode="auto">
+          <a:xfrm>
+            <a:off x="-1" y="228591"/>
+            <a:ext cx="8880833" cy="871324"/>
+          </a:xfrm>
+          <a:prstGeom prst="rect">
+            <a:avLst/>
+          </a:prstGeom>
+          <a:noFill/>
+          <a:ln w="9525">
+            <a:noFill/>
+            <a:round/>
+            <a:headEnd/>
+            <a:tailEnd/>
+          </a:ln>
+        </p:spPr>
+        <p:txBody>
+          <a:bodyPr lIns="0" tIns="0" rIns="0" bIns="0" anchor="ctr"/>
+          <a:lstStyle/>
+          <a:p>
+            <a:pPr algn="ctr" hangingPunct="0">
+              <a:lnSpc>
+                <a:spcPct val="98000"/>
+              </a:lnSpc>
+              <a:buSzPct val="45000"/>
+              <a:buFont typeface="Wingdings" pitchFamily="2" charset="2"/>
+              <a:buNone/>
+              <a:tabLst>
+                <a:tab pos="0" algn="l"/>
+                <a:tab pos="914400" algn="l"/>
+                <a:tab pos="1828800" algn="l"/>
+                <a:tab pos="2743200" algn="l"/>
+                <a:tab pos="3657600" algn="l"/>
+                <a:tab pos="4572000" algn="l"/>
+                <a:tab pos="5486400" algn="l"/>
+                <a:tab pos="6400800" algn="l"/>
+                <a:tab pos="7315200" algn="l"/>
+                <a:tab pos="8229600" algn="l"/>
+                <a:tab pos="9144000" algn="l"/>
+                <a:tab pos="10058400" algn="l"/>
+              </a:tabLst>
+            </a:pPr>
+            <a:r>
+              <a:rPr lang="en-US" sz="3600" dirty="0" smtClean="0">
+                <a:solidFill>
+                  <a:schemeClr val="tx1"/>
+                </a:solidFill>
+                <a:latin typeface="Times New Roman" pitchFamily="18" charset="0"/>
+                <a:cs typeface="Times New Roman" pitchFamily="18" charset="0"/>
+              </a:rPr>
+              <a:t>Example</a:t>
+            </a:r>
+          </a:p>
+        </p:txBody>
+      </p:sp>
+      <p:sp>
+        <p:nvSpPr>
+          <p:cNvPr id="7" name="Rectangle 6"/>
+          <p:cNvSpPr/>
+          <p:nvPr/>
+        </p:nvSpPr>
+        <p:spPr>
+          <a:xfrm>
+            <a:off x="169817" y="3423447"/>
+            <a:ext cx="4335341" cy="461665"/>
+          </a:xfrm>
+          <a:prstGeom prst="rect">
+            <a:avLst/>
+          </a:prstGeom>
+        </p:spPr>
+        <p:txBody>
+          <a:bodyPr wrap="square">
+            <a:spAutoFit/>
+          </a:bodyPr>
+          <a:lstStyle/>
+          <a:p>
+            <a:r>
+              <a:rPr lang="en-US" sz="2400" dirty="0" smtClean="0">
+                <a:latin typeface="Times New Roman"/>
+                <a:cs typeface="Times New Roman"/>
+              </a:rPr>
+              <a:t>Compute:</a:t>
+            </a:r>
+            <a:endParaRPr lang="en-US" sz="2400" dirty="0">
+              <a:latin typeface="Times New Roman"/>
+              <a:cs typeface="Times New Roman"/>
+            </a:endParaRPr>
+          </a:p>
+        </p:txBody>
+      </p:sp>
+      <p:pic>
+        <p:nvPicPr>
+          <p:cNvPr id="14" name="Picture 13"/>
+          <p:cNvPicPr>
+            <a:picLocks noChangeAspect="1"/>
+          </p:cNvPicPr>
+          <p:nvPr/>
+        </p:nvPicPr>
+        <p:blipFill>
+          <a:blip r:embed="rId3"/>
+          <a:stretch>
+            <a:fillRect/>
+          </a:stretch>
+        </p:blipFill>
+        <p:spPr>
+          <a:xfrm>
+            <a:off x="3060199" y="4341032"/>
+            <a:ext cx="2171031" cy="305430"/>
+          </a:xfrm>
+          <a:prstGeom prst="rect">
+            <a:avLst/>
+          </a:prstGeom>
+        </p:spPr>
+      </p:pic>
+      <p:pic>
+        <p:nvPicPr>
+          <p:cNvPr id="15" name="Picture 14"/>
+          <p:cNvPicPr>
+            <a:picLocks noChangeAspect="1"/>
+          </p:cNvPicPr>
+          <p:nvPr/>
+        </p:nvPicPr>
+        <p:blipFill>
+          <a:blip r:embed="rId4"/>
+          <a:stretch>
+            <a:fillRect/>
+          </a:stretch>
+        </p:blipFill>
+        <p:spPr>
+          <a:xfrm>
+            <a:off x="3060199" y="3918135"/>
+            <a:ext cx="1913689" cy="303891"/>
+          </a:xfrm>
+          <a:prstGeom prst="rect">
+            <a:avLst/>
+          </a:prstGeom>
+        </p:spPr>
+      </p:pic>
+      <p:pic>
+        <p:nvPicPr>
+          <p:cNvPr id="16" name="Picture 15"/>
+          <p:cNvPicPr>
+            <a:picLocks noChangeAspect="1"/>
+          </p:cNvPicPr>
+          <p:nvPr/>
+        </p:nvPicPr>
+        <p:blipFill>
+          <a:blip r:embed="rId5"/>
+          <a:stretch>
+            <a:fillRect/>
+          </a:stretch>
+        </p:blipFill>
+        <p:spPr>
+          <a:xfrm>
+            <a:off x="3060199" y="4789454"/>
+            <a:ext cx="1300079" cy="322838"/>
+          </a:xfrm>
+          <a:prstGeom prst="rect">
+            <a:avLst/>
+          </a:prstGeom>
+        </p:spPr>
+      </p:pic>
+      <p:pic>
+        <p:nvPicPr>
+          <p:cNvPr id="17" name="Picture 16"/>
+          <p:cNvPicPr>
+            <a:picLocks noChangeAspect="1"/>
+          </p:cNvPicPr>
+          <p:nvPr/>
+        </p:nvPicPr>
+        <p:blipFill>
+          <a:blip r:embed="rId6"/>
+          <a:stretch>
+            <a:fillRect/>
+          </a:stretch>
+        </p:blipFill>
+        <p:spPr>
+          <a:xfrm>
+            <a:off x="3060199" y="3510792"/>
+            <a:ext cx="1224547" cy="333149"/>
+          </a:xfrm>
+          <a:prstGeom prst="rect">
+            <a:avLst/>
+          </a:prstGeom>
+        </p:spPr>
+      </p:pic>
+      <p:pic>
+        <p:nvPicPr>
+          <p:cNvPr id="18" name="Picture 17"/>
+          <p:cNvPicPr>
+            <a:picLocks noChangeAspect="1"/>
+          </p:cNvPicPr>
+          <p:nvPr/>
+        </p:nvPicPr>
+        <p:blipFill>
+          <a:blip r:embed="rId7"/>
+          <a:stretch>
+            <a:fillRect/>
+          </a:stretch>
+        </p:blipFill>
+        <p:spPr>
+          <a:xfrm>
+            <a:off x="3060199" y="5205868"/>
+            <a:ext cx="1913689" cy="303891"/>
+          </a:xfrm>
+          <a:prstGeom prst="rect">
+            <a:avLst/>
+          </a:prstGeom>
+        </p:spPr>
+      </p:pic>
+      <p:sp>
+        <p:nvSpPr>
+          <p:cNvPr id="2" name="Rectangle 1"/>
+          <p:cNvSpPr/>
+          <p:nvPr/>
+        </p:nvSpPr>
+        <p:spPr>
+          <a:xfrm>
+            <a:off x="2961104" y="5502960"/>
+            <a:ext cx="3531771" cy="707886"/>
+          </a:xfrm>
+          <a:prstGeom prst="rect">
+            <a:avLst/>
+          </a:prstGeom>
+        </p:spPr>
+        <p:txBody>
+          <a:bodyPr wrap="square">
+            <a:spAutoFit/>
+          </a:bodyPr>
+          <a:lstStyle/>
+          <a:p>
+            <a:r>
+              <a:rPr lang="en-US" sz="2000" dirty="0">
+                <a:latin typeface="Times New Roman"/>
+                <a:cs typeface="Times New Roman"/>
+              </a:rPr>
+              <a:t>Are the presence of mica and the presence of schist independent?</a:t>
+            </a:r>
+          </a:p>
+        </p:txBody>
+      </p:sp>
+    </p:spTree>
+    <p:extLst>
+      <p:ext uri="{BB962C8B-B14F-4D97-AF65-F5344CB8AC3E}">
+        <p14:creationId xmlns:p14="http://schemas.microsoft.com/office/powerpoint/2010/main" val="2817277839"/>
+      </p:ext>
+    </p:extLst>
+  </p:cSld>
+  <p:clrMapOvr>
+    <a:masterClrMapping/>
+  </p:clrMapOvr>
+  <p:timing>
+    <p:tnLst>
+      <p:par>
+        <p:cTn xmlns:p14="http://schemas.microsoft.com/office/powerpoint/2010/main" id="1" dur="indefinite" restart="never" nodeType="tmRoot"/>
+      </p:par>
+    </p:tnLst>
+  </p:timing>
+</p:sld>
+</file>
+
+<file path=ppt/slides/slide27.xml><?xml version="1.0" encoding="utf-8"?>
+<p:sld xmlns:a="http://schemas.openxmlformats.org/drawingml/2006/main" xmlns:r="http://schemas.openxmlformats.org/officeDocument/2006/relationships" xmlns:p="http://schemas.openxmlformats.org/presentationml/2006/main">
+  <p:cSld>
+    <p:spTree>
+      <p:nvGrpSpPr>
+        <p:cNvPr id="1" name=""/>
+        <p:cNvGrpSpPr/>
+        <p:nvPr/>
+      </p:nvGrpSpPr>
+      <p:grpSpPr>
+        <a:xfrm>
+          <a:off x="0" y="0"/>
+          <a:ext cx="0" cy="0"/>
+          <a:chOff x="0" y="0"/>
+          <a:chExt cx="0" cy="0"/>
+        </a:xfrm>
+      </p:grpSpPr>
+      <p:pic>
+        <p:nvPicPr>
+          <p:cNvPr id="4" name="Picture 2"/>
+          <p:cNvPicPr>
+            <a:picLocks noChangeAspect="1" noChangeArrowheads="1"/>
+          </p:cNvPicPr>
+          <p:nvPr/>
+        </p:nvPicPr>
+        <p:blipFill>
+          <a:blip r:embed="rId2" cstate="print"/>
+          <a:srcRect/>
+          <a:stretch>
+            <a:fillRect/>
+          </a:stretch>
+        </p:blipFill>
+        <p:spPr bwMode="auto">
+          <a:xfrm>
+            <a:off x="484188" y="76200"/>
+            <a:ext cx="8202612" cy="239712"/>
+          </a:xfrm>
+          <a:prstGeom prst="rect">
+            <a:avLst/>
+          </a:prstGeom>
+          <a:noFill/>
+          <a:ln w="9525">
+            <a:noFill/>
+            <a:round/>
+            <a:headEnd/>
+            <a:tailEnd/>
+          </a:ln>
+        </p:spPr>
+      </p:pic>
+      <p:sp>
+        <p:nvSpPr>
+          <p:cNvPr id="5" name="Rectangle 1"/>
+          <p:cNvSpPr>
+            <a:spLocks noChangeArrowheads="1"/>
+          </p:cNvSpPr>
+          <p:nvPr/>
+        </p:nvSpPr>
+        <p:spPr bwMode="auto">
+          <a:xfrm>
+            <a:off x="-1" y="228591"/>
+            <a:ext cx="8880833" cy="871324"/>
+          </a:xfrm>
+          <a:prstGeom prst="rect">
+            <a:avLst/>
+          </a:prstGeom>
+          <a:noFill/>
+          <a:ln w="9525">
+            <a:noFill/>
+            <a:round/>
+            <a:headEnd/>
+            <a:tailEnd/>
+          </a:ln>
+        </p:spPr>
+        <p:txBody>
+          <a:bodyPr lIns="0" tIns="0" rIns="0" bIns="0" anchor="ctr"/>
+          <a:lstStyle/>
+          <a:p>
+            <a:pPr algn="ctr" hangingPunct="0">
+              <a:lnSpc>
+                <a:spcPct val="98000"/>
+              </a:lnSpc>
+              <a:buSzPct val="45000"/>
+              <a:buFont typeface="Wingdings" pitchFamily="2" charset="2"/>
+              <a:buNone/>
+              <a:tabLst>
+                <a:tab pos="0" algn="l"/>
+                <a:tab pos="914400" algn="l"/>
+                <a:tab pos="1828800" algn="l"/>
+                <a:tab pos="2743200" algn="l"/>
+                <a:tab pos="3657600" algn="l"/>
+                <a:tab pos="4572000" algn="l"/>
+                <a:tab pos="5486400" algn="l"/>
+                <a:tab pos="6400800" algn="l"/>
+                <a:tab pos="7315200" algn="l"/>
+                <a:tab pos="8229600" algn="l"/>
+                <a:tab pos="9144000" algn="l"/>
+                <a:tab pos="10058400" algn="l"/>
+              </a:tabLst>
+            </a:pPr>
+            <a:r>
+              <a:rPr lang="en-US" sz="3600" dirty="0" smtClean="0">
+                <a:solidFill>
+                  <a:schemeClr val="tx1"/>
+                </a:solidFill>
+                <a:latin typeface="Times New Roman" pitchFamily="18" charset="0"/>
+                <a:cs typeface="Times New Roman" pitchFamily="18" charset="0"/>
+              </a:rPr>
+              <a:t>Example</a:t>
+            </a:r>
+          </a:p>
+        </p:txBody>
+      </p:sp>
+      <p:sp>
+        <p:nvSpPr>
+          <p:cNvPr id="6" name="TextBox 5"/>
+          <p:cNvSpPr txBox="1"/>
+          <p:nvPr/>
+        </p:nvSpPr>
+        <p:spPr>
+          <a:xfrm>
+            <a:off x="310462" y="1115052"/>
+            <a:ext cx="6218069" cy="5478422"/>
+          </a:xfrm>
+          <a:prstGeom prst="rect">
+            <a:avLst/>
+          </a:prstGeom>
+          <a:solidFill>
+            <a:srgbClr val="000045"/>
+          </a:solidFill>
+        </p:spPr>
+        <p:txBody>
+          <a:bodyPr wrap="none" rtlCol="0">
+            <a:spAutoFit/>
+          </a:bodyPr>
+          <a:lstStyle/>
+          <a:p>
+            <a:r>
+              <a:rPr lang="en-US" sz="1400" dirty="0" smtClean="0">
+                <a:solidFill>
+                  <a:srgbClr val="FFFF00"/>
+                </a:solidFill>
+                <a:latin typeface="Courier"/>
+                <a:cs typeface="Courier"/>
+              </a:rPr>
+              <a:t># Data from the question:</a:t>
+            </a:r>
+          </a:p>
+          <a:p>
+            <a:r>
+              <a:rPr lang="en-US" sz="1400" dirty="0" smtClean="0">
+                <a:solidFill>
+                  <a:schemeClr val="bg1"/>
+                </a:solidFill>
+                <a:latin typeface="Courier"/>
+                <a:cs typeface="Courier"/>
+              </a:rPr>
+              <a:t>M </a:t>
+            </a:r>
+            <a:r>
+              <a:rPr lang="en-US" sz="1400" dirty="0">
+                <a:solidFill>
+                  <a:schemeClr val="bg1"/>
+                </a:solidFill>
+                <a:latin typeface="Courier"/>
+                <a:cs typeface="Courier"/>
+              </a:rPr>
+              <a:t>&lt;- 0.72      </a:t>
+            </a:r>
+            <a:r>
+              <a:rPr lang="en-US" sz="1400" dirty="0">
+                <a:solidFill>
+                  <a:srgbClr val="FFFF00"/>
+                </a:solidFill>
+                <a:latin typeface="Courier"/>
+                <a:cs typeface="Courier"/>
+              </a:rPr>
+              <a:t># </a:t>
+            </a:r>
+            <a:r>
+              <a:rPr lang="en-US" sz="1400" dirty="0" smtClean="0">
+                <a:solidFill>
+                  <a:srgbClr val="FFFF00"/>
+                </a:solidFill>
+                <a:latin typeface="Courier"/>
+                <a:cs typeface="Courier"/>
+              </a:rPr>
+              <a:t>Schist</a:t>
+            </a:r>
+            <a:endParaRPr lang="en-US" sz="1400" dirty="0">
+              <a:solidFill>
+                <a:srgbClr val="FFFF00"/>
+              </a:solidFill>
+              <a:latin typeface="Courier"/>
+              <a:cs typeface="Courier"/>
+            </a:endParaRPr>
+          </a:p>
+          <a:p>
+            <a:r>
+              <a:rPr lang="en-US" sz="1400" dirty="0" err="1">
+                <a:solidFill>
+                  <a:schemeClr val="bg1"/>
+                </a:solidFill>
+                <a:latin typeface="Courier"/>
+                <a:cs typeface="Courier"/>
+              </a:rPr>
+              <a:t>MandS</a:t>
+            </a:r>
+            <a:r>
+              <a:rPr lang="en-US" sz="1400" dirty="0">
+                <a:solidFill>
+                  <a:schemeClr val="bg1"/>
+                </a:solidFill>
+                <a:latin typeface="Courier"/>
+                <a:cs typeface="Courier"/>
+              </a:rPr>
+              <a:t> &lt;- 0.43  </a:t>
+            </a:r>
+            <a:r>
+              <a:rPr lang="en-US" sz="1400" dirty="0">
+                <a:solidFill>
+                  <a:srgbClr val="FFFF00"/>
+                </a:solidFill>
+                <a:latin typeface="Courier"/>
+                <a:cs typeface="Courier"/>
+              </a:rPr>
+              <a:t># Mica and </a:t>
+            </a:r>
+            <a:r>
+              <a:rPr lang="en-US" sz="1400" dirty="0" smtClean="0">
+                <a:solidFill>
+                  <a:srgbClr val="FFFF00"/>
+                </a:solidFill>
+                <a:latin typeface="Courier"/>
+                <a:cs typeface="Courier"/>
+              </a:rPr>
+              <a:t>Schist</a:t>
+            </a:r>
+            <a:endParaRPr lang="en-US" sz="1400" dirty="0">
+              <a:solidFill>
+                <a:srgbClr val="FFFF00"/>
+              </a:solidFill>
+              <a:latin typeface="Courier"/>
+              <a:cs typeface="Courier"/>
+            </a:endParaRPr>
+          </a:p>
+          <a:p>
+            <a:endParaRPr lang="en-US" sz="1400" dirty="0">
+              <a:solidFill>
+                <a:schemeClr val="bg1"/>
+              </a:solidFill>
+              <a:latin typeface="Courier"/>
+              <a:cs typeface="Courier"/>
+            </a:endParaRPr>
+          </a:p>
+          <a:p>
+            <a:r>
+              <a:rPr lang="en-US" sz="1400" dirty="0">
+                <a:solidFill>
+                  <a:srgbClr val="FFFF00"/>
+                </a:solidFill>
+                <a:latin typeface="Courier"/>
+                <a:cs typeface="Courier"/>
+              </a:rPr>
+              <a:t># </a:t>
+            </a:r>
+            <a:r>
+              <a:rPr lang="en-US" sz="1400" dirty="0" err="1">
+                <a:solidFill>
+                  <a:srgbClr val="FFFF00"/>
+                </a:solidFill>
+                <a:latin typeface="Courier"/>
+                <a:cs typeface="Courier"/>
+              </a:rPr>
+              <a:t>Pr</a:t>
+            </a:r>
+            <a:r>
+              <a:rPr lang="en-US" sz="1400" dirty="0">
+                <a:solidFill>
+                  <a:srgbClr val="FFFF00"/>
+                </a:solidFill>
+                <a:latin typeface="Courier"/>
+                <a:cs typeface="Courier"/>
+              </a:rPr>
+              <a:t>(M)</a:t>
+            </a:r>
+          </a:p>
+          <a:p>
+            <a:r>
+              <a:rPr lang="en-US" sz="1400" dirty="0">
+                <a:solidFill>
+                  <a:schemeClr val="bg1"/>
+                </a:solidFill>
+                <a:latin typeface="Courier"/>
+                <a:cs typeface="Courier"/>
+              </a:rPr>
+              <a:t>M</a:t>
+            </a:r>
+          </a:p>
+          <a:p>
+            <a:endParaRPr lang="en-US" sz="1400" dirty="0">
+              <a:solidFill>
+                <a:schemeClr val="bg1"/>
+              </a:solidFill>
+              <a:latin typeface="Courier"/>
+              <a:cs typeface="Courier"/>
+            </a:endParaRPr>
+          </a:p>
+          <a:p>
+            <a:r>
+              <a:rPr lang="en-US" sz="1400" dirty="0">
+                <a:solidFill>
+                  <a:srgbClr val="FFFF00"/>
+                </a:solidFill>
+                <a:latin typeface="Courier"/>
+                <a:cs typeface="Courier"/>
+              </a:rPr>
+              <a:t># </a:t>
+            </a:r>
+            <a:r>
+              <a:rPr lang="en-US" sz="1400" dirty="0" err="1">
+                <a:solidFill>
+                  <a:srgbClr val="FFFF00"/>
+                </a:solidFill>
+                <a:latin typeface="Courier"/>
+                <a:cs typeface="Courier"/>
+              </a:rPr>
+              <a:t>Pr</a:t>
+            </a:r>
+            <a:r>
+              <a:rPr lang="en-US" sz="1400" dirty="0">
+                <a:solidFill>
+                  <a:srgbClr val="FFFF00"/>
+                </a:solidFill>
+                <a:latin typeface="Courier"/>
+                <a:cs typeface="Courier"/>
+              </a:rPr>
+              <a:t>(S|M) = </a:t>
+            </a:r>
+            <a:r>
+              <a:rPr lang="en-US" sz="1400" dirty="0" err="1">
+                <a:solidFill>
+                  <a:srgbClr val="FFFF00"/>
+                </a:solidFill>
+                <a:latin typeface="Courier"/>
+                <a:cs typeface="Courier"/>
+              </a:rPr>
+              <a:t>Pr</a:t>
+            </a:r>
+            <a:r>
+              <a:rPr lang="en-US" sz="1400" dirty="0">
+                <a:solidFill>
+                  <a:srgbClr val="FFFF00"/>
+                </a:solidFill>
+                <a:latin typeface="Courier"/>
+                <a:cs typeface="Courier"/>
+              </a:rPr>
+              <a:t>(</a:t>
+            </a:r>
+            <a:r>
+              <a:rPr lang="en-US" sz="1400" dirty="0" err="1">
+                <a:solidFill>
+                  <a:srgbClr val="FFFF00"/>
+                </a:solidFill>
+                <a:latin typeface="Courier"/>
+                <a:cs typeface="Courier"/>
+              </a:rPr>
+              <a:t>SandM</a:t>
+            </a:r>
+            <a:r>
+              <a:rPr lang="en-US" sz="1400" dirty="0">
+                <a:solidFill>
+                  <a:srgbClr val="FFFF00"/>
+                </a:solidFill>
+                <a:latin typeface="Courier"/>
+                <a:cs typeface="Courier"/>
+              </a:rPr>
+              <a:t>)/</a:t>
+            </a:r>
+            <a:r>
+              <a:rPr lang="en-US" sz="1400" dirty="0" err="1">
+                <a:solidFill>
+                  <a:srgbClr val="FFFF00"/>
+                </a:solidFill>
+                <a:latin typeface="Courier"/>
+                <a:cs typeface="Courier"/>
+              </a:rPr>
+              <a:t>Pr</a:t>
+            </a:r>
+            <a:r>
+              <a:rPr lang="en-US" sz="1400" dirty="0">
+                <a:solidFill>
+                  <a:srgbClr val="FFFF00"/>
+                </a:solidFill>
+                <a:latin typeface="Courier"/>
+                <a:cs typeface="Courier"/>
+              </a:rPr>
+              <a:t>(M)</a:t>
+            </a:r>
+          </a:p>
+          <a:p>
+            <a:r>
+              <a:rPr lang="en-US" sz="1400" dirty="0" err="1">
+                <a:solidFill>
+                  <a:schemeClr val="bg1"/>
+                </a:solidFill>
+                <a:latin typeface="Courier"/>
+                <a:cs typeface="Courier"/>
+              </a:rPr>
+              <a:t>SgivenM</a:t>
+            </a:r>
+            <a:r>
+              <a:rPr lang="en-US" sz="1400" dirty="0">
+                <a:solidFill>
+                  <a:schemeClr val="bg1"/>
+                </a:solidFill>
+                <a:latin typeface="Courier"/>
+                <a:cs typeface="Courier"/>
+              </a:rPr>
+              <a:t> &lt;- </a:t>
+            </a:r>
+            <a:r>
+              <a:rPr lang="en-US" sz="1400" dirty="0" err="1">
+                <a:solidFill>
+                  <a:schemeClr val="bg1"/>
+                </a:solidFill>
+                <a:latin typeface="Courier"/>
+                <a:cs typeface="Courier"/>
+              </a:rPr>
+              <a:t>MandS</a:t>
+            </a:r>
+            <a:r>
+              <a:rPr lang="en-US" sz="1400" dirty="0">
+                <a:solidFill>
+                  <a:schemeClr val="bg1"/>
+                </a:solidFill>
+                <a:latin typeface="Courier"/>
+                <a:cs typeface="Courier"/>
+              </a:rPr>
+              <a:t>/M</a:t>
+            </a:r>
+          </a:p>
+          <a:p>
+            <a:r>
+              <a:rPr lang="en-US" sz="1400" dirty="0" err="1">
+                <a:solidFill>
+                  <a:schemeClr val="bg1"/>
+                </a:solidFill>
+                <a:latin typeface="Courier"/>
+                <a:cs typeface="Courier"/>
+              </a:rPr>
+              <a:t>SgivenM</a:t>
+            </a:r>
+            <a:endParaRPr lang="en-US" sz="1400" dirty="0">
+              <a:solidFill>
+                <a:schemeClr val="bg1"/>
+              </a:solidFill>
+              <a:latin typeface="Courier"/>
+              <a:cs typeface="Courier"/>
+            </a:endParaRPr>
+          </a:p>
+          <a:p>
+            <a:endParaRPr lang="en-US" sz="1400" dirty="0">
+              <a:solidFill>
+                <a:schemeClr val="bg1"/>
+              </a:solidFill>
+              <a:latin typeface="Courier"/>
+              <a:cs typeface="Courier"/>
+            </a:endParaRPr>
+          </a:p>
+          <a:p>
+            <a:r>
+              <a:rPr lang="en-US" sz="1400" dirty="0">
+                <a:solidFill>
+                  <a:srgbClr val="FFFF00"/>
+                </a:solidFill>
+                <a:latin typeface="Courier"/>
+                <a:cs typeface="Courier"/>
+              </a:rPr>
+              <a:t># </a:t>
+            </a:r>
+            <a:r>
+              <a:rPr lang="en-US" sz="1400" dirty="0" err="1">
+                <a:solidFill>
+                  <a:srgbClr val="FFFF00"/>
+                </a:solidFill>
+                <a:latin typeface="Courier"/>
+                <a:cs typeface="Courier"/>
+              </a:rPr>
+              <a:t>Pr</a:t>
+            </a:r>
+            <a:r>
+              <a:rPr lang="en-US" sz="1400" dirty="0">
+                <a:solidFill>
+                  <a:srgbClr val="FFFF00"/>
+                </a:solidFill>
+                <a:latin typeface="Courier"/>
+                <a:cs typeface="Courier"/>
+              </a:rPr>
+              <a:t>(S and M) = </a:t>
+            </a:r>
+            <a:r>
+              <a:rPr lang="en-US" sz="1400" dirty="0" err="1">
+                <a:solidFill>
+                  <a:srgbClr val="FFFF00"/>
+                </a:solidFill>
+                <a:latin typeface="Courier"/>
+                <a:cs typeface="Courier"/>
+              </a:rPr>
+              <a:t>Pr</a:t>
+            </a:r>
+            <a:r>
+              <a:rPr lang="en-US" sz="1400" dirty="0">
+                <a:solidFill>
+                  <a:srgbClr val="FFFF00"/>
+                </a:solidFill>
+                <a:latin typeface="Courier"/>
+                <a:cs typeface="Courier"/>
+              </a:rPr>
+              <a:t>(M and S)</a:t>
+            </a:r>
+          </a:p>
+          <a:p>
+            <a:r>
+              <a:rPr lang="en-US" sz="1400" dirty="0" err="1">
+                <a:solidFill>
+                  <a:schemeClr val="bg1"/>
+                </a:solidFill>
+                <a:latin typeface="Courier"/>
+                <a:cs typeface="Courier"/>
+              </a:rPr>
+              <a:t>MandS</a:t>
+            </a:r>
+            <a:endParaRPr lang="en-US" sz="1400" dirty="0">
+              <a:solidFill>
+                <a:schemeClr val="bg1"/>
+              </a:solidFill>
+              <a:latin typeface="Courier"/>
+              <a:cs typeface="Courier"/>
+            </a:endParaRPr>
+          </a:p>
+          <a:p>
+            <a:endParaRPr lang="en-US" sz="1400" dirty="0">
+              <a:solidFill>
+                <a:schemeClr val="bg1"/>
+              </a:solidFill>
+              <a:latin typeface="Courier"/>
+              <a:cs typeface="Courier"/>
+            </a:endParaRPr>
+          </a:p>
+          <a:p>
+            <a:r>
+              <a:rPr lang="en-US" sz="1400" dirty="0">
+                <a:solidFill>
+                  <a:srgbClr val="FFFF00"/>
+                </a:solidFill>
+                <a:latin typeface="Courier"/>
+                <a:cs typeface="Courier"/>
+              </a:rPr>
+              <a:t># </a:t>
+            </a:r>
+            <a:r>
+              <a:rPr lang="en-US" sz="1400" dirty="0" err="1">
+                <a:solidFill>
+                  <a:srgbClr val="FFFF00"/>
+                </a:solidFill>
+                <a:latin typeface="Courier"/>
+                <a:cs typeface="Courier"/>
+              </a:rPr>
+              <a:t>Pr</a:t>
+            </a:r>
+            <a:r>
+              <a:rPr lang="en-US" sz="1400" dirty="0">
+                <a:solidFill>
+                  <a:srgbClr val="FFFF00"/>
+                </a:solidFill>
+                <a:latin typeface="Courier"/>
+                <a:cs typeface="Courier"/>
+              </a:rPr>
+              <a:t>(S) = </a:t>
+            </a:r>
+            <a:r>
+              <a:rPr lang="en-US" sz="1400" dirty="0" err="1">
+                <a:solidFill>
+                  <a:srgbClr val="FFFF00"/>
+                </a:solidFill>
+                <a:latin typeface="Courier"/>
+                <a:cs typeface="Courier"/>
+              </a:rPr>
+              <a:t>Pr</a:t>
+            </a:r>
+            <a:r>
+              <a:rPr lang="en-US" sz="1400" dirty="0">
+                <a:solidFill>
+                  <a:srgbClr val="FFFF00"/>
+                </a:solidFill>
+                <a:latin typeface="Courier"/>
+                <a:cs typeface="Courier"/>
+              </a:rPr>
+              <a:t>(S or M) + </a:t>
+            </a:r>
+            <a:r>
+              <a:rPr lang="en-US" sz="1400" dirty="0" err="1">
+                <a:solidFill>
+                  <a:srgbClr val="FFFF00"/>
+                </a:solidFill>
+                <a:latin typeface="Courier"/>
+                <a:cs typeface="Courier"/>
+              </a:rPr>
+              <a:t>Pr</a:t>
+            </a:r>
+            <a:r>
+              <a:rPr lang="en-US" sz="1400" dirty="0">
+                <a:solidFill>
+                  <a:srgbClr val="FFFF00"/>
+                </a:solidFill>
+                <a:latin typeface="Courier"/>
+                <a:cs typeface="Courier"/>
+              </a:rPr>
+              <a:t>(S and M) - </a:t>
+            </a:r>
+            <a:r>
+              <a:rPr lang="en-US" sz="1400" dirty="0" err="1">
+                <a:solidFill>
+                  <a:srgbClr val="FFFF00"/>
+                </a:solidFill>
+                <a:latin typeface="Courier"/>
+                <a:cs typeface="Courier"/>
+              </a:rPr>
+              <a:t>Pr</a:t>
+            </a:r>
+            <a:r>
+              <a:rPr lang="en-US" sz="1400" dirty="0">
+                <a:solidFill>
+                  <a:srgbClr val="FFFF00"/>
+                </a:solidFill>
+                <a:latin typeface="Courier"/>
+                <a:cs typeface="Courier"/>
+              </a:rPr>
+              <a:t>(M)</a:t>
+            </a:r>
+          </a:p>
+          <a:p>
+            <a:r>
+              <a:rPr lang="en-US" sz="1400" dirty="0">
+                <a:solidFill>
+                  <a:schemeClr val="bg1"/>
+                </a:solidFill>
+                <a:latin typeface="Courier"/>
+                <a:cs typeface="Courier"/>
+              </a:rPr>
+              <a:t>S &lt;- 1 + 0.43 - 0.72</a:t>
+            </a:r>
+          </a:p>
+          <a:p>
+            <a:r>
+              <a:rPr lang="en-US" sz="1400" dirty="0">
+                <a:solidFill>
+                  <a:schemeClr val="bg1"/>
+                </a:solidFill>
+                <a:latin typeface="Courier"/>
+                <a:cs typeface="Courier"/>
+              </a:rPr>
+              <a:t>S</a:t>
+            </a:r>
+          </a:p>
+          <a:p>
+            <a:endParaRPr lang="en-US" sz="1400" dirty="0">
+              <a:solidFill>
+                <a:schemeClr val="bg1"/>
+              </a:solidFill>
+              <a:latin typeface="Courier"/>
+              <a:cs typeface="Courier"/>
+            </a:endParaRPr>
+          </a:p>
+          <a:p>
+            <a:r>
+              <a:rPr lang="en-US" sz="1400" dirty="0">
+                <a:solidFill>
+                  <a:srgbClr val="FFFF00"/>
+                </a:solidFill>
+                <a:latin typeface="Courier"/>
+                <a:cs typeface="Courier"/>
+              </a:rPr>
+              <a:t># </a:t>
+            </a:r>
+            <a:r>
+              <a:rPr lang="en-US" sz="1400" dirty="0" err="1">
+                <a:solidFill>
+                  <a:srgbClr val="FFFF00"/>
+                </a:solidFill>
+                <a:latin typeface="Courier"/>
+                <a:cs typeface="Courier"/>
+              </a:rPr>
+              <a:t>Pr</a:t>
+            </a:r>
+            <a:r>
+              <a:rPr lang="en-US" sz="1400" dirty="0">
+                <a:solidFill>
+                  <a:srgbClr val="FFFF00"/>
+                </a:solidFill>
+                <a:latin typeface="Courier"/>
+                <a:cs typeface="Courier"/>
+              </a:rPr>
+              <a:t>(M|S) = </a:t>
+            </a:r>
+            <a:r>
+              <a:rPr lang="en-US" sz="1400" dirty="0" err="1">
+                <a:solidFill>
+                  <a:srgbClr val="FFFF00"/>
+                </a:solidFill>
+                <a:latin typeface="Courier"/>
+                <a:cs typeface="Courier"/>
+              </a:rPr>
+              <a:t>Pr</a:t>
+            </a:r>
+            <a:r>
+              <a:rPr lang="en-US" sz="1400" dirty="0">
+                <a:solidFill>
+                  <a:srgbClr val="FFFF00"/>
+                </a:solidFill>
+                <a:latin typeface="Courier"/>
+                <a:cs typeface="Courier"/>
+              </a:rPr>
+              <a:t>(M and S)/</a:t>
+            </a:r>
+            <a:r>
+              <a:rPr lang="en-US" sz="1400" dirty="0" err="1">
+                <a:solidFill>
+                  <a:srgbClr val="FFFF00"/>
+                </a:solidFill>
+                <a:latin typeface="Courier"/>
+                <a:cs typeface="Courier"/>
+              </a:rPr>
+              <a:t>Pr</a:t>
+            </a:r>
+            <a:r>
+              <a:rPr lang="en-US" sz="1400" dirty="0">
+                <a:solidFill>
+                  <a:srgbClr val="FFFF00"/>
+                </a:solidFill>
+                <a:latin typeface="Courier"/>
+                <a:cs typeface="Courier"/>
+              </a:rPr>
+              <a:t>(S)</a:t>
+            </a:r>
+          </a:p>
+          <a:p>
+            <a:r>
+              <a:rPr lang="en-US" sz="1400" dirty="0" err="1">
+                <a:solidFill>
+                  <a:schemeClr val="bg1"/>
+                </a:solidFill>
+                <a:latin typeface="Courier"/>
+                <a:cs typeface="Courier"/>
+              </a:rPr>
+              <a:t>MgivenS</a:t>
+            </a:r>
+            <a:r>
+              <a:rPr lang="en-US" sz="1400" dirty="0">
+                <a:solidFill>
+                  <a:schemeClr val="bg1"/>
+                </a:solidFill>
+                <a:latin typeface="Courier"/>
+                <a:cs typeface="Courier"/>
+              </a:rPr>
+              <a:t> &lt;- 0.43/S</a:t>
+            </a:r>
+          </a:p>
+          <a:p>
+            <a:r>
+              <a:rPr lang="en-US" sz="1400" dirty="0" err="1" smtClean="0">
+                <a:solidFill>
+                  <a:schemeClr val="bg1"/>
+                </a:solidFill>
+                <a:latin typeface="Courier"/>
+                <a:cs typeface="Courier"/>
+              </a:rPr>
+              <a:t>MgivenS</a:t>
+            </a:r>
+            <a:endParaRPr lang="en-US" sz="1400" dirty="0" smtClean="0">
+              <a:solidFill>
+                <a:schemeClr val="bg1"/>
+              </a:solidFill>
+              <a:latin typeface="Courier"/>
+              <a:cs typeface="Courier"/>
+            </a:endParaRPr>
+          </a:p>
+          <a:p>
+            <a:endParaRPr lang="en-US" sz="1400" dirty="0">
+              <a:solidFill>
+                <a:schemeClr val="bg1"/>
+              </a:solidFill>
+              <a:latin typeface="Courier"/>
+              <a:cs typeface="Courier"/>
+            </a:endParaRPr>
+          </a:p>
+          <a:p>
+            <a:r>
+              <a:rPr lang="en-US" sz="1400" dirty="0">
+                <a:solidFill>
+                  <a:srgbClr val="FFFF00"/>
+                </a:solidFill>
+                <a:latin typeface="Courier"/>
+                <a:cs typeface="Courier"/>
+              </a:rPr>
+              <a:t># Test for independence: Is </a:t>
+            </a:r>
+            <a:r>
+              <a:rPr lang="en-US" sz="1400" dirty="0" err="1">
+                <a:solidFill>
+                  <a:srgbClr val="FFFF00"/>
+                </a:solidFill>
+                <a:latin typeface="Courier"/>
+                <a:cs typeface="Courier"/>
+              </a:rPr>
+              <a:t>Pr</a:t>
+            </a:r>
+            <a:r>
+              <a:rPr lang="en-US" sz="1400" dirty="0">
+                <a:solidFill>
+                  <a:srgbClr val="FFFF00"/>
+                </a:solidFill>
+                <a:latin typeface="Courier"/>
+                <a:cs typeface="Courier"/>
+              </a:rPr>
+              <a:t>(M and S) = </a:t>
+            </a:r>
+            <a:r>
+              <a:rPr lang="en-US" sz="1400" dirty="0" err="1">
+                <a:solidFill>
+                  <a:srgbClr val="FFFF00"/>
+                </a:solidFill>
+                <a:latin typeface="Courier"/>
+                <a:cs typeface="Courier"/>
+              </a:rPr>
+              <a:t>Pr</a:t>
+            </a:r>
+            <a:r>
+              <a:rPr lang="en-US" sz="1400" dirty="0">
+                <a:solidFill>
+                  <a:srgbClr val="FFFF00"/>
+                </a:solidFill>
+                <a:latin typeface="Courier"/>
+                <a:cs typeface="Courier"/>
+              </a:rPr>
+              <a:t>(M)</a:t>
+            </a:r>
+            <a:r>
+              <a:rPr lang="en-US" sz="1400" dirty="0" err="1">
+                <a:solidFill>
+                  <a:srgbClr val="FFFF00"/>
+                </a:solidFill>
+                <a:latin typeface="Courier"/>
+                <a:cs typeface="Courier"/>
+              </a:rPr>
+              <a:t>Pr</a:t>
+            </a:r>
+            <a:r>
+              <a:rPr lang="en-US" sz="1400" dirty="0">
+                <a:solidFill>
+                  <a:srgbClr val="FFFF00"/>
+                </a:solidFill>
+                <a:latin typeface="Courier"/>
+                <a:cs typeface="Courier"/>
+              </a:rPr>
+              <a:t>(S) ??:</a:t>
+            </a:r>
+          </a:p>
+          <a:p>
+            <a:r>
+              <a:rPr lang="en-US" sz="1400" dirty="0" smtClean="0">
+                <a:solidFill>
+                  <a:schemeClr val="bg1"/>
+                </a:solidFill>
+                <a:latin typeface="Courier"/>
+                <a:cs typeface="Courier"/>
+              </a:rPr>
+              <a:t>M</a:t>
+            </a:r>
+            <a:r>
+              <a:rPr lang="en-US" sz="1400" dirty="0">
+                <a:solidFill>
+                  <a:schemeClr val="bg1"/>
+                </a:solidFill>
+                <a:latin typeface="Courier"/>
+                <a:cs typeface="Courier"/>
+              </a:rPr>
+              <a:t>*S</a:t>
+            </a:r>
+          </a:p>
+          <a:p>
+            <a:r>
+              <a:rPr lang="en-US" sz="1400" dirty="0" err="1">
+                <a:solidFill>
+                  <a:schemeClr val="bg1"/>
+                </a:solidFill>
+                <a:latin typeface="Courier"/>
+                <a:cs typeface="Courier"/>
+              </a:rPr>
+              <a:t>MandS</a:t>
+            </a:r>
+            <a:r>
+              <a:rPr lang="en-US" sz="1400" dirty="0">
+                <a:solidFill>
+                  <a:schemeClr val="bg1"/>
+                </a:solidFill>
+                <a:latin typeface="Courier"/>
+                <a:cs typeface="Courier"/>
+              </a:rPr>
+              <a:t> == M*</a:t>
+            </a:r>
+            <a:r>
+              <a:rPr lang="en-US" sz="1400" dirty="0" smtClean="0">
+                <a:solidFill>
+                  <a:schemeClr val="bg1"/>
+                </a:solidFill>
+                <a:latin typeface="Courier"/>
+                <a:cs typeface="Courier"/>
+              </a:rPr>
+              <a:t>S</a:t>
+            </a:r>
+            <a:endParaRPr lang="en-US" sz="1400" dirty="0">
+              <a:solidFill>
+                <a:schemeClr val="bg1"/>
+              </a:solidFill>
+              <a:latin typeface="Courier"/>
+              <a:cs typeface="Courier"/>
+            </a:endParaRPr>
+          </a:p>
+        </p:txBody>
+      </p:sp>
+      <p:grpSp>
+        <p:nvGrpSpPr>
+          <p:cNvPr id="3" name="Group 2"/>
+          <p:cNvGrpSpPr/>
+          <p:nvPr/>
+        </p:nvGrpSpPr>
+        <p:grpSpPr>
+          <a:xfrm>
+            <a:off x="6829425" y="1276350"/>
+            <a:ext cx="1917700" cy="4267578"/>
+            <a:chOff x="6829425" y="1276350"/>
+            <a:chExt cx="1917700" cy="4267578"/>
+          </a:xfrm>
+        </p:grpSpPr>
+        <p:pic>
+          <p:nvPicPr>
+            <p:cNvPr id="7" name="Picture 6"/>
+            <p:cNvPicPr>
+              <a:picLocks noChangeAspect="1"/>
+            </p:cNvPicPr>
+            <p:nvPr/>
+          </p:nvPicPr>
+          <p:blipFill>
+            <a:blip r:embed="rId3"/>
+            <a:stretch>
+              <a:fillRect/>
+            </a:stretch>
+          </p:blipFill>
+          <p:spPr>
+            <a:xfrm>
+              <a:off x="6829425" y="1276350"/>
+              <a:ext cx="1917700" cy="3098800"/>
+            </a:xfrm>
+            <a:prstGeom prst="rect">
+              <a:avLst/>
+            </a:prstGeom>
+          </p:spPr>
+        </p:pic>
+        <p:pic>
+          <p:nvPicPr>
+            <p:cNvPr id="2" name="Picture 1"/>
+            <p:cNvPicPr>
+              <a:picLocks noChangeAspect="1"/>
+            </p:cNvPicPr>
+            <p:nvPr/>
+          </p:nvPicPr>
+          <p:blipFill>
+            <a:blip r:embed="rId4"/>
+            <a:stretch>
+              <a:fillRect/>
+            </a:stretch>
+          </p:blipFill>
+          <p:spPr>
+            <a:xfrm>
+              <a:off x="6829425" y="4356099"/>
+              <a:ext cx="1917700" cy="1187829"/>
+            </a:xfrm>
+            <a:prstGeom prst="rect">
+              <a:avLst/>
+            </a:prstGeom>
+          </p:spPr>
+        </p:pic>
+      </p:grpSp>
+    </p:spTree>
+    <p:extLst>
+      <p:ext uri="{BB962C8B-B14F-4D97-AF65-F5344CB8AC3E}">
+        <p14:creationId xmlns:p14="http://schemas.microsoft.com/office/powerpoint/2010/main" val="201035367"/>
+      </p:ext>
+    </p:extLst>
+  </p:cSld>
+  <p:clrMapOvr>
+    <a:masterClrMapping/>
+  </p:clrMapOvr>
+  <p:timing>
+    <p:tnLst>
+      <p:par>
+        <p:cTn xmlns:p14="http://schemas.microsoft.com/office/powerpoint/2010/main" id="1" dur="indefinite" restart="never" nodeType="tmRoot"/>
+      </p:par>
+    </p:tnLst>
+  </p:timing>
+</p:sld>
+</file>
+
+<file path=ppt/slides/slide28.xml><?xml version="1.0" encoding="utf-8"?>
 <p:sld xmlns:a="http://schemas.openxmlformats.org/drawingml/2006/main" xmlns:r="http://schemas.openxmlformats.org/officeDocument/2006/relationships" xmlns:p="http://schemas.openxmlformats.org/presentationml/2006/main">
   <p:cSld>
     <p:spTree>
@@ -21625,7 +24006,7 @@
 </p:sld>
 </file>
 
-<file path=ppt/slides/slide27.xml><?xml version="1.0" encoding="utf-8"?>
+<file path=ppt/slides/slide29.xml><?xml version="1.0" encoding="utf-8"?>
 <p:sld xmlns:a="http://schemas.openxmlformats.org/drawingml/2006/main" xmlns:r="http://schemas.openxmlformats.org/officeDocument/2006/relationships" xmlns:p="http://schemas.openxmlformats.org/presentationml/2006/main">
   <p:cSld>
     <p:spTree>
@@ -22774,7 +25155,734 @@
 </p:sld>
 </file>
 
-<file path=ppt/slides/slide28.xml><?xml version="1.0" encoding="utf-8"?>
+<file path=ppt/slides/slide3.xml><?xml version="1.0" encoding="utf-8"?>
+<p:sld xmlns:a="http://schemas.openxmlformats.org/drawingml/2006/main" xmlns:r="http://schemas.openxmlformats.org/officeDocument/2006/relationships" xmlns:p="http://schemas.openxmlformats.org/presentationml/2006/main">
+  <p:cSld>
+    <p:spTree>
+      <p:nvGrpSpPr>
+        <p:cNvPr id="1" name=""/>
+        <p:cNvGrpSpPr/>
+        <p:nvPr/>
+      </p:nvGrpSpPr>
+      <p:grpSpPr>
+        <a:xfrm>
+          <a:off x="0" y="0"/>
+          <a:ext cx="0" cy="0"/>
+          <a:chOff x="0" y="0"/>
+          <a:chExt cx="0" cy="0"/>
+        </a:xfrm>
+      </p:grpSpPr>
+      <p:sp>
+        <p:nvSpPr>
+          <p:cNvPr id="4" name="Rectangle 1"/>
+          <p:cNvSpPr>
+            <a:spLocks noChangeArrowheads="1"/>
+          </p:cNvSpPr>
+          <p:nvPr/>
+        </p:nvSpPr>
+        <p:spPr bwMode="auto">
+          <a:xfrm>
+            <a:off x="0" y="279102"/>
+            <a:ext cx="9104312" cy="871324"/>
+          </a:xfrm>
+          <a:prstGeom prst="rect">
+            <a:avLst/>
+          </a:prstGeom>
+          <a:noFill/>
+          <a:ln w="9525">
+            <a:noFill/>
+            <a:round/>
+            <a:headEnd/>
+            <a:tailEnd/>
+          </a:ln>
+        </p:spPr>
+        <p:txBody>
+          <a:bodyPr lIns="0" tIns="0" rIns="0" bIns="0" anchor="ctr"/>
+          <a:lstStyle/>
+          <a:p>
+            <a:pPr algn="ctr" hangingPunct="0">
+              <a:lnSpc>
+                <a:spcPct val="98000"/>
+              </a:lnSpc>
+              <a:buSzPct val="45000"/>
+              <a:buFont typeface="Wingdings" pitchFamily="2" charset="2"/>
+              <a:buNone/>
+              <a:tabLst>
+                <a:tab pos="0" algn="l"/>
+                <a:tab pos="914400" algn="l"/>
+                <a:tab pos="1828800" algn="l"/>
+                <a:tab pos="2743200" algn="l"/>
+                <a:tab pos="3657600" algn="l"/>
+                <a:tab pos="4572000" algn="l"/>
+                <a:tab pos="5486400" algn="l"/>
+                <a:tab pos="6400800" algn="l"/>
+                <a:tab pos="7315200" algn="l"/>
+                <a:tab pos="8229600" algn="l"/>
+                <a:tab pos="9144000" algn="l"/>
+                <a:tab pos="10058400" algn="l"/>
+              </a:tabLst>
+            </a:pPr>
+            <a:r>
+              <a:rPr lang="en-US" sz="4800" dirty="0" smtClean="0">
+                <a:solidFill>
+                  <a:schemeClr val="tx1"/>
+                </a:solidFill>
+                <a:latin typeface="Times New Roman" pitchFamily="18" charset="0"/>
+                <a:cs typeface="Times New Roman" pitchFamily="18" charset="0"/>
+              </a:rPr>
+              <a:t>Sample Spaces</a:t>
+            </a:r>
+          </a:p>
+        </p:txBody>
+      </p:sp>
+      <p:pic>
+        <p:nvPicPr>
+          <p:cNvPr id="5" name="Picture 2"/>
+          <p:cNvPicPr>
+            <a:picLocks noChangeAspect="1" noChangeArrowheads="1"/>
+          </p:cNvPicPr>
+          <p:nvPr/>
+        </p:nvPicPr>
+        <p:blipFill>
+          <a:blip r:embed="rId2" cstate="print"/>
+          <a:srcRect/>
+          <a:stretch>
+            <a:fillRect/>
+          </a:stretch>
+        </p:blipFill>
+        <p:spPr bwMode="auto">
+          <a:xfrm>
+            <a:off x="484188" y="76200"/>
+            <a:ext cx="8202612" cy="239712"/>
+          </a:xfrm>
+          <a:prstGeom prst="rect">
+            <a:avLst/>
+          </a:prstGeom>
+          <a:noFill/>
+          <a:ln w="9525">
+            <a:noFill/>
+            <a:round/>
+            <a:headEnd/>
+            <a:tailEnd/>
+          </a:ln>
+        </p:spPr>
+      </p:pic>
+      <p:sp>
+        <p:nvSpPr>
+          <p:cNvPr id="6" name="Rectangle 5"/>
+          <p:cNvSpPr>
+            <a:spLocks noChangeArrowheads="1"/>
+          </p:cNvSpPr>
+          <p:nvPr/>
+        </p:nvSpPr>
+        <p:spPr bwMode="auto">
+          <a:xfrm>
+            <a:off x="228600" y="1253403"/>
+            <a:ext cx="8686800" cy="1197088"/>
+          </a:xfrm>
+          <a:prstGeom prst="rect">
+            <a:avLst/>
+          </a:prstGeom>
+          <a:noFill/>
+          <a:ln w="9525">
+            <a:noFill/>
+            <a:round/>
+            <a:headEnd/>
+            <a:tailEnd/>
+          </a:ln>
+        </p:spPr>
+        <p:txBody>
+          <a:bodyPr lIns="0" tIns="0" rIns="0" bIns="0"/>
+          <a:lstStyle/>
+          <a:p>
+            <a:pPr marL="620713" indent="-514350">
+              <a:spcBef>
+                <a:spcPts val="800"/>
+              </a:spcBef>
+              <a:buClr>
+                <a:srgbClr val="000000"/>
+              </a:buClr>
+              <a:buSzPct val="100000"/>
+              <a:buFont typeface="Arial"/>
+              <a:buChar char="•"/>
+              <a:tabLst>
+                <a:tab pos="430213" algn="l"/>
+                <a:tab pos="1344613" algn="l"/>
+                <a:tab pos="2259013" algn="l"/>
+                <a:tab pos="3173413" algn="l"/>
+                <a:tab pos="4087813" algn="l"/>
+                <a:tab pos="5002213" algn="l"/>
+                <a:tab pos="5916613" algn="l"/>
+                <a:tab pos="6831013" algn="l"/>
+                <a:tab pos="7745413" algn="l"/>
+                <a:tab pos="8659813" algn="l"/>
+                <a:tab pos="9574213" algn="l"/>
+                <a:tab pos="10488613" algn="l"/>
+              </a:tabLst>
+            </a:pPr>
+            <a:r>
+              <a:rPr lang="en-GB" sz="3200" b="1" dirty="0" smtClean="0">
+                <a:solidFill>
+                  <a:srgbClr val="000000"/>
+                </a:solidFill>
+                <a:latin typeface="Times New Roman" pitchFamily="18" charset="0"/>
+              </a:rPr>
+              <a:t>Sample space</a:t>
+            </a:r>
+            <a:r>
+              <a:rPr lang="en-GB" sz="3200" dirty="0" smtClean="0">
+                <a:solidFill>
+                  <a:srgbClr val="000000"/>
+                </a:solidFill>
+                <a:latin typeface="Times New Roman" pitchFamily="18" charset="0"/>
+              </a:rPr>
+              <a:t>:</a:t>
+            </a:r>
+          </a:p>
+          <a:p>
+            <a:pPr marL="1077913" lvl="1" indent="-514350">
+              <a:spcBef>
+                <a:spcPts val="800"/>
+              </a:spcBef>
+              <a:buClr>
+                <a:srgbClr val="000000"/>
+              </a:buClr>
+              <a:buSzPct val="100000"/>
+              <a:buFont typeface="Arial"/>
+              <a:buChar char="•"/>
+              <a:tabLst>
+                <a:tab pos="430213" algn="l"/>
+                <a:tab pos="1344613" algn="l"/>
+                <a:tab pos="2259013" algn="l"/>
+                <a:tab pos="3173413" algn="l"/>
+                <a:tab pos="4087813" algn="l"/>
+                <a:tab pos="5002213" algn="l"/>
+                <a:tab pos="5916613" algn="l"/>
+                <a:tab pos="6831013" algn="l"/>
+                <a:tab pos="7745413" algn="l"/>
+                <a:tab pos="8659813" algn="l"/>
+                <a:tab pos="9574213" algn="l"/>
+                <a:tab pos="10488613" algn="l"/>
+              </a:tabLst>
+            </a:pPr>
+            <a:r>
+              <a:rPr lang="en-GB" sz="2800" dirty="0" smtClean="0">
+                <a:solidFill>
+                  <a:srgbClr val="000000"/>
+                </a:solidFill>
+                <a:latin typeface="Times New Roman" pitchFamily="18" charset="0"/>
+              </a:rPr>
+              <a:t>Standard lingo:</a:t>
+            </a:r>
+          </a:p>
+        </p:txBody>
+      </p:sp>
+      <p:sp>
+        <p:nvSpPr>
+          <p:cNvPr id="10" name="Rectangle 9"/>
+          <p:cNvSpPr>
+            <a:spLocks noChangeArrowheads="1"/>
+          </p:cNvSpPr>
+          <p:nvPr/>
+        </p:nvSpPr>
+        <p:spPr bwMode="auto">
+          <a:xfrm>
+            <a:off x="228600" y="2588138"/>
+            <a:ext cx="8686800" cy="1248599"/>
+          </a:xfrm>
+          <a:prstGeom prst="rect">
+            <a:avLst/>
+          </a:prstGeom>
+          <a:noFill/>
+          <a:ln w="9525">
+            <a:noFill/>
+            <a:round/>
+            <a:headEnd/>
+            <a:tailEnd/>
+          </a:ln>
+        </p:spPr>
+        <p:txBody>
+          <a:bodyPr lIns="0" tIns="0" rIns="0" bIns="0"/>
+          <a:lstStyle/>
+          <a:p>
+            <a:pPr marL="1535113" lvl="2" indent="-514350">
+              <a:spcBef>
+                <a:spcPts val="800"/>
+              </a:spcBef>
+              <a:buClr>
+                <a:srgbClr val="000000"/>
+              </a:buClr>
+              <a:buSzPct val="100000"/>
+              <a:buFont typeface="Arial"/>
+              <a:buChar char="•"/>
+              <a:tabLst>
+                <a:tab pos="430213" algn="l"/>
+                <a:tab pos="1344613" algn="l"/>
+                <a:tab pos="2259013" algn="l"/>
+                <a:tab pos="3173413" algn="l"/>
+                <a:tab pos="4087813" algn="l"/>
+                <a:tab pos="5002213" algn="l"/>
+                <a:tab pos="5916613" algn="l"/>
+                <a:tab pos="6831013" algn="l"/>
+                <a:tab pos="7745413" algn="l"/>
+                <a:tab pos="8659813" algn="l"/>
+                <a:tab pos="9574213" algn="l"/>
+                <a:tab pos="10488613" algn="l"/>
+              </a:tabLst>
+            </a:pPr>
+            <a:r>
+              <a:rPr lang="en-GB" sz="2600" dirty="0" smtClean="0">
+                <a:solidFill>
+                  <a:srgbClr val="000000"/>
+                </a:solidFill>
+                <a:latin typeface="Times New Roman" pitchFamily="18" charset="0"/>
+              </a:rPr>
+              <a:t>We will always stick with the term “</a:t>
+            </a:r>
+            <a:r>
+              <a:rPr lang="en-GB" sz="2600" i="1" u="sng" dirty="0" smtClean="0">
+                <a:solidFill>
+                  <a:srgbClr val="000000"/>
+                </a:solidFill>
+                <a:latin typeface="Times New Roman" pitchFamily="18" charset="0"/>
+              </a:rPr>
+              <a:t>experiment</a:t>
+            </a:r>
+            <a:r>
+              <a:rPr lang="en-GB" sz="2600" dirty="0" smtClean="0">
+                <a:solidFill>
+                  <a:srgbClr val="000000"/>
+                </a:solidFill>
+                <a:latin typeface="Times New Roman" pitchFamily="18" charset="0"/>
+              </a:rPr>
+              <a:t>” to refer to anything in which the outcome(s) are uncertain.</a:t>
+            </a:r>
+          </a:p>
+        </p:txBody>
+      </p:sp>
+      <p:sp>
+        <p:nvSpPr>
+          <p:cNvPr id="8" name="TextBox 7"/>
+          <p:cNvSpPr txBox="1"/>
+          <p:nvPr/>
+        </p:nvSpPr>
+        <p:spPr>
+          <a:xfrm>
+            <a:off x="720195" y="4965481"/>
+            <a:ext cx="7309183" cy="1384995"/>
+          </a:xfrm>
+          <a:prstGeom prst="rect">
+            <a:avLst/>
+          </a:prstGeom>
+          <a:noFill/>
+        </p:spPr>
+        <p:txBody>
+          <a:bodyPr wrap="square" rtlCol="0">
+            <a:spAutoFit/>
+          </a:bodyPr>
+          <a:lstStyle/>
+          <a:p>
+            <a:r>
+              <a:rPr lang="en-US" sz="2800" dirty="0" smtClean="0">
+                <a:latin typeface="Times New Roman"/>
+                <a:cs typeface="Times New Roman"/>
+              </a:rPr>
+              <a:t>NOTE: In this course we are usually referring to outcomes of experiments we CAN specify frequencies for.</a:t>
+            </a:r>
+            <a:endParaRPr lang="en-US" sz="2800" dirty="0">
+              <a:latin typeface="Times New Roman"/>
+              <a:cs typeface="Times New Roman"/>
+            </a:endParaRPr>
+          </a:p>
+        </p:txBody>
+      </p:sp>
+      <p:sp>
+        <p:nvSpPr>
+          <p:cNvPr id="7" name="Rectangle 6"/>
+          <p:cNvSpPr>
+            <a:spLocks noChangeArrowheads="1"/>
+          </p:cNvSpPr>
+          <p:nvPr/>
+        </p:nvSpPr>
+        <p:spPr bwMode="auto">
+          <a:xfrm>
+            <a:off x="228600" y="3898202"/>
+            <a:ext cx="8686800" cy="860915"/>
+          </a:xfrm>
+          <a:prstGeom prst="rect">
+            <a:avLst/>
+          </a:prstGeom>
+          <a:noFill/>
+          <a:ln w="9525">
+            <a:noFill/>
+            <a:round/>
+            <a:headEnd/>
+            <a:tailEnd/>
+          </a:ln>
+        </p:spPr>
+        <p:txBody>
+          <a:bodyPr lIns="0" tIns="0" rIns="0" bIns="0"/>
+          <a:lstStyle/>
+          <a:p>
+            <a:pPr marL="1992313" lvl="3" indent="-514350">
+              <a:spcBef>
+                <a:spcPts val="800"/>
+              </a:spcBef>
+              <a:buClr>
+                <a:srgbClr val="000000"/>
+              </a:buClr>
+              <a:buSzPct val="100000"/>
+              <a:buFont typeface="Arial"/>
+              <a:buChar char="•"/>
+              <a:tabLst>
+                <a:tab pos="430213" algn="l"/>
+                <a:tab pos="1344613" algn="l"/>
+                <a:tab pos="2259013" algn="l"/>
+                <a:tab pos="3173413" algn="l"/>
+                <a:tab pos="4087813" algn="l"/>
+                <a:tab pos="5002213" algn="l"/>
+                <a:tab pos="5916613" algn="l"/>
+                <a:tab pos="6831013" algn="l"/>
+                <a:tab pos="7745413" algn="l"/>
+                <a:tab pos="8659813" algn="l"/>
+                <a:tab pos="9574213" algn="l"/>
+                <a:tab pos="10488613" algn="l"/>
+              </a:tabLst>
+            </a:pPr>
+            <a:r>
+              <a:rPr lang="en-GB" sz="2400" dirty="0" smtClean="0">
+                <a:solidFill>
+                  <a:srgbClr val="000000"/>
+                </a:solidFill>
+                <a:latin typeface="Times New Roman" pitchFamily="18" charset="0"/>
+              </a:rPr>
+              <a:t>Applies to outcomes we both can and cannot specify a frequency for.</a:t>
+            </a:r>
+          </a:p>
+        </p:txBody>
+      </p:sp>
+    </p:spTree>
+    <p:extLst>
+      <p:ext uri="{BB962C8B-B14F-4D97-AF65-F5344CB8AC3E}">
+        <p14:creationId xmlns:p14="http://schemas.microsoft.com/office/powerpoint/2010/main" val="723290157"/>
+      </p:ext>
+    </p:extLst>
+  </p:cSld>
+  <p:clrMapOvr>
+    <a:masterClrMapping/>
+  </p:clrMapOvr>
+  <p:timing>
+    <p:tnLst>
+      <p:par>
+        <p:cTn xmlns:p14="http://schemas.microsoft.com/office/powerpoint/2010/main" id="1" dur="indefinite" restart="never" nodeType="tmRoot">
+          <p:childTnLst>
+            <p:seq concurrent="1" nextAc="seek">
+              <p:cTn id="2" dur="indefinite" nodeType="mainSeq">
+                <p:childTnLst>
+                  <p:par>
+                    <p:cTn id="3" fill="hold">
+                      <p:stCondLst>
+                        <p:cond delay="indefinite"/>
+                      </p:stCondLst>
+                      <p:childTnLst>
+                        <p:par>
+                          <p:cTn id="4" fill="hold">
+                            <p:stCondLst>
+                              <p:cond delay="0"/>
+                            </p:stCondLst>
+                            <p:childTnLst>
+                              <p:par>
+                                <p:cTn id="5" presetID="2" presetClass="entr" presetSubtype="4" fill="hold" grpId="0" nodeType="clickEffect">
+                                  <p:stCondLst>
+                                    <p:cond delay="0"/>
+                                  </p:stCondLst>
+                                  <p:childTnLst>
+                                    <p:set>
+                                      <p:cBhvr>
+                                        <p:cTn id="6" dur="1" fill="hold">
+                                          <p:stCondLst>
+                                            <p:cond delay="0"/>
+                                          </p:stCondLst>
+                                        </p:cTn>
+                                        <p:tgtEl>
+                                          <p:spTgt spid="10"/>
+                                        </p:tgtEl>
+                                        <p:attrNameLst>
+                                          <p:attrName>style.visibility</p:attrName>
+                                        </p:attrNameLst>
+                                      </p:cBhvr>
+                                      <p:to>
+                                        <p:strVal val="visible"/>
+                                      </p:to>
+                                    </p:set>
+                                    <p:anim calcmode="lin" valueType="num">
+                                      <p:cBhvr additive="base">
+                                        <p:cTn id="7" dur="500" fill="hold"/>
+                                        <p:tgtEl>
+                                          <p:spTgt spid="10"/>
+                                        </p:tgtEl>
+                                        <p:attrNameLst>
+                                          <p:attrName>ppt_x</p:attrName>
+                                        </p:attrNameLst>
+                                      </p:cBhvr>
+                                      <p:tavLst>
+                                        <p:tav tm="0">
+                                          <p:val>
+                                            <p:strVal val="#ppt_x"/>
+                                          </p:val>
+                                        </p:tav>
+                                        <p:tav tm="100000">
+                                          <p:val>
+                                            <p:strVal val="#ppt_x"/>
+                                          </p:val>
+                                        </p:tav>
+                                      </p:tavLst>
+                                    </p:anim>
+                                    <p:anim calcmode="lin" valueType="num">
+                                      <p:cBhvr additive="base">
+                                        <p:cTn id="8" dur="500" fill="hold"/>
+                                        <p:tgtEl>
+                                          <p:spTgt spid="10"/>
+                                        </p:tgtEl>
+                                        <p:attrNameLst>
+                                          <p:attrName>ppt_y</p:attrName>
+                                        </p:attrNameLst>
+                                      </p:cBhvr>
+                                      <p:tavLst>
+                                        <p:tav tm="0">
+                                          <p:val>
+                                            <p:strVal val="1+#ppt_h/2"/>
+                                          </p:val>
+                                        </p:tav>
+                                        <p:tav tm="100000">
+                                          <p:val>
+                                            <p:strVal val="#ppt_y"/>
+                                          </p:val>
+                                        </p:tav>
+                                      </p:tavLst>
+                                    </p:anim>
+                                  </p:childTnLst>
+                                </p:cTn>
+                              </p:par>
+                            </p:childTnLst>
+                          </p:cTn>
+                        </p:par>
+                      </p:childTnLst>
+                    </p:cTn>
+                  </p:par>
+                  <p:par>
+                    <p:cTn id="9" fill="hold">
+                      <p:stCondLst>
+                        <p:cond delay="indefinite"/>
+                      </p:stCondLst>
+                      <p:childTnLst>
+                        <p:par>
+                          <p:cTn id="10" fill="hold">
+                            <p:stCondLst>
+                              <p:cond delay="0"/>
+                            </p:stCondLst>
+                            <p:childTnLst>
+                              <p:par>
+                                <p:cTn id="11" presetID="2" presetClass="entr" presetSubtype="4" fill="hold" grpId="0" nodeType="clickEffect">
+                                  <p:stCondLst>
+                                    <p:cond delay="0"/>
+                                  </p:stCondLst>
+                                  <p:childTnLst>
+                                    <p:set>
+                                      <p:cBhvr>
+                                        <p:cTn id="12" dur="1" fill="hold">
+                                          <p:stCondLst>
+                                            <p:cond delay="0"/>
+                                          </p:stCondLst>
+                                        </p:cTn>
+                                        <p:tgtEl>
+                                          <p:spTgt spid="7"/>
+                                        </p:tgtEl>
+                                        <p:attrNameLst>
+                                          <p:attrName>style.visibility</p:attrName>
+                                        </p:attrNameLst>
+                                      </p:cBhvr>
+                                      <p:to>
+                                        <p:strVal val="visible"/>
+                                      </p:to>
+                                    </p:set>
+                                    <p:anim calcmode="lin" valueType="num">
+                                      <p:cBhvr additive="base">
+                                        <p:cTn id="13" dur="500" fill="hold"/>
+                                        <p:tgtEl>
+                                          <p:spTgt spid="7"/>
+                                        </p:tgtEl>
+                                        <p:attrNameLst>
+                                          <p:attrName>ppt_x</p:attrName>
+                                        </p:attrNameLst>
+                                      </p:cBhvr>
+                                      <p:tavLst>
+                                        <p:tav tm="0">
+                                          <p:val>
+                                            <p:strVal val="#ppt_x"/>
+                                          </p:val>
+                                        </p:tav>
+                                        <p:tav tm="100000">
+                                          <p:val>
+                                            <p:strVal val="#ppt_x"/>
+                                          </p:val>
+                                        </p:tav>
+                                      </p:tavLst>
+                                    </p:anim>
+                                    <p:anim calcmode="lin" valueType="num">
+                                      <p:cBhvr additive="base">
+                                        <p:cTn id="14" dur="500" fill="hold"/>
+                                        <p:tgtEl>
+                                          <p:spTgt spid="7"/>
+                                        </p:tgtEl>
+                                        <p:attrNameLst>
+                                          <p:attrName>ppt_y</p:attrName>
+                                        </p:attrNameLst>
+                                      </p:cBhvr>
+                                      <p:tavLst>
+                                        <p:tav tm="0">
+                                          <p:val>
+                                            <p:strVal val="1+#ppt_h/2"/>
+                                          </p:val>
+                                        </p:tav>
+                                        <p:tav tm="100000">
+                                          <p:val>
+                                            <p:strVal val="#ppt_y"/>
+                                          </p:val>
+                                        </p:tav>
+                                      </p:tavLst>
+                                    </p:anim>
+                                  </p:childTnLst>
+                                </p:cTn>
+                              </p:par>
+                            </p:childTnLst>
+                          </p:cTn>
+                        </p:par>
+                      </p:childTnLst>
+                    </p:cTn>
+                  </p:par>
+                  <p:par>
+                    <p:cTn id="15" fill="hold">
+                      <p:stCondLst>
+                        <p:cond delay="indefinite"/>
+                      </p:stCondLst>
+                      <p:childTnLst>
+                        <p:par>
+                          <p:cTn id="16" fill="hold">
+                            <p:stCondLst>
+                              <p:cond delay="0"/>
+                            </p:stCondLst>
+                            <p:childTnLst>
+                              <p:par>
+                                <p:cTn id="17" presetID="2" presetClass="entr" presetSubtype="4" fill="hold" grpId="0" nodeType="clickEffect">
+                                  <p:stCondLst>
+                                    <p:cond delay="0"/>
+                                  </p:stCondLst>
+                                  <p:childTnLst>
+                                    <p:set>
+                                      <p:cBhvr>
+                                        <p:cTn id="18" dur="1" fill="hold">
+                                          <p:stCondLst>
+                                            <p:cond delay="0"/>
+                                          </p:stCondLst>
+                                        </p:cTn>
+                                        <p:tgtEl>
+                                          <p:spTgt spid="8"/>
+                                        </p:tgtEl>
+                                        <p:attrNameLst>
+                                          <p:attrName>style.visibility</p:attrName>
+                                        </p:attrNameLst>
+                                      </p:cBhvr>
+                                      <p:to>
+                                        <p:strVal val="visible"/>
+                                      </p:to>
+                                    </p:set>
+                                    <p:anim calcmode="lin" valueType="num">
+                                      <p:cBhvr additive="base">
+                                        <p:cTn id="19" dur="500" fill="hold"/>
+                                        <p:tgtEl>
+                                          <p:spTgt spid="8"/>
+                                        </p:tgtEl>
+                                        <p:attrNameLst>
+                                          <p:attrName>ppt_x</p:attrName>
+                                        </p:attrNameLst>
+                                      </p:cBhvr>
+                                      <p:tavLst>
+                                        <p:tav tm="0">
+                                          <p:val>
+                                            <p:strVal val="#ppt_x"/>
+                                          </p:val>
+                                        </p:tav>
+                                        <p:tav tm="100000">
+                                          <p:val>
+                                            <p:strVal val="#ppt_x"/>
+                                          </p:val>
+                                        </p:tav>
+                                      </p:tavLst>
+                                    </p:anim>
+                                    <p:anim calcmode="lin" valueType="num">
+                                      <p:cBhvr additive="base">
+                                        <p:cTn id="20" dur="500" fill="hold"/>
+                                        <p:tgtEl>
+                                          <p:spTgt spid="8"/>
+                                        </p:tgtEl>
+                                        <p:attrNameLst>
+                                          <p:attrName>ppt_y</p:attrName>
+                                        </p:attrNameLst>
+                                      </p:cBhvr>
+                                      <p:tavLst>
+                                        <p:tav tm="0">
+                                          <p:val>
+                                            <p:strVal val="1+#ppt_h/2"/>
+                                          </p:val>
+                                        </p:tav>
+                                        <p:tav tm="100000">
+                                          <p:val>
+                                            <p:strVal val="#ppt_y"/>
+                                          </p:val>
+                                        </p:tav>
+                                      </p:tavLst>
+                                    </p:anim>
+                                  </p:childTnLst>
+                                </p:cTn>
+                              </p:par>
+                            </p:childTnLst>
+                          </p:cTn>
+                        </p:par>
+                      </p:childTnLst>
+                    </p:cTn>
+                  </p:par>
+                </p:childTnLst>
+              </p:cTn>
+              <p:prevCondLst>
+                <p:cond evt="onPrev" delay="0">
+                  <p:tgtEl>
+                    <p:sldTgt/>
+                  </p:tgtEl>
+                </p:cond>
+              </p:prevCondLst>
+              <p:nextCondLst>
+                <p:cond evt="onNext" delay="0">
+                  <p:tgtEl>
+                    <p:sldTgt/>
+                  </p:tgtEl>
+                </p:cond>
+              </p:nextCondLst>
+            </p:seq>
+          </p:childTnLst>
+        </p:cTn>
+      </p:par>
+    </p:tnLst>
+    <p:bldLst>
+      <p:bldP spid="10" grpId="0"/>
+      <p:bldP spid="8" grpId="0"/>
+      <p:bldP spid="7" grpId="0"/>
+    </p:bldLst>
+  </p:timing>
+</p:sld>
+</file>
+
+<file path=ppt/slides/slide30.xml><?xml version="1.0" encoding="utf-8"?>
 <p:sld xmlns:a="http://schemas.openxmlformats.org/drawingml/2006/main" xmlns:r="http://schemas.openxmlformats.org/officeDocument/2006/relationships" xmlns:p="http://schemas.openxmlformats.org/presentationml/2006/main">
   <p:cSld>
     <p:spTree>
@@ -23253,7 +26361,7 @@
 </p:sld>
 </file>
 
-<file path=ppt/slides/slide29.xml><?xml version="1.0" encoding="utf-8"?>
+<file path=ppt/slides/slide31.xml><?xml version="1.0" encoding="utf-8"?>
 <p:sld xmlns:a="http://schemas.openxmlformats.org/drawingml/2006/main" xmlns:r="http://schemas.openxmlformats.org/officeDocument/2006/relationships" xmlns:p="http://schemas.openxmlformats.org/presentationml/2006/main">
   <p:cSld>
     <p:spTree>
@@ -23716,734 +26824,7 @@
 </p:sld>
 </file>
 
-<file path=ppt/slides/slide3.xml><?xml version="1.0" encoding="utf-8"?>
-<p:sld xmlns:a="http://schemas.openxmlformats.org/drawingml/2006/main" xmlns:r="http://schemas.openxmlformats.org/officeDocument/2006/relationships" xmlns:p="http://schemas.openxmlformats.org/presentationml/2006/main">
-  <p:cSld>
-    <p:spTree>
-      <p:nvGrpSpPr>
-        <p:cNvPr id="1" name=""/>
-        <p:cNvGrpSpPr/>
-        <p:nvPr/>
-      </p:nvGrpSpPr>
-      <p:grpSpPr>
-        <a:xfrm>
-          <a:off x="0" y="0"/>
-          <a:ext cx="0" cy="0"/>
-          <a:chOff x="0" y="0"/>
-          <a:chExt cx="0" cy="0"/>
-        </a:xfrm>
-      </p:grpSpPr>
-      <p:sp>
-        <p:nvSpPr>
-          <p:cNvPr id="4" name="Rectangle 1"/>
-          <p:cNvSpPr>
-            <a:spLocks noChangeArrowheads="1"/>
-          </p:cNvSpPr>
-          <p:nvPr/>
-        </p:nvSpPr>
-        <p:spPr bwMode="auto">
-          <a:xfrm>
-            <a:off x="0" y="279102"/>
-            <a:ext cx="9104312" cy="871324"/>
-          </a:xfrm>
-          <a:prstGeom prst="rect">
-            <a:avLst/>
-          </a:prstGeom>
-          <a:noFill/>
-          <a:ln w="9525">
-            <a:noFill/>
-            <a:round/>
-            <a:headEnd/>
-            <a:tailEnd/>
-          </a:ln>
-        </p:spPr>
-        <p:txBody>
-          <a:bodyPr lIns="0" tIns="0" rIns="0" bIns="0" anchor="ctr"/>
-          <a:lstStyle/>
-          <a:p>
-            <a:pPr algn="ctr" hangingPunct="0">
-              <a:lnSpc>
-                <a:spcPct val="98000"/>
-              </a:lnSpc>
-              <a:buSzPct val="45000"/>
-              <a:buFont typeface="Wingdings" pitchFamily="2" charset="2"/>
-              <a:buNone/>
-              <a:tabLst>
-                <a:tab pos="0" algn="l"/>
-                <a:tab pos="914400" algn="l"/>
-                <a:tab pos="1828800" algn="l"/>
-                <a:tab pos="2743200" algn="l"/>
-                <a:tab pos="3657600" algn="l"/>
-                <a:tab pos="4572000" algn="l"/>
-                <a:tab pos="5486400" algn="l"/>
-                <a:tab pos="6400800" algn="l"/>
-                <a:tab pos="7315200" algn="l"/>
-                <a:tab pos="8229600" algn="l"/>
-                <a:tab pos="9144000" algn="l"/>
-                <a:tab pos="10058400" algn="l"/>
-              </a:tabLst>
-            </a:pPr>
-            <a:r>
-              <a:rPr lang="en-US" sz="4800" dirty="0" smtClean="0">
-                <a:solidFill>
-                  <a:schemeClr val="tx1"/>
-                </a:solidFill>
-                <a:latin typeface="Times New Roman" pitchFamily="18" charset="0"/>
-                <a:cs typeface="Times New Roman" pitchFamily="18" charset="0"/>
-              </a:rPr>
-              <a:t>Sample Spaces</a:t>
-            </a:r>
-          </a:p>
-        </p:txBody>
-      </p:sp>
-      <p:pic>
-        <p:nvPicPr>
-          <p:cNvPr id="5" name="Picture 2"/>
-          <p:cNvPicPr>
-            <a:picLocks noChangeAspect="1" noChangeArrowheads="1"/>
-          </p:cNvPicPr>
-          <p:nvPr/>
-        </p:nvPicPr>
-        <p:blipFill>
-          <a:blip r:embed="rId2" cstate="print"/>
-          <a:srcRect/>
-          <a:stretch>
-            <a:fillRect/>
-          </a:stretch>
-        </p:blipFill>
-        <p:spPr bwMode="auto">
-          <a:xfrm>
-            <a:off x="484188" y="76200"/>
-            <a:ext cx="8202612" cy="239712"/>
-          </a:xfrm>
-          <a:prstGeom prst="rect">
-            <a:avLst/>
-          </a:prstGeom>
-          <a:noFill/>
-          <a:ln w="9525">
-            <a:noFill/>
-            <a:round/>
-            <a:headEnd/>
-            <a:tailEnd/>
-          </a:ln>
-        </p:spPr>
-      </p:pic>
-      <p:sp>
-        <p:nvSpPr>
-          <p:cNvPr id="6" name="Rectangle 5"/>
-          <p:cNvSpPr>
-            <a:spLocks noChangeArrowheads="1"/>
-          </p:cNvSpPr>
-          <p:nvPr/>
-        </p:nvSpPr>
-        <p:spPr bwMode="auto">
-          <a:xfrm>
-            <a:off x="228600" y="1253403"/>
-            <a:ext cx="8686800" cy="1197088"/>
-          </a:xfrm>
-          <a:prstGeom prst="rect">
-            <a:avLst/>
-          </a:prstGeom>
-          <a:noFill/>
-          <a:ln w="9525">
-            <a:noFill/>
-            <a:round/>
-            <a:headEnd/>
-            <a:tailEnd/>
-          </a:ln>
-        </p:spPr>
-        <p:txBody>
-          <a:bodyPr lIns="0" tIns="0" rIns="0" bIns="0"/>
-          <a:lstStyle/>
-          <a:p>
-            <a:pPr marL="620713" indent="-514350">
-              <a:spcBef>
-                <a:spcPts val="800"/>
-              </a:spcBef>
-              <a:buClr>
-                <a:srgbClr val="000000"/>
-              </a:buClr>
-              <a:buSzPct val="100000"/>
-              <a:buFont typeface="Arial"/>
-              <a:buChar char="•"/>
-              <a:tabLst>
-                <a:tab pos="430213" algn="l"/>
-                <a:tab pos="1344613" algn="l"/>
-                <a:tab pos="2259013" algn="l"/>
-                <a:tab pos="3173413" algn="l"/>
-                <a:tab pos="4087813" algn="l"/>
-                <a:tab pos="5002213" algn="l"/>
-                <a:tab pos="5916613" algn="l"/>
-                <a:tab pos="6831013" algn="l"/>
-                <a:tab pos="7745413" algn="l"/>
-                <a:tab pos="8659813" algn="l"/>
-                <a:tab pos="9574213" algn="l"/>
-                <a:tab pos="10488613" algn="l"/>
-              </a:tabLst>
-            </a:pPr>
-            <a:r>
-              <a:rPr lang="en-GB" sz="3200" b="1" dirty="0" smtClean="0">
-                <a:solidFill>
-                  <a:srgbClr val="000000"/>
-                </a:solidFill>
-                <a:latin typeface="Times New Roman" pitchFamily="18" charset="0"/>
-              </a:rPr>
-              <a:t>Sample space</a:t>
-            </a:r>
-            <a:r>
-              <a:rPr lang="en-GB" sz="3200" dirty="0" smtClean="0">
-                <a:solidFill>
-                  <a:srgbClr val="000000"/>
-                </a:solidFill>
-                <a:latin typeface="Times New Roman" pitchFamily="18" charset="0"/>
-              </a:rPr>
-              <a:t>:</a:t>
-            </a:r>
-          </a:p>
-          <a:p>
-            <a:pPr marL="1077913" lvl="1" indent="-514350">
-              <a:spcBef>
-                <a:spcPts val="800"/>
-              </a:spcBef>
-              <a:buClr>
-                <a:srgbClr val="000000"/>
-              </a:buClr>
-              <a:buSzPct val="100000"/>
-              <a:buFont typeface="Arial"/>
-              <a:buChar char="•"/>
-              <a:tabLst>
-                <a:tab pos="430213" algn="l"/>
-                <a:tab pos="1344613" algn="l"/>
-                <a:tab pos="2259013" algn="l"/>
-                <a:tab pos="3173413" algn="l"/>
-                <a:tab pos="4087813" algn="l"/>
-                <a:tab pos="5002213" algn="l"/>
-                <a:tab pos="5916613" algn="l"/>
-                <a:tab pos="6831013" algn="l"/>
-                <a:tab pos="7745413" algn="l"/>
-                <a:tab pos="8659813" algn="l"/>
-                <a:tab pos="9574213" algn="l"/>
-                <a:tab pos="10488613" algn="l"/>
-              </a:tabLst>
-            </a:pPr>
-            <a:r>
-              <a:rPr lang="en-GB" sz="2800" dirty="0" smtClean="0">
-                <a:solidFill>
-                  <a:srgbClr val="000000"/>
-                </a:solidFill>
-                <a:latin typeface="Times New Roman" pitchFamily="18" charset="0"/>
-              </a:rPr>
-              <a:t>Standard lingo:</a:t>
-            </a:r>
-          </a:p>
-        </p:txBody>
-      </p:sp>
-      <p:sp>
-        <p:nvSpPr>
-          <p:cNvPr id="10" name="Rectangle 9"/>
-          <p:cNvSpPr>
-            <a:spLocks noChangeArrowheads="1"/>
-          </p:cNvSpPr>
-          <p:nvPr/>
-        </p:nvSpPr>
-        <p:spPr bwMode="auto">
-          <a:xfrm>
-            <a:off x="228600" y="2588138"/>
-            <a:ext cx="8686800" cy="1248599"/>
-          </a:xfrm>
-          <a:prstGeom prst="rect">
-            <a:avLst/>
-          </a:prstGeom>
-          <a:noFill/>
-          <a:ln w="9525">
-            <a:noFill/>
-            <a:round/>
-            <a:headEnd/>
-            <a:tailEnd/>
-          </a:ln>
-        </p:spPr>
-        <p:txBody>
-          <a:bodyPr lIns="0" tIns="0" rIns="0" bIns="0"/>
-          <a:lstStyle/>
-          <a:p>
-            <a:pPr marL="1535113" lvl="2" indent="-514350">
-              <a:spcBef>
-                <a:spcPts val="800"/>
-              </a:spcBef>
-              <a:buClr>
-                <a:srgbClr val="000000"/>
-              </a:buClr>
-              <a:buSzPct val="100000"/>
-              <a:buFont typeface="Arial"/>
-              <a:buChar char="•"/>
-              <a:tabLst>
-                <a:tab pos="430213" algn="l"/>
-                <a:tab pos="1344613" algn="l"/>
-                <a:tab pos="2259013" algn="l"/>
-                <a:tab pos="3173413" algn="l"/>
-                <a:tab pos="4087813" algn="l"/>
-                <a:tab pos="5002213" algn="l"/>
-                <a:tab pos="5916613" algn="l"/>
-                <a:tab pos="6831013" algn="l"/>
-                <a:tab pos="7745413" algn="l"/>
-                <a:tab pos="8659813" algn="l"/>
-                <a:tab pos="9574213" algn="l"/>
-                <a:tab pos="10488613" algn="l"/>
-              </a:tabLst>
-            </a:pPr>
-            <a:r>
-              <a:rPr lang="en-GB" sz="2600" dirty="0" smtClean="0">
-                <a:solidFill>
-                  <a:srgbClr val="000000"/>
-                </a:solidFill>
-                <a:latin typeface="Times New Roman" pitchFamily="18" charset="0"/>
-              </a:rPr>
-              <a:t>We will always stick with the term “</a:t>
-            </a:r>
-            <a:r>
-              <a:rPr lang="en-GB" sz="2600" i="1" u="sng" dirty="0" smtClean="0">
-                <a:solidFill>
-                  <a:srgbClr val="000000"/>
-                </a:solidFill>
-                <a:latin typeface="Times New Roman" pitchFamily="18" charset="0"/>
-              </a:rPr>
-              <a:t>experiment</a:t>
-            </a:r>
-            <a:r>
-              <a:rPr lang="en-GB" sz="2600" dirty="0" smtClean="0">
-                <a:solidFill>
-                  <a:srgbClr val="000000"/>
-                </a:solidFill>
-                <a:latin typeface="Times New Roman" pitchFamily="18" charset="0"/>
-              </a:rPr>
-              <a:t>” to refer to anything in which the outcome(s) are uncertain.</a:t>
-            </a:r>
-          </a:p>
-        </p:txBody>
-      </p:sp>
-      <p:sp>
-        <p:nvSpPr>
-          <p:cNvPr id="8" name="TextBox 7"/>
-          <p:cNvSpPr txBox="1"/>
-          <p:nvPr/>
-        </p:nvSpPr>
-        <p:spPr>
-          <a:xfrm>
-            <a:off x="720195" y="4965481"/>
-            <a:ext cx="7309183" cy="1384995"/>
-          </a:xfrm>
-          <a:prstGeom prst="rect">
-            <a:avLst/>
-          </a:prstGeom>
-          <a:noFill/>
-        </p:spPr>
-        <p:txBody>
-          <a:bodyPr wrap="square" rtlCol="0">
-            <a:spAutoFit/>
-          </a:bodyPr>
-          <a:lstStyle/>
-          <a:p>
-            <a:r>
-              <a:rPr lang="en-US" sz="2800" dirty="0" smtClean="0">
-                <a:latin typeface="Times New Roman"/>
-                <a:cs typeface="Times New Roman"/>
-              </a:rPr>
-              <a:t>NOTE: In this course we are usually referring to outcomes of experiments we CAN specify frequencies for.</a:t>
-            </a:r>
-            <a:endParaRPr lang="en-US" sz="2800" dirty="0">
-              <a:latin typeface="Times New Roman"/>
-              <a:cs typeface="Times New Roman"/>
-            </a:endParaRPr>
-          </a:p>
-        </p:txBody>
-      </p:sp>
-      <p:sp>
-        <p:nvSpPr>
-          <p:cNvPr id="7" name="Rectangle 6"/>
-          <p:cNvSpPr>
-            <a:spLocks noChangeArrowheads="1"/>
-          </p:cNvSpPr>
-          <p:nvPr/>
-        </p:nvSpPr>
-        <p:spPr bwMode="auto">
-          <a:xfrm>
-            <a:off x="228600" y="3898202"/>
-            <a:ext cx="8686800" cy="860915"/>
-          </a:xfrm>
-          <a:prstGeom prst="rect">
-            <a:avLst/>
-          </a:prstGeom>
-          <a:noFill/>
-          <a:ln w="9525">
-            <a:noFill/>
-            <a:round/>
-            <a:headEnd/>
-            <a:tailEnd/>
-          </a:ln>
-        </p:spPr>
-        <p:txBody>
-          <a:bodyPr lIns="0" tIns="0" rIns="0" bIns="0"/>
-          <a:lstStyle/>
-          <a:p>
-            <a:pPr marL="1992313" lvl="3" indent="-514350">
-              <a:spcBef>
-                <a:spcPts val="800"/>
-              </a:spcBef>
-              <a:buClr>
-                <a:srgbClr val="000000"/>
-              </a:buClr>
-              <a:buSzPct val="100000"/>
-              <a:buFont typeface="Arial"/>
-              <a:buChar char="•"/>
-              <a:tabLst>
-                <a:tab pos="430213" algn="l"/>
-                <a:tab pos="1344613" algn="l"/>
-                <a:tab pos="2259013" algn="l"/>
-                <a:tab pos="3173413" algn="l"/>
-                <a:tab pos="4087813" algn="l"/>
-                <a:tab pos="5002213" algn="l"/>
-                <a:tab pos="5916613" algn="l"/>
-                <a:tab pos="6831013" algn="l"/>
-                <a:tab pos="7745413" algn="l"/>
-                <a:tab pos="8659813" algn="l"/>
-                <a:tab pos="9574213" algn="l"/>
-                <a:tab pos="10488613" algn="l"/>
-              </a:tabLst>
-            </a:pPr>
-            <a:r>
-              <a:rPr lang="en-GB" sz="2400" dirty="0" smtClean="0">
-                <a:solidFill>
-                  <a:srgbClr val="000000"/>
-                </a:solidFill>
-                <a:latin typeface="Times New Roman" pitchFamily="18" charset="0"/>
-              </a:rPr>
-              <a:t>Applies to outcomes we both can and cannot specify a frequency for.</a:t>
-            </a:r>
-          </a:p>
-        </p:txBody>
-      </p:sp>
-    </p:spTree>
-    <p:extLst>
-      <p:ext uri="{BB962C8B-B14F-4D97-AF65-F5344CB8AC3E}">
-        <p14:creationId xmlns:p14="http://schemas.microsoft.com/office/powerpoint/2010/main" val="723290157"/>
-      </p:ext>
-    </p:extLst>
-  </p:cSld>
-  <p:clrMapOvr>
-    <a:masterClrMapping/>
-  </p:clrMapOvr>
-  <p:timing>
-    <p:tnLst>
-      <p:par>
-        <p:cTn xmlns:p14="http://schemas.microsoft.com/office/powerpoint/2010/main" id="1" dur="indefinite" restart="never" nodeType="tmRoot">
-          <p:childTnLst>
-            <p:seq concurrent="1" nextAc="seek">
-              <p:cTn id="2" dur="indefinite" nodeType="mainSeq">
-                <p:childTnLst>
-                  <p:par>
-                    <p:cTn id="3" fill="hold">
-                      <p:stCondLst>
-                        <p:cond delay="indefinite"/>
-                      </p:stCondLst>
-                      <p:childTnLst>
-                        <p:par>
-                          <p:cTn id="4" fill="hold">
-                            <p:stCondLst>
-                              <p:cond delay="0"/>
-                            </p:stCondLst>
-                            <p:childTnLst>
-                              <p:par>
-                                <p:cTn id="5" presetID="2" presetClass="entr" presetSubtype="4" fill="hold" grpId="0" nodeType="clickEffect">
-                                  <p:stCondLst>
-                                    <p:cond delay="0"/>
-                                  </p:stCondLst>
-                                  <p:childTnLst>
-                                    <p:set>
-                                      <p:cBhvr>
-                                        <p:cTn id="6" dur="1" fill="hold">
-                                          <p:stCondLst>
-                                            <p:cond delay="0"/>
-                                          </p:stCondLst>
-                                        </p:cTn>
-                                        <p:tgtEl>
-                                          <p:spTgt spid="10"/>
-                                        </p:tgtEl>
-                                        <p:attrNameLst>
-                                          <p:attrName>style.visibility</p:attrName>
-                                        </p:attrNameLst>
-                                      </p:cBhvr>
-                                      <p:to>
-                                        <p:strVal val="visible"/>
-                                      </p:to>
-                                    </p:set>
-                                    <p:anim calcmode="lin" valueType="num">
-                                      <p:cBhvr additive="base">
-                                        <p:cTn id="7" dur="500" fill="hold"/>
-                                        <p:tgtEl>
-                                          <p:spTgt spid="10"/>
-                                        </p:tgtEl>
-                                        <p:attrNameLst>
-                                          <p:attrName>ppt_x</p:attrName>
-                                        </p:attrNameLst>
-                                      </p:cBhvr>
-                                      <p:tavLst>
-                                        <p:tav tm="0">
-                                          <p:val>
-                                            <p:strVal val="#ppt_x"/>
-                                          </p:val>
-                                        </p:tav>
-                                        <p:tav tm="100000">
-                                          <p:val>
-                                            <p:strVal val="#ppt_x"/>
-                                          </p:val>
-                                        </p:tav>
-                                      </p:tavLst>
-                                    </p:anim>
-                                    <p:anim calcmode="lin" valueType="num">
-                                      <p:cBhvr additive="base">
-                                        <p:cTn id="8" dur="500" fill="hold"/>
-                                        <p:tgtEl>
-                                          <p:spTgt spid="10"/>
-                                        </p:tgtEl>
-                                        <p:attrNameLst>
-                                          <p:attrName>ppt_y</p:attrName>
-                                        </p:attrNameLst>
-                                      </p:cBhvr>
-                                      <p:tavLst>
-                                        <p:tav tm="0">
-                                          <p:val>
-                                            <p:strVal val="1+#ppt_h/2"/>
-                                          </p:val>
-                                        </p:tav>
-                                        <p:tav tm="100000">
-                                          <p:val>
-                                            <p:strVal val="#ppt_y"/>
-                                          </p:val>
-                                        </p:tav>
-                                      </p:tavLst>
-                                    </p:anim>
-                                  </p:childTnLst>
-                                </p:cTn>
-                              </p:par>
-                            </p:childTnLst>
-                          </p:cTn>
-                        </p:par>
-                      </p:childTnLst>
-                    </p:cTn>
-                  </p:par>
-                  <p:par>
-                    <p:cTn id="9" fill="hold">
-                      <p:stCondLst>
-                        <p:cond delay="indefinite"/>
-                      </p:stCondLst>
-                      <p:childTnLst>
-                        <p:par>
-                          <p:cTn id="10" fill="hold">
-                            <p:stCondLst>
-                              <p:cond delay="0"/>
-                            </p:stCondLst>
-                            <p:childTnLst>
-                              <p:par>
-                                <p:cTn id="11" presetID="2" presetClass="entr" presetSubtype="4" fill="hold" grpId="0" nodeType="clickEffect">
-                                  <p:stCondLst>
-                                    <p:cond delay="0"/>
-                                  </p:stCondLst>
-                                  <p:childTnLst>
-                                    <p:set>
-                                      <p:cBhvr>
-                                        <p:cTn id="12" dur="1" fill="hold">
-                                          <p:stCondLst>
-                                            <p:cond delay="0"/>
-                                          </p:stCondLst>
-                                        </p:cTn>
-                                        <p:tgtEl>
-                                          <p:spTgt spid="7"/>
-                                        </p:tgtEl>
-                                        <p:attrNameLst>
-                                          <p:attrName>style.visibility</p:attrName>
-                                        </p:attrNameLst>
-                                      </p:cBhvr>
-                                      <p:to>
-                                        <p:strVal val="visible"/>
-                                      </p:to>
-                                    </p:set>
-                                    <p:anim calcmode="lin" valueType="num">
-                                      <p:cBhvr additive="base">
-                                        <p:cTn id="13" dur="500" fill="hold"/>
-                                        <p:tgtEl>
-                                          <p:spTgt spid="7"/>
-                                        </p:tgtEl>
-                                        <p:attrNameLst>
-                                          <p:attrName>ppt_x</p:attrName>
-                                        </p:attrNameLst>
-                                      </p:cBhvr>
-                                      <p:tavLst>
-                                        <p:tav tm="0">
-                                          <p:val>
-                                            <p:strVal val="#ppt_x"/>
-                                          </p:val>
-                                        </p:tav>
-                                        <p:tav tm="100000">
-                                          <p:val>
-                                            <p:strVal val="#ppt_x"/>
-                                          </p:val>
-                                        </p:tav>
-                                      </p:tavLst>
-                                    </p:anim>
-                                    <p:anim calcmode="lin" valueType="num">
-                                      <p:cBhvr additive="base">
-                                        <p:cTn id="14" dur="500" fill="hold"/>
-                                        <p:tgtEl>
-                                          <p:spTgt spid="7"/>
-                                        </p:tgtEl>
-                                        <p:attrNameLst>
-                                          <p:attrName>ppt_y</p:attrName>
-                                        </p:attrNameLst>
-                                      </p:cBhvr>
-                                      <p:tavLst>
-                                        <p:tav tm="0">
-                                          <p:val>
-                                            <p:strVal val="1+#ppt_h/2"/>
-                                          </p:val>
-                                        </p:tav>
-                                        <p:tav tm="100000">
-                                          <p:val>
-                                            <p:strVal val="#ppt_y"/>
-                                          </p:val>
-                                        </p:tav>
-                                      </p:tavLst>
-                                    </p:anim>
-                                  </p:childTnLst>
-                                </p:cTn>
-                              </p:par>
-                            </p:childTnLst>
-                          </p:cTn>
-                        </p:par>
-                      </p:childTnLst>
-                    </p:cTn>
-                  </p:par>
-                  <p:par>
-                    <p:cTn id="15" fill="hold">
-                      <p:stCondLst>
-                        <p:cond delay="indefinite"/>
-                      </p:stCondLst>
-                      <p:childTnLst>
-                        <p:par>
-                          <p:cTn id="16" fill="hold">
-                            <p:stCondLst>
-                              <p:cond delay="0"/>
-                            </p:stCondLst>
-                            <p:childTnLst>
-                              <p:par>
-                                <p:cTn id="17" presetID="2" presetClass="entr" presetSubtype="4" fill="hold" grpId="0" nodeType="clickEffect">
-                                  <p:stCondLst>
-                                    <p:cond delay="0"/>
-                                  </p:stCondLst>
-                                  <p:childTnLst>
-                                    <p:set>
-                                      <p:cBhvr>
-                                        <p:cTn id="18" dur="1" fill="hold">
-                                          <p:stCondLst>
-                                            <p:cond delay="0"/>
-                                          </p:stCondLst>
-                                        </p:cTn>
-                                        <p:tgtEl>
-                                          <p:spTgt spid="8"/>
-                                        </p:tgtEl>
-                                        <p:attrNameLst>
-                                          <p:attrName>style.visibility</p:attrName>
-                                        </p:attrNameLst>
-                                      </p:cBhvr>
-                                      <p:to>
-                                        <p:strVal val="visible"/>
-                                      </p:to>
-                                    </p:set>
-                                    <p:anim calcmode="lin" valueType="num">
-                                      <p:cBhvr additive="base">
-                                        <p:cTn id="19" dur="500" fill="hold"/>
-                                        <p:tgtEl>
-                                          <p:spTgt spid="8"/>
-                                        </p:tgtEl>
-                                        <p:attrNameLst>
-                                          <p:attrName>ppt_x</p:attrName>
-                                        </p:attrNameLst>
-                                      </p:cBhvr>
-                                      <p:tavLst>
-                                        <p:tav tm="0">
-                                          <p:val>
-                                            <p:strVal val="#ppt_x"/>
-                                          </p:val>
-                                        </p:tav>
-                                        <p:tav tm="100000">
-                                          <p:val>
-                                            <p:strVal val="#ppt_x"/>
-                                          </p:val>
-                                        </p:tav>
-                                      </p:tavLst>
-                                    </p:anim>
-                                    <p:anim calcmode="lin" valueType="num">
-                                      <p:cBhvr additive="base">
-                                        <p:cTn id="20" dur="500" fill="hold"/>
-                                        <p:tgtEl>
-                                          <p:spTgt spid="8"/>
-                                        </p:tgtEl>
-                                        <p:attrNameLst>
-                                          <p:attrName>ppt_y</p:attrName>
-                                        </p:attrNameLst>
-                                      </p:cBhvr>
-                                      <p:tavLst>
-                                        <p:tav tm="0">
-                                          <p:val>
-                                            <p:strVal val="1+#ppt_h/2"/>
-                                          </p:val>
-                                        </p:tav>
-                                        <p:tav tm="100000">
-                                          <p:val>
-                                            <p:strVal val="#ppt_y"/>
-                                          </p:val>
-                                        </p:tav>
-                                      </p:tavLst>
-                                    </p:anim>
-                                  </p:childTnLst>
-                                </p:cTn>
-                              </p:par>
-                            </p:childTnLst>
-                          </p:cTn>
-                        </p:par>
-                      </p:childTnLst>
-                    </p:cTn>
-                  </p:par>
-                </p:childTnLst>
-              </p:cTn>
-              <p:prevCondLst>
-                <p:cond evt="onPrev" delay="0">
-                  <p:tgtEl>
-                    <p:sldTgt/>
-                  </p:tgtEl>
-                </p:cond>
-              </p:prevCondLst>
-              <p:nextCondLst>
-                <p:cond evt="onNext" delay="0">
-                  <p:tgtEl>
-                    <p:sldTgt/>
-                  </p:tgtEl>
-                </p:cond>
-              </p:nextCondLst>
-            </p:seq>
-          </p:childTnLst>
-        </p:cTn>
-      </p:par>
-    </p:tnLst>
-    <p:bldLst>
-      <p:bldP spid="10" grpId="0"/>
-      <p:bldP spid="8" grpId="0"/>
-      <p:bldP spid="7" grpId="0"/>
-    </p:bldLst>
-  </p:timing>
-</p:sld>
-</file>
-
-<file path=ppt/slides/slide30.xml><?xml version="1.0" encoding="utf-8"?>
+<file path=ppt/slides/slide32.xml><?xml version="1.0" encoding="utf-8"?>
 <p:sld xmlns:a="http://schemas.openxmlformats.org/drawingml/2006/main" xmlns:r="http://schemas.openxmlformats.org/officeDocument/2006/relationships" xmlns:p="http://schemas.openxmlformats.org/presentationml/2006/main">
   <p:cSld>
     <p:spTree>
@@ -25933,7 +28314,7 @@
 </p:sld>
 </file>
 
-<file path=ppt/slides/slide31.xml><?xml version="1.0" encoding="utf-8"?>
+<file path=ppt/slides/slide33.xml><?xml version="1.0" encoding="utf-8"?>
 <p:sld xmlns:a="http://schemas.openxmlformats.org/drawingml/2006/main" xmlns:r="http://schemas.openxmlformats.org/officeDocument/2006/relationships" xmlns:p="http://schemas.openxmlformats.org/presentationml/2006/main">
   <p:cSld>
     <p:spTree>
@@ -26491,7 +28872,7 @@
 </p:sld>
 </file>
 
-<file path=ppt/slides/slide32.xml><?xml version="1.0" encoding="utf-8"?>
+<file path=ppt/slides/slide34.xml><?xml version="1.0" encoding="utf-8"?>
 <p:sld xmlns:a="http://schemas.openxmlformats.org/drawingml/2006/main" xmlns:r="http://schemas.openxmlformats.org/officeDocument/2006/relationships" xmlns:p="http://schemas.openxmlformats.org/presentationml/2006/main">
   <p:cSld>
     <p:spTree>
@@ -27297,7 +29678,7 @@
 </p:sld>
 </file>
 
-<file path=ppt/slides/slide33.xml><?xml version="1.0" encoding="utf-8"?>
+<file path=ppt/slides/slide35.xml><?xml version="1.0" encoding="utf-8"?>
 <p:sld xmlns:a="http://schemas.openxmlformats.org/drawingml/2006/main" xmlns:r="http://schemas.openxmlformats.org/officeDocument/2006/relationships" xmlns:p="http://schemas.openxmlformats.org/presentationml/2006/main">
   <p:cSld>
     <p:spTree>
@@ -27857,7 +30238,7 @@
 </p:sld>
 </file>
 
-<file path=ppt/slides/slide34.xml><?xml version="1.0" encoding="utf-8"?>
+<file path=ppt/slides/slide36.xml><?xml version="1.0" encoding="utf-8"?>
 <p:sld xmlns:a="http://schemas.openxmlformats.org/drawingml/2006/main" xmlns:r="http://schemas.openxmlformats.org/officeDocument/2006/relationships" xmlns:p="http://schemas.openxmlformats.org/presentationml/2006/main">
   <p:cSld>
     <p:spTree>
@@ -28445,7 +30826,7 @@
 </p:sld>
 </file>
 
-<file path=ppt/slides/slide35.xml><?xml version="1.0" encoding="utf-8"?>
+<file path=ppt/slides/slide37.xml><?xml version="1.0" encoding="utf-8"?>
 <p:sld xmlns:a="http://schemas.openxmlformats.org/drawingml/2006/main" xmlns:r="http://schemas.openxmlformats.org/officeDocument/2006/relationships" xmlns:p="http://schemas.openxmlformats.org/presentationml/2006/main">
   <p:cSld>
     <p:spTree>
@@ -29758,7 +32139,7 @@
 </p:sld>
 </file>
 
-<file path=ppt/slides/slide36.xml><?xml version="1.0" encoding="utf-8"?>
+<file path=ppt/slides/slide38.xml><?xml version="1.0" encoding="utf-8"?>
 <p:sld xmlns:a="http://schemas.openxmlformats.org/drawingml/2006/main" xmlns:r="http://schemas.openxmlformats.org/officeDocument/2006/relationships" xmlns:p="http://schemas.openxmlformats.org/presentationml/2006/main">
   <p:cSld>
     <p:spTree>
@@ -30278,7 +32659,7 @@
 </p:sld>
 </file>
 
-<file path=ppt/slides/slide37.xml><?xml version="1.0" encoding="utf-8"?>
+<file path=ppt/slides/slide39.xml><?xml version="1.0" encoding="utf-8"?>
 <p:sld xmlns:a="http://schemas.openxmlformats.org/drawingml/2006/main" xmlns:r="http://schemas.openxmlformats.org/officeDocument/2006/relationships" xmlns:p="http://schemas.openxmlformats.org/presentationml/2006/main">
   <p:cSld>
     <p:spTree>
